--- a/발표자료.pptx
+++ b/발표자료.pptx
@@ -5,44 +5,51 @@
     <p:sldMasterId id="2147483696" r:id="rId1"/>
   </p:sldMasterIdLst>
   <p:handoutMasterIdLst>
-    <p:handoutMasterId r:id="rId11"/>
+    <p:handoutMasterId r:id="rId18"/>
   </p:handoutMasterIdLst>
   <p:sldIdLst>
     <p:sldId id="261" r:id="rId2"/>
     <p:sldId id="260" r:id="rId3"/>
     <p:sldId id="262" r:id="rId4"/>
     <p:sldId id="259" r:id="rId5"/>
-    <p:sldId id="263" r:id="rId6"/>
-    <p:sldId id="264" r:id="rId7"/>
-    <p:sldId id="265" r:id="rId8"/>
-    <p:sldId id="267" r:id="rId9"/>
-    <p:sldId id="266" r:id="rId10"/>
+    <p:sldId id="268" r:id="rId6"/>
+    <p:sldId id="263" r:id="rId7"/>
+    <p:sldId id="269" r:id="rId8"/>
+    <p:sldId id="270" r:id="rId9"/>
+    <p:sldId id="271" r:id="rId10"/>
+    <p:sldId id="272" r:id="rId11"/>
+    <p:sldId id="264" r:id="rId12"/>
+    <p:sldId id="265" r:id="rId13"/>
+    <p:sldId id="273" r:id="rId14"/>
+    <p:sldId id="274" r:id="rId15"/>
+    <p:sldId id="267" r:id="rId16"/>
+    <p:sldId id="266" r:id="rId17"/>
   </p:sldIdLst>
   <p:sldSz cx="9144000" cy="6858000" type="screen4x3"/>
   <p:notesSz cx="6858000" cy="9144000"/>
   <p:embeddedFontLst>
     <p:embeddedFont>
+      <p:font typeface="맑은 고딕" pitchFamily="50" charset="-127"/>
+      <p:regular r:id="rId19"/>
+      <p:bold r:id="rId20"/>
+    </p:embeddedFont>
+    <p:embeddedFont>
       <p:font typeface="Georgia" pitchFamily="18" charset="0"/>
-      <p:regular r:id="rId12"/>
-      <p:bold r:id="rId13"/>
-      <p:italic r:id="rId14"/>
-      <p:boldItalic r:id="rId15"/>
+      <p:regular r:id="rId21"/>
+      <p:bold r:id="rId22"/>
+      <p:italic r:id="rId23"/>
+      <p:boldItalic r:id="rId24"/>
     </p:embeddedFont>
     <p:embeddedFont>
       <p:font typeface="Verdana" pitchFamily="34" charset="0"/>
-      <p:regular r:id="rId16"/>
-      <p:bold r:id="rId17"/>
-      <p:italic r:id="rId18"/>
-      <p:boldItalic r:id="rId19"/>
+      <p:regular r:id="rId25"/>
+      <p:bold r:id="rId26"/>
+      <p:italic r:id="rId27"/>
+      <p:boldItalic r:id="rId28"/>
     </p:embeddedFont>
     <p:embeddedFont>
       <p:font typeface="HY견명조" pitchFamily="18" charset="-127"/>
-      <p:regular r:id="rId20"/>
-    </p:embeddedFont>
-    <p:embeddedFont>
-      <p:font typeface="맑은 고딕" pitchFamily="50" charset="-127"/>
-      <p:regular r:id="rId21"/>
-      <p:bold r:id="rId22"/>
+      <p:regular r:id="rId29"/>
     </p:embeddedFont>
   </p:embeddedFontLst>
   <p:defaultTextStyle>
@@ -142,7 +149,7 @@
   </p:defaultTextStyle>
   <p:extLst>
     <p:ext uri="{EFAFB233-063F-42B5-8137-9DF3F51BA10A}">
-      <p15:sldGuideLst xmlns:p15="http://schemas.microsoft.com/office/powerpoint/2012/main" xmlns="">
+      <p15:sldGuideLst xmlns="" xmlns:p15="http://schemas.microsoft.com/office/powerpoint/2012/main">
         <p15:guide id="1" orient="horz" pos="2160" userDrawn="1">
           <p15:clr>
             <a:srgbClr val="A4A3A4"/>
@@ -156,7 +163,7 @@
       </p15:sldGuideLst>
     </p:ext>
     <p:ext uri="{2D200454-40CA-4A62-9FC3-DE9A4176ACB9}">
-      <p15:notesGuideLst xmlns:p15="http://schemas.microsoft.com/office/powerpoint/2012/main" xmlns=""/>
+      <p15:notesGuideLst xmlns="" xmlns:p15="http://schemas.microsoft.com/office/powerpoint/2012/main"/>
     </p:ext>
   </p:extLst>
 </p:presentation>
@@ -310,7 +317,7 @@
           <a:p>
             <a:fld id="{22DC2647-C259-4EB5-84B8-93A3F8E54DE7}" type="datetimeFigureOut">
               <a:rPr lang="ko-KR" altLang="en-US" smtClean="0"/>
-              <a:t>2016-11-29</a:t>
+              <a:t>2016-11-30</a:t>
             </a:fld>
             <a:endParaRPr lang="ko-KR" altLang="en-US"/>
           </a:p>
@@ -458,7 +465,7 @@
           <a:p>
             <a:fld id="{8771C398-EBCC-4210-8AFD-1D056CED0821}" type="datetimeFigureOut">
               <a:rPr lang="ko-KR" altLang="en-US" smtClean="0"/>
-              <a:t>2016-11-29</a:t>
+              <a:t>2016-11-30</a:t>
             </a:fld>
             <a:endParaRPr lang="ko-KR" altLang="en-US"/>
           </a:p>
@@ -628,7 +635,7 @@
           <a:p>
             <a:fld id="{8771C398-EBCC-4210-8AFD-1D056CED0821}" type="datetimeFigureOut">
               <a:rPr lang="ko-KR" altLang="en-US" smtClean="0"/>
-              <a:t>2016-11-29</a:t>
+              <a:t>2016-11-30</a:t>
             </a:fld>
             <a:endParaRPr lang="ko-KR" altLang="en-US"/>
           </a:p>
@@ -808,7 +815,7 @@
           <a:p>
             <a:fld id="{8771C398-EBCC-4210-8AFD-1D056CED0821}" type="datetimeFigureOut">
               <a:rPr lang="ko-KR" altLang="en-US" smtClean="0"/>
-              <a:t>2016-11-29</a:t>
+              <a:t>2016-11-30</a:t>
             </a:fld>
             <a:endParaRPr lang="ko-KR" altLang="en-US"/>
           </a:p>
@@ -978,7 +985,7 @@
           <a:p>
             <a:fld id="{8771C398-EBCC-4210-8AFD-1D056CED0821}" type="datetimeFigureOut">
               <a:rPr lang="ko-KR" altLang="en-US" smtClean="0"/>
-              <a:t>2016-11-29</a:t>
+              <a:t>2016-11-30</a:t>
             </a:fld>
             <a:endParaRPr lang="ko-KR" altLang="en-US"/>
           </a:p>
@@ -1222,7 +1229,7 @@
           <a:p>
             <a:fld id="{8771C398-EBCC-4210-8AFD-1D056CED0821}" type="datetimeFigureOut">
               <a:rPr lang="ko-KR" altLang="en-US" smtClean="0"/>
-              <a:t>2016-11-29</a:t>
+              <a:t>2016-11-30</a:t>
             </a:fld>
             <a:endParaRPr lang="ko-KR" altLang="en-US"/>
           </a:p>
@@ -1454,7 +1461,7 @@
           <a:p>
             <a:fld id="{8771C398-EBCC-4210-8AFD-1D056CED0821}" type="datetimeFigureOut">
               <a:rPr lang="ko-KR" altLang="en-US" smtClean="0"/>
-              <a:t>2016-11-29</a:t>
+              <a:t>2016-11-30</a:t>
             </a:fld>
             <a:endParaRPr lang="ko-KR" altLang="en-US"/>
           </a:p>
@@ -1828,7 +1835,7 @@
           <a:p>
             <a:fld id="{8771C398-EBCC-4210-8AFD-1D056CED0821}" type="datetimeFigureOut">
               <a:rPr lang="ko-KR" altLang="en-US" smtClean="0"/>
-              <a:t>2016-11-29</a:t>
+              <a:t>2016-11-30</a:t>
             </a:fld>
             <a:endParaRPr lang="ko-KR" altLang="en-US"/>
           </a:p>
@@ -1946,7 +1953,7 @@
           <a:p>
             <a:fld id="{8771C398-EBCC-4210-8AFD-1D056CED0821}" type="datetimeFigureOut">
               <a:rPr lang="ko-KR" altLang="en-US" smtClean="0"/>
-              <a:t>2016-11-29</a:t>
+              <a:t>2016-11-30</a:t>
             </a:fld>
             <a:endParaRPr lang="ko-KR" altLang="en-US"/>
           </a:p>
@@ -2041,7 +2048,7 @@
           <a:p>
             <a:fld id="{8771C398-EBCC-4210-8AFD-1D056CED0821}" type="datetimeFigureOut">
               <a:rPr lang="ko-KR" altLang="en-US" smtClean="0"/>
-              <a:t>2016-11-29</a:t>
+              <a:t>2016-11-30</a:t>
             </a:fld>
             <a:endParaRPr lang="ko-KR" altLang="en-US"/>
           </a:p>
@@ -2325,7 +2332,7 @@
           <a:p>
             <a:fld id="{8771C398-EBCC-4210-8AFD-1D056CED0821}" type="datetimeFigureOut">
               <a:rPr lang="ko-KR" altLang="en-US" smtClean="0"/>
-              <a:t>2016-11-29</a:t>
+              <a:t>2016-11-30</a:t>
             </a:fld>
             <a:endParaRPr lang="ko-KR" altLang="en-US"/>
           </a:p>
@@ -2582,7 +2589,7 @@
           <a:p>
             <a:fld id="{8771C398-EBCC-4210-8AFD-1D056CED0821}" type="datetimeFigureOut">
               <a:rPr lang="ko-KR" altLang="en-US" smtClean="0"/>
-              <a:t>2016-11-29</a:t>
+              <a:t>2016-11-30</a:t>
             </a:fld>
             <a:endParaRPr lang="ko-KR" altLang="en-US"/>
           </a:p>
@@ -2798,7 +2805,7 @@
           <a:p>
             <a:fld id="{8771C398-EBCC-4210-8AFD-1D056CED0821}" type="datetimeFigureOut">
               <a:rPr lang="ko-KR" altLang="en-US" smtClean="0"/>
-              <a:t>2016-11-29</a:t>
+              <a:t>2016-11-30</a:t>
             </a:fld>
             <a:endParaRPr lang="ko-KR" altLang="en-US"/>
           </a:p>
@@ -3473,6 +3480,3642 @@
 </p:sld>
 </file>
 
+<file path=ppt/slides/slide10.xml><?xml version="1.0" encoding="utf-8"?>
+<p:sld xmlns:a="http://schemas.openxmlformats.org/drawingml/2006/main" xmlns:r="http://schemas.openxmlformats.org/officeDocument/2006/relationships" xmlns:p="http://schemas.openxmlformats.org/presentationml/2006/main">
+  <p:cSld>
+    <p:spTree>
+      <p:nvGrpSpPr>
+        <p:cNvPr id="1" name=""/>
+        <p:cNvGrpSpPr/>
+        <p:nvPr/>
+      </p:nvGrpSpPr>
+      <p:grpSpPr>
+        <a:xfrm>
+          <a:off x="0" y="0"/>
+          <a:ext cx="0" cy="0"/>
+          <a:chOff x="0" y="0"/>
+          <a:chExt cx="0" cy="0"/>
+        </a:xfrm>
+      </p:grpSpPr>
+      <p:sp>
+        <p:nvSpPr>
+          <p:cNvPr id="3" name="직사각형 2"/>
+          <p:cNvSpPr/>
+          <p:nvPr/>
+        </p:nvSpPr>
+        <p:spPr>
+          <a:xfrm>
+            <a:off x="0" y="0"/>
+            <a:ext cx="342900" cy="6858000"/>
+          </a:xfrm>
+          <a:prstGeom prst="rect">
+            <a:avLst/>
+          </a:prstGeom>
+          <a:ln>
+            <a:noFill/>
+          </a:ln>
+        </p:spPr>
+        <p:style>
+          <a:lnRef idx="2">
+            <a:schemeClr val="accent1">
+              <a:shade val="50000"/>
+            </a:schemeClr>
+          </a:lnRef>
+          <a:fillRef idx="1">
+            <a:schemeClr val="accent1"/>
+          </a:fillRef>
+          <a:effectRef idx="0">
+            <a:schemeClr val="accent1"/>
+          </a:effectRef>
+          <a:fontRef idx="minor">
+            <a:schemeClr val="lt1"/>
+          </a:fontRef>
+        </p:style>
+        <p:txBody>
+          <a:bodyPr rtlCol="0" anchor="ctr"/>
+          <a:lstStyle/>
+          <a:p>
+            <a:pPr algn="ctr"/>
+            <a:endParaRPr lang="ko-KR" altLang="en-US"/>
+          </a:p>
+        </p:txBody>
+      </p:sp>
+      <p:cxnSp>
+        <p:nvCxnSpPr>
+          <p:cNvPr id="5" name="직선 연결선 4"/>
+          <p:cNvCxnSpPr/>
+          <p:nvPr/>
+        </p:nvCxnSpPr>
+        <p:spPr>
+          <a:xfrm>
+            <a:off x="342900" y="1266825"/>
+            <a:ext cx="7839075" cy="0"/>
+          </a:xfrm>
+          <a:prstGeom prst="line">
+            <a:avLst/>
+          </a:prstGeom>
+        </p:spPr>
+        <p:style>
+          <a:lnRef idx="1">
+            <a:schemeClr val="accent1"/>
+          </a:lnRef>
+          <a:fillRef idx="0">
+            <a:schemeClr val="accent1"/>
+          </a:fillRef>
+          <a:effectRef idx="0">
+            <a:schemeClr val="accent1"/>
+          </a:effectRef>
+          <a:fontRef idx="minor">
+            <a:schemeClr val="tx1"/>
+          </a:fontRef>
+        </p:style>
+      </p:cxnSp>
+      <p:sp>
+        <p:nvSpPr>
+          <p:cNvPr id="6" name="TextBox 5"/>
+          <p:cNvSpPr txBox="1"/>
+          <p:nvPr/>
+        </p:nvSpPr>
+        <p:spPr>
+          <a:xfrm>
+            <a:off x="523875" y="248692"/>
+            <a:ext cx="5363969" cy="769441"/>
+          </a:xfrm>
+          <a:prstGeom prst="rect">
+            <a:avLst/>
+          </a:prstGeom>
+          <a:noFill/>
+        </p:spPr>
+        <p:txBody>
+          <a:bodyPr wrap="none" rtlCol="0">
+            <a:spAutoFit/>
+          </a:bodyPr>
+          <a:lstStyle/>
+          <a:p>
+            <a:r>
+              <a:rPr lang="en-US" altLang="ko-KR" sz="4400" dirty="0" smtClean="0">
+                <a:solidFill>
+                  <a:schemeClr val="accent1"/>
+                </a:solidFill>
+              </a:rPr>
+              <a:t>Step </a:t>
+            </a:r>
+            <a:r>
+              <a:rPr lang="en-US" altLang="ko-KR" sz="4400" dirty="0" smtClean="0">
+                <a:solidFill>
+                  <a:schemeClr val="accent1"/>
+                </a:solidFill>
+              </a:rPr>
+              <a:t>2 </a:t>
+            </a:r>
+            <a:r>
+              <a:rPr lang="en-US" altLang="ko-KR" sz="2800" dirty="0" smtClean="0">
+                <a:solidFill>
+                  <a:schemeClr val="accent1"/>
+                </a:solidFill>
+              </a:rPr>
+              <a:t>– </a:t>
+            </a:r>
+            <a:r>
+              <a:rPr lang="ko-KR" altLang="en-US" sz="2800" dirty="0" smtClean="0">
+                <a:solidFill>
+                  <a:schemeClr val="accent1"/>
+                </a:solidFill>
+              </a:rPr>
+              <a:t>분석</a:t>
+            </a:r>
+            <a:r>
+              <a:rPr lang="en-US" altLang="ko-KR" sz="2800" dirty="0" smtClean="0">
+                <a:solidFill>
+                  <a:schemeClr val="accent1"/>
+                </a:solidFill>
+              </a:rPr>
+              <a:t>(</a:t>
+            </a:r>
+            <a:r>
+              <a:rPr lang="en-US" altLang="ko-KR" sz="2800" dirty="0" smtClean="0">
+                <a:solidFill>
+                  <a:schemeClr val="accent1"/>
+                </a:solidFill>
+              </a:rPr>
+              <a:t>algorithm)</a:t>
+            </a:r>
+            <a:endParaRPr lang="ko-KR" altLang="en-US" sz="4400" dirty="0">
+              <a:solidFill>
+                <a:schemeClr val="accent1"/>
+              </a:solidFill>
+            </a:endParaRPr>
+          </a:p>
+        </p:txBody>
+      </p:sp>
+      <p:sp>
+        <p:nvSpPr>
+          <p:cNvPr id="4" name="모서리가 둥근 직사각형 3"/>
+          <p:cNvSpPr/>
+          <p:nvPr/>
+        </p:nvSpPr>
+        <p:spPr>
+          <a:xfrm>
+            <a:off x="523875" y="1652067"/>
+            <a:ext cx="1751959" cy="691563"/>
+          </a:xfrm>
+          <a:prstGeom prst="roundRect">
+            <a:avLst/>
+          </a:prstGeom>
+          <a:noFill/>
+          <a:ln>
+            <a:solidFill>
+              <a:schemeClr val="accent5"/>
+            </a:solidFill>
+          </a:ln>
+        </p:spPr>
+        <p:style>
+          <a:lnRef idx="2">
+            <a:schemeClr val="accent1">
+              <a:shade val="50000"/>
+            </a:schemeClr>
+          </a:lnRef>
+          <a:fillRef idx="1">
+            <a:schemeClr val="accent1"/>
+          </a:fillRef>
+          <a:effectRef idx="0">
+            <a:schemeClr val="accent1"/>
+          </a:effectRef>
+          <a:fontRef idx="minor">
+            <a:schemeClr val="lt1"/>
+          </a:fontRef>
+        </p:style>
+        <p:txBody>
+          <a:bodyPr rtlCol="0" anchor="ctr"/>
+          <a:lstStyle/>
+          <a:p>
+            <a:pPr algn="ctr"/>
+            <a:endParaRPr lang="ko-KR" altLang="en-US"/>
+          </a:p>
+        </p:txBody>
+      </p:sp>
+      <p:sp>
+        <p:nvSpPr>
+          <p:cNvPr id="16" name="모서리가 둥근 직사각형 15"/>
+          <p:cNvSpPr/>
+          <p:nvPr/>
+        </p:nvSpPr>
+        <p:spPr>
+          <a:xfrm>
+            <a:off x="2495110" y="1666652"/>
+            <a:ext cx="1751959" cy="691563"/>
+          </a:xfrm>
+          <a:prstGeom prst="roundRect">
+            <a:avLst/>
+          </a:prstGeom>
+          <a:noFill/>
+          <a:ln>
+            <a:solidFill>
+              <a:schemeClr val="accent5"/>
+            </a:solidFill>
+          </a:ln>
+        </p:spPr>
+        <p:style>
+          <a:lnRef idx="2">
+            <a:schemeClr val="accent1">
+              <a:shade val="50000"/>
+            </a:schemeClr>
+          </a:lnRef>
+          <a:fillRef idx="1">
+            <a:schemeClr val="accent1"/>
+          </a:fillRef>
+          <a:effectRef idx="0">
+            <a:schemeClr val="accent1"/>
+          </a:effectRef>
+          <a:fontRef idx="minor">
+            <a:schemeClr val="lt1"/>
+          </a:fontRef>
+        </p:style>
+        <p:txBody>
+          <a:bodyPr rtlCol="0" anchor="ctr"/>
+          <a:lstStyle/>
+          <a:p>
+            <a:pPr algn="ctr"/>
+            <a:endParaRPr lang="ko-KR" altLang="en-US"/>
+          </a:p>
+        </p:txBody>
+      </p:sp>
+      <p:sp>
+        <p:nvSpPr>
+          <p:cNvPr id="18" name="모서리가 둥근 직사각형 17"/>
+          <p:cNvSpPr/>
+          <p:nvPr/>
+        </p:nvSpPr>
+        <p:spPr>
+          <a:xfrm>
+            <a:off x="6430016" y="1666650"/>
+            <a:ext cx="1751959" cy="691563"/>
+          </a:xfrm>
+          <a:prstGeom prst="roundRect">
+            <a:avLst/>
+          </a:prstGeom>
+          <a:noFill/>
+          <a:ln>
+            <a:solidFill>
+              <a:schemeClr val="accent5"/>
+            </a:solidFill>
+          </a:ln>
+        </p:spPr>
+        <p:style>
+          <a:lnRef idx="2">
+            <a:schemeClr val="accent1">
+              <a:shade val="50000"/>
+            </a:schemeClr>
+          </a:lnRef>
+          <a:fillRef idx="1">
+            <a:schemeClr val="accent1"/>
+          </a:fillRef>
+          <a:effectRef idx="0">
+            <a:schemeClr val="accent1"/>
+          </a:effectRef>
+          <a:fontRef idx="minor">
+            <a:schemeClr val="lt1"/>
+          </a:fontRef>
+        </p:style>
+        <p:txBody>
+          <a:bodyPr rtlCol="0" anchor="ctr"/>
+          <a:lstStyle/>
+          <a:p>
+            <a:pPr algn="ctr"/>
+            <a:endParaRPr lang="ko-KR" altLang="en-US"/>
+          </a:p>
+        </p:txBody>
+      </p:sp>
+      <p:sp>
+        <p:nvSpPr>
+          <p:cNvPr id="19" name="모서리가 둥근 직사각형 18"/>
+          <p:cNvSpPr/>
+          <p:nvPr/>
+        </p:nvSpPr>
+        <p:spPr>
+          <a:xfrm>
+            <a:off x="6430009" y="2706704"/>
+            <a:ext cx="1751959" cy="691563"/>
+          </a:xfrm>
+          <a:prstGeom prst="roundRect">
+            <a:avLst/>
+          </a:prstGeom>
+          <a:noFill/>
+          <a:ln>
+            <a:solidFill>
+              <a:schemeClr val="accent5"/>
+            </a:solidFill>
+          </a:ln>
+        </p:spPr>
+        <p:style>
+          <a:lnRef idx="2">
+            <a:schemeClr val="accent1">
+              <a:shade val="50000"/>
+            </a:schemeClr>
+          </a:lnRef>
+          <a:fillRef idx="1">
+            <a:schemeClr val="accent1"/>
+          </a:fillRef>
+          <a:effectRef idx="0">
+            <a:schemeClr val="accent1"/>
+          </a:effectRef>
+          <a:fontRef idx="minor">
+            <a:schemeClr val="lt1"/>
+          </a:fontRef>
+        </p:style>
+        <p:txBody>
+          <a:bodyPr rtlCol="0" anchor="ctr"/>
+          <a:lstStyle/>
+          <a:p>
+            <a:pPr algn="ctr"/>
+            <a:endParaRPr lang="ko-KR" altLang="en-US"/>
+          </a:p>
+        </p:txBody>
+      </p:sp>
+      <p:sp>
+        <p:nvSpPr>
+          <p:cNvPr id="20" name="모서리가 둥근 직사각형 19"/>
+          <p:cNvSpPr/>
+          <p:nvPr/>
+        </p:nvSpPr>
+        <p:spPr>
+          <a:xfrm>
+            <a:off x="6430020" y="3710108"/>
+            <a:ext cx="1751959" cy="691563"/>
+          </a:xfrm>
+          <a:prstGeom prst="roundRect">
+            <a:avLst/>
+          </a:prstGeom>
+          <a:noFill/>
+          <a:ln>
+            <a:solidFill>
+              <a:schemeClr val="accent5"/>
+            </a:solidFill>
+          </a:ln>
+        </p:spPr>
+        <p:style>
+          <a:lnRef idx="2">
+            <a:schemeClr val="accent1">
+              <a:shade val="50000"/>
+            </a:schemeClr>
+          </a:lnRef>
+          <a:fillRef idx="1">
+            <a:schemeClr val="accent1"/>
+          </a:fillRef>
+          <a:effectRef idx="0">
+            <a:schemeClr val="accent1"/>
+          </a:effectRef>
+          <a:fontRef idx="minor">
+            <a:schemeClr val="lt1"/>
+          </a:fontRef>
+        </p:style>
+        <p:txBody>
+          <a:bodyPr rtlCol="0" anchor="ctr"/>
+          <a:lstStyle/>
+          <a:p>
+            <a:pPr algn="ctr"/>
+            <a:endParaRPr lang="ko-KR" altLang="en-US"/>
+          </a:p>
+        </p:txBody>
+      </p:sp>
+      <p:sp>
+        <p:nvSpPr>
+          <p:cNvPr id="10" name="TextBox 9"/>
+          <p:cNvSpPr txBox="1"/>
+          <p:nvPr/>
+        </p:nvSpPr>
+        <p:spPr>
+          <a:xfrm>
+            <a:off x="523875" y="1827766"/>
+            <a:ext cx="1751959" cy="369332"/>
+          </a:xfrm>
+          <a:prstGeom prst="rect">
+            <a:avLst/>
+          </a:prstGeom>
+          <a:noFill/>
+        </p:spPr>
+        <p:txBody>
+          <a:bodyPr wrap="square" rtlCol="0">
+            <a:spAutoFit/>
+          </a:bodyPr>
+          <a:lstStyle/>
+          <a:p>
+            <a:pPr algn="ctr"/>
+            <a:r>
+              <a:rPr lang="ko-KR" altLang="en-US" dirty="0" smtClean="0"/>
+              <a:t>전원 </a:t>
+            </a:r>
+            <a:r>
+              <a:rPr lang="en-US" altLang="ko-KR" dirty="0" smtClean="0"/>
+              <a:t>ON</a:t>
+            </a:r>
+            <a:endParaRPr lang="ko-KR" altLang="en-US" dirty="0"/>
+          </a:p>
+        </p:txBody>
+      </p:sp>
+      <p:sp>
+        <p:nvSpPr>
+          <p:cNvPr id="21" name="TextBox 20"/>
+          <p:cNvSpPr txBox="1"/>
+          <p:nvPr/>
+        </p:nvSpPr>
+        <p:spPr>
+          <a:xfrm>
+            <a:off x="2495104" y="1719259"/>
+            <a:ext cx="1751959" cy="584775"/>
+          </a:xfrm>
+          <a:prstGeom prst="rect">
+            <a:avLst/>
+          </a:prstGeom>
+          <a:noFill/>
+        </p:spPr>
+        <p:txBody>
+          <a:bodyPr wrap="square" rtlCol="0">
+            <a:spAutoFit/>
+          </a:bodyPr>
+          <a:lstStyle/>
+          <a:p>
+            <a:pPr algn="ctr"/>
+            <a:r>
+              <a:rPr lang="ko-KR" altLang="en-US" sz="1600" dirty="0" smtClean="0"/>
+              <a:t>설정 초기화</a:t>
+            </a:r>
+            <a:endParaRPr lang="en-US" altLang="ko-KR" sz="1600" dirty="0" smtClean="0"/>
+          </a:p>
+          <a:p>
+            <a:pPr algn="ctr"/>
+            <a:r>
+              <a:rPr lang="en-US" altLang="ko-KR" sz="1600" dirty="0" smtClean="0"/>
+              <a:t>(lock)</a:t>
+            </a:r>
+            <a:endParaRPr lang="ko-KR" altLang="en-US" sz="1600" dirty="0"/>
+          </a:p>
+        </p:txBody>
+      </p:sp>
+      <p:sp>
+        <p:nvSpPr>
+          <p:cNvPr id="22" name="TextBox 21"/>
+          <p:cNvSpPr txBox="1"/>
+          <p:nvPr/>
+        </p:nvSpPr>
+        <p:spPr>
+          <a:xfrm>
+            <a:off x="6430010" y="1781598"/>
+            <a:ext cx="1751959" cy="461665"/>
+          </a:xfrm>
+          <a:prstGeom prst="rect">
+            <a:avLst/>
+          </a:prstGeom>
+          <a:noFill/>
+        </p:spPr>
+        <p:txBody>
+          <a:bodyPr wrap="square" rtlCol="0">
+            <a:spAutoFit/>
+          </a:bodyPr>
+          <a:lstStyle/>
+          <a:p>
+            <a:pPr algn="ctr"/>
+            <a:r>
+              <a:rPr lang="ko-KR" altLang="en-US" sz="1200" dirty="0" err="1" smtClean="0"/>
+              <a:t>카드키</a:t>
+            </a:r>
+            <a:r>
+              <a:rPr lang="ko-KR" altLang="en-US" sz="1200" dirty="0" smtClean="0"/>
+              <a:t> 인터럽트 발생</a:t>
+            </a:r>
+            <a:endParaRPr lang="en-US" altLang="ko-KR" sz="1200" dirty="0" smtClean="0"/>
+          </a:p>
+          <a:p>
+            <a:pPr algn="ctr"/>
+            <a:r>
+              <a:rPr lang="en-US" altLang="ko-KR" sz="1200" dirty="0" smtClean="0"/>
+              <a:t>(</a:t>
+            </a:r>
+            <a:r>
+              <a:rPr lang="ko-KR" altLang="en-US" sz="1200" dirty="0" smtClean="0"/>
+              <a:t>카드정보 수신</a:t>
+            </a:r>
+            <a:r>
+              <a:rPr lang="en-US" altLang="ko-KR" sz="1200" dirty="0" smtClean="0"/>
+              <a:t>)</a:t>
+            </a:r>
+            <a:endParaRPr lang="ko-KR" altLang="en-US" dirty="0"/>
+          </a:p>
+        </p:txBody>
+      </p:sp>
+      <p:sp>
+        <p:nvSpPr>
+          <p:cNvPr id="23" name="TextBox 22"/>
+          <p:cNvSpPr txBox="1"/>
+          <p:nvPr/>
+        </p:nvSpPr>
+        <p:spPr>
+          <a:xfrm>
+            <a:off x="6430005" y="2790875"/>
+            <a:ext cx="1751959" cy="523220"/>
+          </a:xfrm>
+          <a:prstGeom prst="rect">
+            <a:avLst/>
+          </a:prstGeom>
+          <a:noFill/>
+        </p:spPr>
+        <p:txBody>
+          <a:bodyPr wrap="square" rtlCol="0">
+            <a:spAutoFit/>
+          </a:bodyPr>
+          <a:lstStyle/>
+          <a:p>
+            <a:pPr algn="ctr"/>
+            <a:r>
+              <a:rPr lang="ko-KR" altLang="en-US" sz="1400" dirty="0" smtClean="0"/>
+              <a:t>수신정보 확인</a:t>
+            </a:r>
+            <a:endParaRPr lang="en-US" altLang="ko-KR" sz="1400" dirty="0" smtClean="0"/>
+          </a:p>
+          <a:p>
+            <a:pPr algn="ctr"/>
+            <a:r>
+              <a:rPr lang="en-US" altLang="ko-KR" sz="1400" dirty="0" smtClean="0"/>
+              <a:t>(</a:t>
+            </a:r>
+            <a:r>
+              <a:rPr lang="ko-KR" altLang="en-US" sz="1400" dirty="0" smtClean="0"/>
+              <a:t>짝수패리티 검사</a:t>
+            </a:r>
+            <a:r>
+              <a:rPr lang="en-US" altLang="ko-KR" sz="1400" dirty="0" smtClean="0"/>
+              <a:t>)</a:t>
+            </a:r>
+            <a:endParaRPr lang="ko-KR" altLang="en-US" dirty="0"/>
+          </a:p>
+        </p:txBody>
+      </p:sp>
+      <p:sp>
+        <p:nvSpPr>
+          <p:cNvPr id="25" name="TextBox 24"/>
+          <p:cNvSpPr txBox="1"/>
+          <p:nvPr/>
+        </p:nvSpPr>
+        <p:spPr>
+          <a:xfrm>
+            <a:off x="6430024" y="3871223"/>
+            <a:ext cx="1751959" cy="369332"/>
+          </a:xfrm>
+          <a:prstGeom prst="rect">
+            <a:avLst/>
+          </a:prstGeom>
+          <a:noFill/>
+        </p:spPr>
+        <p:txBody>
+          <a:bodyPr wrap="square" rtlCol="0">
+            <a:spAutoFit/>
+          </a:bodyPr>
+          <a:lstStyle/>
+          <a:p>
+            <a:pPr algn="ctr"/>
+            <a:r>
+              <a:rPr lang="en-US" altLang="ko-KR" dirty="0" smtClean="0"/>
+              <a:t>Unlock </a:t>
+            </a:r>
+          </a:p>
+        </p:txBody>
+      </p:sp>
+      <p:cxnSp>
+        <p:nvCxnSpPr>
+          <p:cNvPr id="27" name="직선 화살표 연결선 26"/>
+          <p:cNvCxnSpPr>
+            <a:stCxn id="10" idx="3"/>
+            <a:endCxn id="16" idx="1"/>
+          </p:cNvCxnSpPr>
+          <p:nvPr/>
+        </p:nvCxnSpPr>
+        <p:spPr>
+          <a:xfrm>
+            <a:off x="2275834" y="2012432"/>
+            <a:ext cx="219276" cy="2"/>
+          </a:xfrm>
+          <a:prstGeom prst="straightConnector1">
+            <a:avLst/>
+          </a:prstGeom>
+          <a:ln w="38100">
+            <a:solidFill>
+              <a:srgbClr val="0070C0"/>
+            </a:solidFill>
+            <a:tailEnd type="arrow"/>
+          </a:ln>
+        </p:spPr>
+        <p:style>
+          <a:lnRef idx="1">
+            <a:schemeClr val="accent1"/>
+          </a:lnRef>
+          <a:fillRef idx="0">
+            <a:schemeClr val="accent1"/>
+          </a:fillRef>
+          <a:effectRef idx="0">
+            <a:schemeClr val="accent1"/>
+          </a:effectRef>
+          <a:fontRef idx="minor">
+            <a:schemeClr val="tx1"/>
+          </a:fontRef>
+        </p:style>
+      </p:cxnSp>
+      <p:cxnSp>
+        <p:nvCxnSpPr>
+          <p:cNvPr id="29" name="직선 화살표 연결선 28"/>
+          <p:cNvCxnSpPr>
+            <a:stCxn id="21" idx="3"/>
+            <a:endCxn id="36" idx="1"/>
+          </p:cNvCxnSpPr>
+          <p:nvPr/>
+        </p:nvCxnSpPr>
+        <p:spPr>
+          <a:xfrm>
+            <a:off x="4247063" y="2011647"/>
+            <a:ext cx="237619" cy="0"/>
+          </a:xfrm>
+          <a:prstGeom prst="straightConnector1">
+            <a:avLst/>
+          </a:prstGeom>
+          <a:ln w="38100">
+            <a:solidFill>
+              <a:srgbClr val="0070C0"/>
+            </a:solidFill>
+            <a:tailEnd type="arrow"/>
+          </a:ln>
+        </p:spPr>
+        <p:style>
+          <a:lnRef idx="1">
+            <a:schemeClr val="accent1"/>
+          </a:lnRef>
+          <a:fillRef idx="0">
+            <a:schemeClr val="accent1"/>
+          </a:fillRef>
+          <a:effectRef idx="0">
+            <a:schemeClr val="accent1"/>
+          </a:effectRef>
+          <a:fontRef idx="minor">
+            <a:schemeClr val="tx1"/>
+          </a:fontRef>
+        </p:style>
+      </p:cxnSp>
+      <p:cxnSp>
+        <p:nvCxnSpPr>
+          <p:cNvPr id="31" name="직선 화살표 연결선 30"/>
+          <p:cNvCxnSpPr>
+            <a:stCxn id="18" idx="2"/>
+            <a:endCxn id="19" idx="0"/>
+          </p:cNvCxnSpPr>
+          <p:nvPr/>
+        </p:nvCxnSpPr>
+        <p:spPr>
+          <a:xfrm flipH="1">
+            <a:off x="7305989" y="2358213"/>
+            <a:ext cx="7" cy="348491"/>
+          </a:xfrm>
+          <a:prstGeom prst="straightConnector1">
+            <a:avLst/>
+          </a:prstGeom>
+          <a:ln w="38100">
+            <a:solidFill>
+              <a:srgbClr val="0070C0"/>
+            </a:solidFill>
+            <a:tailEnd type="arrow"/>
+          </a:ln>
+        </p:spPr>
+        <p:style>
+          <a:lnRef idx="1">
+            <a:schemeClr val="accent1"/>
+          </a:lnRef>
+          <a:fillRef idx="0">
+            <a:schemeClr val="accent1"/>
+          </a:fillRef>
+          <a:effectRef idx="0">
+            <a:schemeClr val="accent1"/>
+          </a:effectRef>
+          <a:fontRef idx="minor">
+            <a:schemeClr val="tx1"/>
+          </a:fontRef>
+        </p:style>
+      </p:cxnSp>
+      <p:cxnSp>
+        <p:nvCxnSpPr>
+          <p:cNvPr id="33" name="직선 화살표 연결선 32"/>
+          <p:cNvCxnSpPr>
+            <a:stCxn id="19" idx="2"/>
+            <a:endCxn id="20" idx="0"/>
+          </p:cNvCxnSpPr>
+          <p:nvPr/>
+        </p:nvCxnSpPr>
+        <p:spPr>
+          <a:xfrm>
+            <a:off x="7305989" y="3398267"/>
+            <a:ext cx="11" cy="311841"/>
+          </a:xfrm>
+          <a:prstGeom prst="straightConnector1">
+            <a:avLst/>
+          </a:prstGeom>
+          <a:ln w="38100">
+            <a:solidFill>
+              <a:srgbClr val="0070C0"/>
+            </a:solidFill>
+            <a:tailEnd type="arrow"/>
+          </a:ln>
+        </p:spPr>
+        <p:style>
+          <a:lnRef idx="1">
+            <a:schemeClr val="accent1"/>
+          </a:lnRef>
+          <a:fillRef idx="0">
+            <a:schemeClr val="accent1"/>
+          </a:fillRef>
+          <a:effectRef idx="0">
+            <a:schemeClr val="accent1"/>
+          </a:effectRef>
+          <a:fontRef idx="minor">
+            <a:schemeClr val="tx1"/>
+          </a:fontRef>
+        </p:style>
+      </p:cxnSp>
+      <p:cxnSp>
+        <p:nvCxnSpPr>
+          <p:cNvPr id="35" name="꺾인 연결선 34"/>
+          <p:cNvCxnSpPr>
+            <a:stCxn id="25" idx="1"/>
+            <a:endCxn id="16" idx="2"/>
+          </p:cNvCxnSpPr>
+          <p:nvPr/>
+        </p:nvCxnSpPr>
+        <p:spPr>
+          <a:xfrm rot="10800000">
+            <a:off x="3371090" y="2358215"/>
+            <a:ext cx="3058934" cy="1697674"/>
+          </a:xfrm>
+          <a:prstGeom prst="bentConnector2">
+            <a:avLst/>
+          </a:prstGeom>
+          <a:ln w="38100">
+            <a:solidFill>
+              <a:srgbClr val="0070C0"/>
+            </a:solidFill>
+            <a:tailEnd type="arrow"/>
+          </a:ln>
+        </p:spPr>
+        <p:style>
+          <a:lnRef idx="1">
+            <a:schemeClr val="accent1"/>
+          </a:lnRef>
+          <a:fillRef idx="0">
+            <a:schemeClr val="accent1"/>
+          </a:fillRef>
+          <a:effectRef idx="0">
+            <a:schemeClr val="accent1"/>
+          </a:effectRef>
+          <a:fontRef idx="minor">
+            <a:schemeClr val="tx1"/>
+          </a:fontRef>
+        </p:style>
+      </p:cxnSp>
+      <p:sp>
+        <p:nvSpPr>
+          <p:cNvPr id="36" name="모서리가 둥근 직사각형 35"/>
+          <p:cNvSpPr/>
+          <p:nvPr/>
+        </p:nvSpPr>
+        <p:spPr>
+          <a:xfrm>
+            <a:off x="4484682" y="1665865"/>
+            <a:ext cx="1751959" cy="691563"/>
+          </a:xfrm>
+          <a:prstGeom prst="roundRect">
+            <a:avLst/>
+          </a:prstGeom>
+          <a:noFill/>
+          <a:ln>
+            <a:solidFill>
+              <a:schemeClr val="accent5"/>
+            </a:solidFill>
+          </a:ln>
+        </p:spPr>
+        <p:style>
+          <a:lnRef idx="2">
+            <a:schemeClr val="accent1">
+              <a:shade val="50000"/>
+            </a:schemeClr>
+          </a:lnRef>
+          <a:fillRef idx="1">
+            <a:schemeClr val="accent1"/>
+          </a:fillRef>
+          <a:effectRef idx="0">
+            <a:schemeClr val="accent1"/>
+          </a:effectRef>
+          <a:fontRef idx="minor">
+            <a:schemeClr val="lt1"/>
+          </a:fontRef>
+        </p:style>
+        <p:txBody>
+          <a:bodyPr rtlCol="0" anchor="ctr"/>
+          <a:lstStyle/>
+          <a:p>
+            <a:pPr algn="ctr"/>
+            <a:endParaRPr lang="ko-KR" altLang="en-US"/>
+          </a:p>
+        </p:txBody>
+      </p:sp>
+      <p:sp>
+        <p:nvSpPr>
+          <p:cNvPr id="52" name="TextBox 51"/>
+          <p:cNvSpPr txBox="1"/>
+          <p:nvPr/>
+        </p:nvSpPr>
+        <p:spPr>
+          <a:xfrm>
+            <a:off x="4484682" y="1826980"/>
+            <a:ext cx="1751959" cy="307777"/>
+          </a:xfrm>
+          <a:prstGeom prst="rect">
+            <a:avLst/>
+          </a:prstGeom>
+          <a:noFill/>
+        </p:spPr>
+        <p:txBody>
+          <a:bodyPr wrap="square" rtlCol="0">
+            <a:spAutoFit/>
+          </a:bodyPr>
+          <a:lstStyle/>
+          <a:p>
+            <a:pPr algn="ctr"/>
+            <a:r>
+              <a:rPr lang="ko-KR" altLang="en-US" sz="1400" dirty="0" smtClean="0"/>
+              <a:t>인터럽트 대기</a:t>
+            </a:r>
+            <a:endParaRPr lang="ko-KR" altLang="en-US" dirty="0"/>
+          </a:p>
+        </p:txBody>
+      </p:sp>
+      <p:cxnSp>
+        <p:nvCxnSpPr>
+          <p:cNvPr id="54" name="직선 화살표 연결선 53"/>
+          <p:cNvCxnSpPr>
+            <a:stCxn id="36" idx="3"/>
+            <a:endCxn id="22" idx="1"/>
+          </p:cNvCxnSpPr>
+          <p:nvPr/>
+        </p:nvCxnSpPr>
+        <p:spPr>
+          <a:xfrm>
+            <a:off x="6236641" y="2011647"/>
+            <a:ext cx="193369" cy="784"/>
+          </a:xfrm>
+          <a:prstGeom prst="straightConnector1">
+            <a:avLst/>
+          </a:prstGeom>
+          <a:ln w="38100">
+            <a:solidFill>
+              <a:srgbClr val="0070C0"/>
+            </a:solidFill>
+            <a:tailEnd type="arrow"/>
+          </a:ln>
+        </p:spPr>
+        <p:style>
+          <a:lnRef idx="1">
+            <a:schemeClr val="accent1"/>
+          </a:lnRef>
+          <a:fillRef idx="0">
+            <a:schemeClr val="accent1"/>
+          </a:fillRef>
+          <a:effectRef idx="0">
+            <a:schemeClr val="accent1"/>
+          </a:effectRef>
+          <a:fontRef idx="minor">
+            <a:schemeClr val="tx1"/>
+          </a:fontRef>
+        </p:style>
+      </p:cxnSp>
+      <p:cxnSp>
+        <p:nvCxnSpPr>
+          <p:cNvPr id="59" name="꺾인 연결선 58"/>
+          <p:cNvCxnSpPr>
+            <a:stCxn id="23" idx="1"/>
+            <a:endCxn id="36" idx="2"/>
+          </p:cNvCxnSpPr>
+          <p:nvPr/>
+        </p:nvCxnSpPr>
+        <p:spPr>
+          <a:xfrm rot="10800000">
+            <a:off x="5360663" y="2357429"/>
+            <a:ext cx="1069343" cy="695057"/>
+          </a:xfrm>
+          <a:prstGeom prst="bentConnector2">
+            <a:avLst/>
+          </a:prstGeom>
+          <a:ln w="38100">
+            <a:solidFill>
+              <a:srgbClr val="FF0000"/>
+            </a:solidFill>
+            <a:tailEnd type="arrow"/>
+          </a:ln>
+        </p:spPr>
+        <p:style>
+          <a:lnRef idx="1">
+            <a:schemeClr val="accent1"/>
+          </a:lnRef>
+          <a:fillRef idx="0">
+            <a:schemeClr val="accent1"/>
+          </a:fillRef>
+          <a:effectRef idx="0">
+            <a:schemeClr val="accent1"/>
+          </a:effectRef>
+          <a:fontRef idx="minor">
+            <a:schemeClr val="tx1"/>
+          </a:fontRef>
+        </p:style>
+      </p:cxnSp>
+      <p:sp>
+        <p:nvSpPr>
+          <p:cNvPr id="64" name="TextBox 63"/>
+          <p:cNvSpPr txBox="1"/>
+          <p:nvPr/>
+        </p:nvSpPr>
+        <p:spPr>
+          <a:xfrm>
+            <a:off x="753035" y="4134177"/>
+            <a:ext cx="7584141" cy="2723823"/>
+          </a:xfrm>
+          <a:prstGeom prst="rect">
+            <a:avLst/>
+          </a:prstGeom>
+          <a:noFill/>
+        </p:spPr>
+        <p:txBody>
+          <a:bodyPr wrap="square" rtlCol="0">
+            <a:spAutoFit/>
+          </a:bodyPr>
+          <a:lstStyle/>
+          <a:p>
+            <a:pPr>
+              <a:lnSpc>
+                <a:spcPct val="150000"/>
+              </a:lnSpc>
+            </a:pPr>
+            <a:r>
+              <a:rPr lang="ko-KR" altLang="en-US" b="1" dirty="0" smtClean="0">
+                <a:solidFill>
+                  <a:srgbClr val="0070C0"/>
+                </a:solidFill>
+              </a:rPr>
+              <a:t>→</a:t>
+            </a:r>
+            <a:r>
+              <a:rPr lang="ko-KR" altLang="en-US" dirty="0" smtClean="0"/>
+              <a:t> </a:t>
+            </a:r>
+            <a:r>
+              <a:rPr lang="en-US" altLang="ko-KR" dirty="0" smtClean="0"/>
+              <a:t>: True    </a:t>
+            </a:r>
+            <a:r>
+              <a:rPr lang="ko-KR" altLang="en-US" b="1" dirty="0" smtClean="0">
+                <a:solidFill>
+                  <a:srgbClr val="FF0000"/>
+                </a:solidFill>
+              </a:rPr>
+              <a:t>→</a:t>
+            </a:r>
+            <a:r>
+              <a:rPr lang="ko-KR" altLang="en-US" dirty="0" smtClean="0"/>
+              <a:t> </a:t>
+            </a:r>
+            <a:r>
+              <a:rPr lang="en-US" altLang="ko-KR" dirty="0" smtClean="0"/>
+              <a:t>: False</a:t>
+            </a:r>
+          </a:p>
+          <a:p>
+            <a:pPr>
+              <a:lnSpc>
+                <a:spcPct val="150000"/>
+              </a:lnSpc>
+            </a:pPr>
+            <a:r>
+              <a:rPr lang="en-US" altLang="ko-KR" sz="1600" dirty="0" err="1"/>
+              <a:t>b</a:t>
+            </a:r>
+            <a:r>
+              <a:rPr lang="en-US" altLang="ko-KR" sz="1600" dirty="0" err="1" smtClean="0"/>
+              <a:t>itw</a:t>
+            </a:r>
+            <a:r>
+              <a:rPr lang="en-US" altLang="ko-KR" sz="1600" dirty="0" smtClean="0"/>
+              <a:t> : </a:t>
+            </a:r>
+            <a:r>
+              <a:rPr lang="ko-KR" altLang="en-US" sz="1600" dirty="0" smtClean="0"/>
+              <a:t>카드정보 </a:t>
+            </a:r>
+            <a:r>
+              <a:rPr lang="en-US" altLang="ko-KR" sz="1600" dirty="0" smtClean="0"/>
+              <a:t>[</a:t>
+            </a:r>
+            <a:r>
+              <a:rPr lang="en-US" altLang="ko-KR" sz="1600" dirty="0" err="1" smtClean="0"/>
+              <a:t>ep</a:t>
+            </a:r>
+            <a:r>
+              <a:rPr lang="en-US" altLang="ko-KR" sz="1600" dirty="0" smtClean="0"/>
+              <a:t>(1bit)+facility(7bit)+card(24bit)+</a:t>
+            </a:r>
+            <a:r>
+              <a:rPr lang="en-US" altLang="ko-KR" sz="1600" dirty="0"/>
+              <a:t>o</a:t>
+            </a:r>
+            <a:r>
+              <a:rPr lang="en-US" altLang="ko-KR" sz="1600" dirty="0" smtClean="0"/>
+              <a:t>p(1bit)]</a:t>
+            </a:r>
+          </a:p>
+          <a:p>
+            <a:pPr>
+              <a:lnSpc>
+                <a:spcPct val="150000"/>
+              </a:lnSpc>
+            </a:pPr>
+            <a:r>
+              <a:rPr lang="en-US" altLang="ko-KR" sz="1600" dirty="0" smtClean="0"/>
+              <a:t>timeout : </a:t>
+            </a:r>
+            <a:r>
+              <a:rPr lang="ko-KR" altLang="en-US" sz="1600" dirty="0" smtClean="0"/>
+              <a:t>대기시간을 설정</a:t>
+            </a:r>
+            <a:endParaRPr lang="en-US" altLang="ko-KR" sz="1600" dirty="0" smtClean="0"/>
+          </a:p>
+          <a:p>
+            <a:pPr>
+              <a:lnSpc>
+                <a:spcPct val="150000"/>
+              </a:lnSpc>
+            </a:pPr>
+            <a:r>
+              <a:rPr lang="en-US" altLang="ko-KR" sz="1600" dirty="0" err="1" smtClean="0"/>
+              <a:t>ep</a:t>
+            </a:r>
+            <a:r>
+              <a:rPr lang="en-US" altLang="ko-KR" sz="1600" dirty="0" smtClean="0"/>
+              <a:t> : even parity bit</a:t>
+            </a:r>
+          </a:p>
+          <a:p>
+            <a:pPr>
+              <a:lnSpc>
+                <a:spcPct val="150000"/>
+              </a:lnSpc>
+            </a:pPr>
+            <a:r>
+              <a:rPr lang="en-US" altLang="ko-KR" sz="1600" dirty="0" smtClean="0"/>
+              <a:t>op : odd parity bit</a:t>
+            </a:r>
+          </a:p>
+          <a:p>
+            <a:pPr>
+              <a:lnSpc>
+                <a:spcPct val="150000"/>
+              </a:lnSpc>
+            </a:pPr>
+            <a:r>
+              <a:rPr lang="en-US" altLang="ko-KR" sz="1600" dirty="0" smtClean="0"/>
+              <a:t>site : facility code</a:t>
+            </a:r>
+          </a:p>
+          <a:p>
+            <a:pPr>
+              <a:lnSpc>
+                <a:spcPct val="150000"/>
+              </a:lnSpc>
+            </a:pPr>
+            <a:r>
+              <a:rPr lang="en-US" altLang="ko-KR" sz="1600" dirty="0" smtClean="0"/>
+              <a:t>card : card number</a:t>
+            </a:r>
+          </a:p>
+        </p:txBody>
+      </p:sp>
+      <p:sp>
+        <p:nvSpPr>
+          <p:cNvPr id="66" name="TextBox 65"/>
+          <p:cNvSpPr txBox="1"/>
+          <p:nvPr/>
+        </p:nvSpPr>
+        <p:spPr>
+          <a:xfrm>
+            <a:off x="5962810" y="6027003"/>
+            <a:ext cx="3181190" cy="830997"/>
+          </a:xfrm>
+          <a:prstGeom prst="rect">
+            <a:avLst/>
+          </a:prstGeom>
+          <a:noFill/>
+        </p:spPr>
+        <p:txBody>
+          <a:bodyPr wrap="square" rtlCol="0">
+            <a:spAutoFit/>
+          </a:bodyPr>
+          <a:lstStyle/>
+          <a:p>
+            <a:r>
+              <a:rPr lang="en-US" altLang="ko-KR" sz="1200" dirty="0" smtClean="0"/>
+              <a:t>※ </a:t>
+            </a:r>
+            <a:r>
+              <a:rPr lang="ko-KR" altLang="en-US" sz="1200" dirty="0" smtClean="0"/>
+              <a:t>해석도중에 저자가 원래 코드에 자세한 주석을 추가해 주었습니다</a:t>
+            </a:r>
+            <a:r>
+              <a:rPr lang="en-US" altLang="ko-KR" sz="1200" dirty="0" smtClean="0"/>
+              <a:t>.</a:t>
+            </a:r>
+          </a:p>
+          <a:p>
+            <a:endParaRPr lang="en-US" altLang="ko-KR" sz="1200" dirty="0"/>
+          </a:p>
+          <a:p>
+            <a:r>
+              <a:rPr lang="ko-KR" altLang="en-US" sz="1200" dirty="0" smtClean="0"/>
+              <a:t>주황색 </a:t>
+            </a:r>
+            <a:r>
+              <a:rPr lang="en-US" altLang="ko-KR" sz="1200" dirty="0" smtClean="0"/>
+              <a:t>branch</a:t>
+            </a:r>
+            <a:r>
+              <a:rPr lang="ko-KR" altLang="en-US" sz="1200" dirty="0" smtClean="0"/>
+              <a:t>가 저자의 </a:t>
+            </a:r>
+            <a:r>
+              <a:rPr lang="en-US" altLang="ko-KR" sz="1200" dirty="0" smtClean="0"/>
+              <a:t>branch</a:t>
+            </a:r>
+            <a:endParaRPr lang="ko-KR" altLang="en-US" sz="1200" dirty="0"/>
+          </a:p>
+        </p:txBody>
+      </p:sp>
+      <p:pic>
+        <p:nvPicPr>
+          <p:cNvPr id="67" name="그림 66"/>
+          <p:cNvPicPr>
+            <a:picLocks noChangeAspect="1"/>
+          </p:cNvPicPr>
+          <p:nvPr/>
+        </p:nvPicPr>
+        <p:blipFill>
+          <a:blip r:embed="rId2">
+            <a:extLst>
+              <a:ext uri="{28A0092B-C50C-407E-A947-70E740481C1C}">
+                <a14:useLocalDpi xmlns:a14="http://schemas.microsoft.com/office/drawing/2010/main" val="0"/>
+              </a:ext>
+            </a:extLst>
+          </a:blip>
+          <a:stretch>
+            <a:fillRect/>
+          </a:stretch>
+        </p:blipFill>
+        <p:spPr>
+          <a:xfrm>
+            <a:off x="4365872" y="5410360"/>
+            <a:ext cx="1622476" cy="1447640"/>
+          </a:xfrm>
+          <a:prstGeom prst="rect">
+            <a:avLst/>
+          </a:prstGeom>
+        </p:spPr>
+      </p:pic>
+    </p:spTree>
+    <p:extLst>
+      <p:ext uri="{BB962C8B-B14F-4D97-AF65-F5344CB8AC3E}">
+        <p14:creationId xmlns:p14="http://schemas.microsoft.com/office/powerpoint/2010/main" val="112674444"/>
+      </p:ext>
+    </p:extLst>
+  </p:cSld>
+  <p:clrMapOvr>
+    <a:masterClrMapping/>
+  </p:clrMapOvr>
+  <p:timing>
+    <p:tnLst>
+      <p:par>
+        <p:cTn id="1" dur="indefinite" restart="never" nodeType="tmRoot"/>
+      </p:par>
+    </p:tnLst>
+  </p:timing>
+</p:sld>
+</file>
+
+<file path=ppt/slides/slide11.xml><?xml version="1.0" encoding="utf-8"?>
+<p:sld xmlns:a="http://schemas.openxmlformats.org/drawingml/2006/main" xmlns:r="http://schemas.openxmlformats.org/officeDocument/2006/relationships" xmlns:p="http://schemas.openxmlformats.org/presentationml/2006/main">
+  <p:cSld>
+    <p:spTree>
+      <p:nvGrpSpPr>
+        <p:cNvPr id="1" name=""/>
+        <p:cNvGrpSpPr/>
+        <p:nvPr/>
+      </p:nvGrpSpPr>
+      <p:grpSpPr>
+        <a:xfrm>
+          <a:off x="0" y="0"/>
+          <a:ext cx="0" cy="0"/>
+          <a:chOff x="0" y="0"/>
+          <a:chExt cx="0" cy="0"/>
+        </a:xfrm>
+      </p:grpSpPr>
+      <p:sp>
+        <p:nvSpPr>
+          <p:cNvPr id="3" name="직사각형 2"/>
+          <p:cNvSpPr/>
+          <p:nvPr/>
+        </p:nvSpPr>
+        <p:spPr>
+          <a:xfrm>
+            <a:off x="0" y="0"/>
+            <a:ext cx="342900" cy="6858000"/>
+          </a:xfrm>
+          <a:prstGeom prst="rect">
+            <a:avLst/>
+          </a:prstGeom>
+          <a:ln>
+            <a:noFill/>
+          </a:ln>
+        </p:spPr>
+        <p:style>
+          <a:lnRef idx="2">
+            <a:schemeClr val="accent1">
+              <a:shade val="50000"/>
+            </a:schemeClr>
+          </a:lnRef>
+          <a:fillRef idx="1">
+            <a:schemeClr val="accent1"/>
+          </a:fillRef>
+          <a:effectRef idx="0">
+            <a:schemeClr val="accent1"/>
+          </a:effectRef>
+          <a:fontRef idx="minor">
+            <a:schemeClr val="lt1"/>
+          </a:fontRef>
+        </p:style>
+        <p:txBody>
+          <a:bodyPr rtlCol="0" anchor="ctr"/>
+          <a:lstStyle/>
+          <a:p>
+            <a:pPr algn="ctr"/>
+            <a:endParaRPr lang="ko-KR" altLang="en-US"/>
+          </a:p>
+        </p:txBody>
+      </p:sp>
+      <p:cxnSp>
+        <p:nvCxnSpPr>
+          <p:cNvPr id="4" name="직선 연결선 3"/>
+          <p:cNvCxnSpPr/>
+          <p:nvPr/>
+        </p:nvCxnSpPr>
+        <p:spPr>
+          <a:xfrm>
+            <a:off x="342900" y="1266825"/>
+            <a:ext cx="7839075" cy="0"/>
+          </a:xfrm>
+          <a:prstGeom prst="line">
+            <a:avLst/>
+          </a:prstGeom>
+        </p:spPr>
+        <p:style>
+          <a:lnRef idx="1">
+            <a:schemeClr val="accent1"/>
+          </a:lnRef>
+          <a:fillRef idx="0">
+            <a:schemeClr val="accent1"/>
+          </a:fillRef>
+          <a:effectRef idx="0">
+            <a:schemeClr val="accent1"/>
+          </a:effectRef>
+          <a:fontRef idx="minor">
+            <a:schemeClr val="tx1"/>
+          </a:fontRef>
+        </p:style>
+      </p:cxnSp>
+      <p:sp>
+        <p:nvSpPr>
+          <p:cNvPr id="5" name="TextBox 4"/>
+          <p:cNvSpPr txBox="1"/>
+          <p:nvPr/>
+        </p:nvSpPr>
+        <p:spPr>
+          <a:xfrm>
+            <a:off x="523875" y="248692"/>
+            <a:ext cx="6381875" cy="769441"/>
+          </a:xfrm>
+          <a:prstGeom prst="rect">
+            <a:avLst/>
+          </a:prstGeom>
+          <a:noFill/>
+        </p:spPr>
+        <p:txBody>
+          <a:bodyPr wrap="none" rtlCol="0">
+            <a:spAutoFit/>
+          </a:bodyPr>
+          <a:lstStyle/>
+          <a:p>
+            <a:r>
+              <a:rPr lang="en-US" altLang="ko-KR" sz="4400" dirty="0" smtClean="0">
+                <a:solidFill>
+                  <a:schemeClr val="accent1"/>
+                </a:solidFill>
+              </a:rPr>
+              <a:t>Step </a:t>
+            </a:r>
+            <a:r>
+              <a:rPr lang="en-US" altLang="ko-KR" sz="4400" dirty="0" smtClean="0">
+                <a:solidFill>
+                  <a:schemeClr val="accent1"/>
+                </a:solidFill>
+              </a:rPr>
+              <a:t>3</a:t>
+            </a:r>
+            <a:r>
+              <a:rPr lang="en-US" altLang="ko-KR" sz="2800" dirty="0" smtClean="0">
+                <a:solidFill>
+                  <a:schemeClr val="accent1"/>
+                </a:solidFill>
+              </a:rPr>
+              <a:t> – New feature proposal</a:t>
+            </a:r>
+            <a:endParaRPr lang="ko-KR" altLang="en-US" sz="4400" dirty="0">
+              <a:solidFill>
+                <a:schemeClr val="accent1"/>
+              </a:solidFill>
+            </a:endParaRPr>
+          </a:p>
+        </p:txBody>
+      </p:sp>
+      <p:sp>
+        <p:nvSpPr>
+          <p:cNvPr id="2" name="TextBox 1"/>
+          <p:cNvSpPr txBox="1"/>
+          <p:nvPr/>
+        </p:nvSpPr>
+        <p:spPr>
+          <a:xfrm>
+            <a:off x="852928" y="1590595"/>
+            <a:ext cx="4410635" cy="4616648"/>
+          </a:xfrm>
+          <a:prstGeom prst="rect">
+            <a:avLst/>
+          </a:prstGeom>
+          <a:noFill/>
+        </p:spPr>
+        <p:txBody>
+          <a:bodyPr wrap="square" rtlCol="0">
+            <a:spAutoFit/>
+          </a:bodyPr>
+          <a:lstStyle/>
+          <a:p>
+            <a:r>
+              <a:rPr lang="en-US" altLang="ko-KR" sz="1400" b="1" dirty="0" smtClean="0"/>
+              <a:t>[</a:t>
+            </a:r>
+            <a:r>
+              <a:rPr lang="ko-KR" altLang="en-US" sz="1400" b="1" dirty="0" smtClean="0"/>
+              <a:t>소스코드의 기능</a:t>
+            </a:r>
+            <a:r>
+              <a:rPr lang="en-US" altLang="ko-KR" sz="1400" b="1" dirty="0" smtClean="0"/>
+              <a:t>]</a:t>
+            </a:r>
+          </a:p>
+          <a:p>
+            <a:r>
+              <a:rPr lang="ko-KR" altLang="en-US" sz="1400" dirty="0" smtClean="0"/>
+              <a:t>소스코드는 </a:t>
+            </a:r>
+            <a:r>
+              <a:rPr lang="ko-KR" altLang="en-US" sz="1400" dirty="0" err="1" smtClean="0"/>
+              <a:t>카드키</a:t>
+            </a:r>
+            <a:r>
+              <a:rPr lang="ko-KR" altLang="en-US" sz="1400" dirty="0" smtClean="0"/>
+              <a:t> 알고리즘을 이용한 </a:t>
+            </a:r>
+            <a:r>
+              <a:rPr lang="ko-KR" altLang="en-US" sz="1400" dirty="0" err="1" smtClean="0"/>
+              <a:t>도어락</a:t>
+            </a:r>
+            <a:r>
+              <a:rPr lang="ko-KR" altLang="en-US" sz="1400" dirty="0" smtClean="0"/>
+              <a:t> 코드</a:t>
+            </a:r>
+            <a:endParaRPr lang="en-US" altLang="ko-KR" sz="1400" dirty="0" smtClean="0"/>
+          </a:p>
+          <a:p>
+            <a:endParaRPr lang="en-US" altLang="ko-KR" sz="1400" dirty="0"/>
+          </a:p>
+          <a:p>
+            <a:r>
+              <a:rPr lang="en-US" altLang="ko-KR" sz="1400" b="1" dirty="0" smtClean="0"/>
+              <a:t>[</a:t>
+            </a:r>
+            <a:r>
+              <a:rPr lang="ko-KR" altLang="en-US" sz="1400" b="1" dirty="0" smtClean="0"/>
+              <a:t>추가 옵션</a:t>
+            </a:r>
+            <a:r>
+              <a:rPr lang="en-US" altLang="ko-KR" sz="1400" b="1" dirty="0" smtClean="0"/>
+              <a:t>]</a:t>
+            </a:r>
+          </a:p>
+          <a:p>
+            <a:pPr marL="285750" indent="-285750">
+              <a:buFontTx/>
+              <a:buChar char="-"/>
+            </a:pPr>
+            <a:r>
+              <a:rPr lang="ko-KR" altLang="en-US" sz="1400" dirty="0" err="1" smtClean="0"/>
+              <a:t>카드키</a:t>
+            </a:r>
+            <a:r>
+              <a:rPr lang="ko-KR" altLang="en-US" sz="1400" dirty="0" smtClean="0"/>
+              <a:t> 알고리즘 이외의 비밀번호를 이용한 알고리즘을 추가</a:t>
+            </a:r>
+            <a:endParaRPr lang="en-US" altLang="ko-KR" sz="1400" dirty="0" smtClean="0"/>
+          </a:p>
+          <a:p>
+            <a:pPr marL="285750" indent="-285750">
+              <a:buFontTx/>
+              <a:buChar char="-"/>
+            </a:pPr>
+            <a:endParaRPr lang="en-US" altLang="ko-KR" sz="1400" dirty="0" smtClean="0"/>
+          </a:p>
+          <a:p>
+            <a:pPr marL="285750" indent="-285750">
+              <a:buFontTx/>
+              <a:buChar char="-"/>
+            </a:pPr>
+            <a:r>
+              <a:rPr lang="ko-KR" altLang="en-US" sz="1400" dirty="0" smtClean="0"/>
+              <a:t>기기의 작동시간을 지정해서 작동시간 이외의 인터럽트는 무시</a:t>
+            </a:r>
+            <a:r>
+              <a:rPr lang="en-US" altLang="ko-KR" sz="1400" dirty="0" smtClean="0"/>
+              <a:t>(</a:t>
+            </a:r>
+            <a:r>
+              <a:rPr lang="ko-KR" altLang="en-US" sz="1400" dirty="0" smtClean="0"/>
+              <a:t>사용시간 설정</a:t>
+            </a:r>
+            <a:r>
+              <a:rPr lang="en-US" altLang="ko-KR" sz="1400" dirty="0" smtClean="0"/>
+              <a:t>)</a:t>
+            </a:r>
+          </a:p>
+          <a:p>
+            <a:pPr marL="285750" indent="-285750">
+              <a:buFontTx/>
+              <a:buChar char="-"/>
+            </a:pPr>
+            <a:endParaRPr lang="en-US" altLang="ko-KR" sz="1400" dirty="0" smtClean="0"/>
+          </a:p>
+          <a:p>
+            <a:pPr marL="285750" indent="-285750">
+              <a:buFontTx/>
+              <a:buChar char="-"/>
+            </a:pPr>
+            <a:r>
+              <a:rPr lang="en-US" altLang="ko-KR" sz="1400" dirty="0" smtClean="0"/>
+              <a:t>4</a:t>
+            </a:r>
+            <a:r>
+              <a:rPr lang="ko-KR" altLang="en-US" sz="1400" dirty="0" smtClean="0"/>
+              <a:t>회 이상 잘못된 입력이 있으면 기기가 작동을 멈춤</a:t>
+            </a:r>
+            <a:endParaRPr lang="en-US" altLang="ko-KR" sz="1400" dirty="0" smtClean="0"/>
+          </a:p>
+          <a:p>
+            <a:endParaRPr lang="en-US" altLang="ko-KR" sz="1400" dirty="0" smtClean="0"/>
+          </a:p>
+          <a:p>
+            <a:r>
+              <a:rPr lang="en-US" altLang="ko-KR" sz="1400" b="1" dirty="0" smtClean="0"/>
+              <a:t>[</a:t>
+            </a:r>
+            <a:r>
+              <a:rPr lang="ko-KR" altLang="en-US" sz="1400" b="1" dirty="0" smtClean="0"/>
+              <a:t>역할 분담</a:t>
+            </a:r>
+            <a:r>
+              <a:rPr lang="en-US" altLang="ko-KR" sz="1400" b="1" dirty="0" smtClean="0"/>
+              <a:t>]</a:t>
+            </a:r>
+          </a:p>
+          <a:p>
+            <a:endParaRPr lang="en-US" altLang="ko-KR" sz="1400" dirty="0" smtClean="0"/>
+          </a:p>
+          <a:p>
+            <a:r>
+              <a:rPr lang="ko-KR" altLang="en-US" sz="1400" dirty="0" smtClean="0"/>
+              <a:t>윤웅진 </a:t>
+            </a:r>
+            <a:r>
+              <a:rPr lang="en-US" altLang="ko-KR" sz="1400" dirty="0" smtClean="0"/>
+              <a:t>– </a:t>
+            </a:r>
+            <a:r>
+              <a:rPr lang="ko-KR" altLang="en-US" sz="1400" dirty="0" err="1" smtClean="0"/>
+              <a:t>도어락의</a:t>
+            </a:r>
+            <a:r>
+              <a:rPr lang="ko-KR" altLang="en-US" sz="1400" dirty="0" smtClean="0"/>
+              <a:t> 사용시간을 설정하는 기능</a:t>
+            </a:r>
+            <a:endParaRPr lang="en-US" altLang="ko-KR" sz="1400" dirty="0" smtClean="0"/>
+          </a:p>
+          <a:p>
+            <a:endParaRPr lang="en-US" altLang="ko-KR" sz="1400" dirty="0" smtClean="0"/>
+          </a:p>
+          <a:p>
+            <a:r>
+              <a:rPr lang="ko-KR" altLang="en-US" sz="1400" dirty="0" smtClean="0"/>
+              <a:t>이주엽 </a:t>
+            </a:r>
+            <a:r>
+              <a:rPr lang="en-US" altLang="ko-KR" sz="1400" dirty="0" smtClean="0"/>
+              <a:t>- </a:t>
+            </a:r>
+            <a:r>
+              <a:rPr lang="ko-KR" altLang="en-US" sz="1400" dirty="0" err="1" smtClean="0"/>
+              <a:t>키패드를</a:t>
+            </a:r>
+            <a:r>
+              <a:rPr lang="ko-KR" altLang="en-US" sz="1400" dirty="0" smtClean="0"/>
+              <a:t> 이용할 수 있는 기능 </a:t>
+            </a:r>
+            <a:r>
+              <a:rPr lang="en-US" altLang="ko-KR" sz="1400" dirty="0" smtClean="0"/>
+              <a:t>, </a:t>
+            </a:r>
+            <a:r>
+              <a:rPr lang="ko-KR" altLang="en-US" sz="1400" dirty="0" smtClean="0"/>
+              <a:t>오류횟수에</a:t>
+            </a:r>
+            <a:endParaRPr lang="en-US" altLang="ko-KR" sz="1400" dirty="0" smtClean="0"/>
+          </a:p>
+          <a:p>
+            <a:r>
+              <a:rPr lang="ko-KR" altLang="en-US" sz="1400" dirty="0" smtClean="0"/>
+              <a:t> </a:t>
+            </a:r>
+            <a:r>
+              <a:rPr lang="en-US" altLang="ko-KR" sz="1400" dirty="0" smtClean="0"/>
+              <a:t>           </a:t>
+            </a:r>
+            <a:r>
+              <a:rPr lang="ko-KR" altLang="en-US" sz="1400" dirty="0" smtClean="0"/>
+              <a:t>따른 작동정지</a:t>
+            </a:r>
+            <a:endParaRPr lang="en-US" altLang="ko-KR" sz="1400" dirty="0" smtClean="0"/>
+          </a:p>
+          <a:p>
+            <a:endParaRPr lang="en-US" altLang="ko-KR" sz="1400" dirty="0" smtClean="0"/>
+          </a:p>
+          <a:p>
+            <a:r>
+              <a:rPr lang="ko-KR" altLang="en-US" sz="1400" dirty="0" smtClean="0"/>
+              <a:t>서현석 </a:t>
+            </a:r>
+            <a:r>
+              <a:rPr lang="en-US" altLang="ko-KR" sz="1400" dirty="0"/>
+              <a:t>-</a:t>
+            </a:r>
+            <a:r>
+              <a:rPr lang="en-US" altLang="ko-KR" sz="1400" dirty="0" smtClean="0"/>
+              <a:t> </a:t>
+            </a:r>
+            <a:r>
+              <a:rPr lang="ko-KR" altLang="en-US" sz="1400" dirty="0" smtClean="0"/>
+              <a:t>비밀번호를 </a:t>
+            </a:r>
+            <a:r>
+              <a:rPr lang="ko-KR" altLang="en-US" sz="1400" dirty="0" err="1" smtClean="0"/>
+              <a:t>대칭키를</a:t>
+            </a:r>
+            <a:r>
+              <a:rPr lang="ko-KR" altLang="en-US" sz="1400" dirty="0" smtClean="0"/>
+              <a:t> 이용해서 암호화</a:t>
+            </a:r>
+            <a:endParaRPr lang="ko-KR" altLang="en-US" sz="1400" dirty="0"/>
+          </a:p>
+        </p:txBody>
+      </p:sp>
+      <p:sp>
+        <p:nvSpPr>
+          <p:cNvPr id="6" name="Rectangle 2"/>
+          <p:cNvSpPr>
+            <a:spLocks noChangeArrowheads="1"/>
+          </p:cNvSpPr>
+          <p:nvPr/>
+        </p:nvSpPr>
+        <p:spPr bwMode="auto">
+          <a:xfrm>
+            <a:off x="0" y="0"/>
+            <a:ext cx="9144000" cy="457200"/>
+          </a:xfrm>
+          <a:prstGeom prst="rect">
+            <a:avLst/>
+          </a:prstGeom>
+          <a:noFill/>
+          <a:ln>
+            <a:noFill/>
+          </a:ln>
+          <a:effectLst/>
+          <a:extLst>
+            <a:ext uri="{909E8E84-426E-40DD-AFC4-6F175D3DCCD1}">
+              <a14:hiddenFill xmlns:a14="http://schemas.microsoft.com/office/drawing/2010/main">
+                <a:solidFill>
+                  <a:schemeClr val="accent1"/>
+                </a:solidFill>
+              </a14:hiddenFill>
+            </a:ext>
+            <a:ext uri="{91240B29-F687-4F45-9708-019B960494DF}">
+              <a14:hiddenLine xmlns:a14="http://schemas.microsoft.com/office/drawing/2010/main" w="9525">
+                <a:solidFill>
+                  <a:schemeClr val="tx1"/>
+                </a:solidFill>
+                <a:miter lim="800000"/>
+                <a:headEnd/>
+                <a:tailEnd/>
+              </a14:hiddenLine>
+            </a:ext>
+            <a:ext uri="{AF507438-7753-43E0-B8FC-AC1667EBCBE1}">
+              <a14:hiddenEffects xmlns:a14="http://schemas.microsoft.com/office/drawing/2010/main">
+                <a:effectLst>
+                  <a:outerShdw dist="35921" dir="2700000" algn="ctr" rotWithShape="0">
+                    <a:schemeClr val="bg2"/>
+                  </a:outerShdw>
+                </a:effectLst>
+              </a14:hiddenEffects>
+            </a:ext>
+          </a:extLst>
+        </p:spPr>
+        <p:txBody>
+          <a:bodyPr vert="horz" wrap="none" lIns="91440" tIns="45720" rIns="91440" bIns="45720" numCol="1" anchor="ctr" anchorCtr="0" compatLnSpc="1">
+            <a:prstTxWarp prst="textNoShape">
+              <a:avLst/>
+            </a:prstTxWarp>
+            <a:spAutoFit/>
+          </a:bodyPr>
+          <a:lstStyle/>
+          <a:p>
+            <a:endParaRPr lang="ko-KR" altLang="en-US"/>
+          </a:p>
+        </p:txBody>
+      </p:sp>
+      <p:pic>
+        <p:nvPicPr>
+          <p:cNvPr id="7" name="그림 6"/>
+          <p:cNvPicPr>
+            <a:picLocks noChangeAspect="1"/>
+          </p:cNvPicPr>
+          <p:nvPr/>
+        </p:nvPicPr>
+        <p:blipFill>
+          <a:blip r:embed="rId2">
+            <a:extLst>
+              <a:ext uri="{28A0092B-C50C-407E-A947-70E740481C1C}">
+                <a14:useLocalDpi xmlns:a14="http://schemas.microsoft.com/office/drawing/2010/main" val="0"/>
+              </a:ext>
+            </a:extLst>
+          </a:blip>
+          <a:stretch>
+            <a:fillRect/>
+          </a:stretch>
+        </p:blipFill>
+        <p:spPr>
+          <a:xfrm>
+            <a:off x="5200099" y="2330027"/>
+            <a:ext cx="3943901" cy="3877216"/>
+          </a:xfrm>
+          <a:prstGeom prst="rect">
+            <a:avLst/>
+          </a:prstGeom>
+        </p:spPr>
+      </p:pic>
+    </p:spTree>
+    <p:extLst>
+      <p:ext uri="{BB962C8B-B14F-4D97-AF65-F5344CB8AC3E}">
+        <p14:creationId xmlns:p14="http://schemas.microsoft.com/office/powerpoint/2010/main" val="2992594415"/>
+      </p:ext>
+    </p:extLst>
+  </p:cSld>
+  <p:clrMapOvr>
+    <a:masterClrMapping/>
+  </p:clrMapOvr>
+  <p:timing>
+    <p:tnLst>
+      <p:par>
+        <p:cTn id="1" dur="indefinite" restart="never" nodeType="tmRoot"/>
+      </p:par>
+    </p:tnLst>
+  </p:timing>
+</p:sld>
+</file>
+
+<file path=ppt/slides/slide12.xml><?xml version="1.0" encoding="utf-8"?>
+<p:sld xmlns:a="http://schemas.openxmlformats.org/drawingml/2006/main" xmlns:r="http://schemas.openxmlformats.org/officeDocument/2006/relationships" xmlns:p="http://schemas.openxmlformats.org/presentationml/2006/main">
+  <p:cSld>
+    <p:spTree>
+      <p:nvGrpSpPr>
+        <p:cNvPr id="1" name=""/>
+        <p:cNvGrpSpPr/>
+        <p:nvPr/>
+      </p:nvGrpSpPr>
+      <p:grpSpPr>
+        <a:xfrm>
+          <a:off x="0" y="0"/>
+          <a:ext cx="0" cy="0"/>
+          <a:chOff x="0" y="0"/>
+          <a:chExt cx="0" cy="0"/>
+        </a:xfrm>
+      </p:grpSpPr>
+      <p:sp>
+        <p:nvSpPr>
+          <p:cNvPr id="3" name="직사각형 2"/>
+          <p:cNvSpPr/>
+          <p:nvPr/>
+        </p:nvSpPr>
+        <p:spPr>
+          <a:xfrm>
+            <a:off x="0" y="0"/>
+            <a:ext cx="342900" cy="6858000"/>
+          </a:xfrm>
+          <a:prstGeom prst="rect">
+            <a:avLst/>
+          </a:prstGeom>
+          <a:ln>
+            <a:noFill/>
+          </a:ln>
+        </p:spPr>
+        <p:style>
+          <a:lnRef idx="2">
+            <a:schemeClr val="accent1">
+              <a:shade val="50000"/>
+            </a:schemeClr>
+          </a:lnRef>
+          <a:fillRef idx="1">
+            <a:schemeClr val="accent1"/>
+          </a:fillRef>
+          <a:effectRef idx="0">
+            <a:schemeClr val="accent1"/>
+          </a:effectRef>
+          <a:fontRef idx="minor">
+            <a:schemeClr val="lt1"/>
+          </a:fontRef>
+        </p:style>
+        <p:txBody>
+          <a:bodyPr rtlCol="0" anchor="ctr"/>
+          <a:lstStyle/>
+          <a:p>
+            <a:pPr algn="ctr"/>
+            <a:endParaRPr lang="ko-KR" altLang="en-US"/>
+          </a:p>
+        </p:txBody>
+      </p:sp>
+      <p:cxnSp>
+        <p:nvCxnSpPr>
+          <p:cNvPr id="4" name="직선 연결선 3"/>
+          <p:cNvCxnSpPr/>
+          <p:nvPr/>
+        </p:nvCxnSpPr>
+        <p:spPr>
+          <a:xfrm>
+            <a:off x="342900" y="1266825"/>
+            <a:ext cx="7839075" cy="0"/>
+          </a:xfrm>
+          <a:prstGeom prst="line">
+            <a:avLst/>
+          </a:prstGeom>
+        </p:spPr>
+        <p:style>
+          <a:lnRef idx="1">
+            <a:schemeClr val="accent1"/>
+          </a:lnRef>
+          <a:fillRef idx="0">
+            <a:schemeClr val="accent1"/>
+          </a:fillRef>
+          <a:effectRef idx="0">
+            <a:schemeClr val="accent1"/>
+          </a:effectRef>
+          <a:fontRef idx="minor">
+            <a:schemeClr val="tx1"/>
+          </a:fontRef>
+        </p:style>
+      </p:cxnSp>
+      <p:sp>
+        <p:nvSpPr>
+          <p:cNvPr id="5" name="TextBox 4"/>
+          <p:cNvSpPr txBox="1"/>
+          <p:nvPr/>
+        </p:nvSpPr>
+        <p:spPr>
+          <a:xfrm>
+            <a:off x="523875" y="248692"/>
+            <a:ext cx="7263527" cy="769441"/>
+          </a:xfrm>
+          <a:prstGeom prst="rect">
+            <a:avLst/>
+          </a:prstGeom>
+          <a:noFill/>
+        </p:spPr>
+        <p:txBody>
+          <a:bodyPr wrap="none" rtlCol="0">
+            <a:spAutoFit/>
+          </a:bodyPr>
+          <a:lstStyle/>
+          <a:p>
+            <a:r>
+              <a:rPr lang="en-US" altLang="ko-KR" sz="4400" dirty="0" smtClean="0">
+                <a:solidFill>
+                  <a:schemeClr val="accent1"/>
+                </a:solidFill>
+              </a:rPr>
+              <a:t>Step </a:t>
+            </a:r>
+            <a:r>
+              <a:rPr lang="en-US" altLang="ko-KR" sz="4400" dirty="0" smtClean="0">
+                <a:solidFill>
+                  <a:schemeClr val="accent1"/>
+                </a:solidFill>
+              </a:rPr>
+              <a:t>4</a:t>
+            </a:r>
+            <a:r>
+              <a:rPr lang="en-US" altLang="ko-KR" sz="2800" dirty="0" smtClean="0">
+                <a:solidFill>
+                  <a:schemeClr val="accent1"/>
+                </a:solidFill>
+              </a:rPr>
+              <a:t> – </a:t>
+            </a:r>
+            <a:r>
+              <a:rPr lang="ko-KR" altLang="en-US" sz="2800" dirty="0" smtClean="0">
+                <a:solidFill>
+                  <a:schemeClr val="accent1"/>
+                </a:solidFill>
+              </a:rPr>
+              <a:t>구현</a:t>
+            </a:r>
+            <a:r>
+              <a:rPr lang="en-US" altLang="ko-KR" sz="2800" dirty="0" smtClean="0">
+                <a:solidFill>
+                  <a:schemeClr val="accent1"/>
+                </a:solidFill>
+              </a:rPr>
+              <a:t>(</a:t>
+            </a:r>
+            <a:r>
+              <a:rPr lang="en-US" altLang="ko-KR" sz="2800" dirty="0" smtClean="0">
+                <a:solidFill>
+                  <a:schemeClr val="accent1"/>
+                </a:solidFill>
+              </a:rPr>
+              <a:t>push &amp; pull &amp; merge)</a:t>
+            </a:r>
+            <a:endParaRPr lang="ko-KR" altLang="en-US" sz="4400" dirty="0">
+              <a:solidFill>
+                <a:schemeClr val="accent1"/>
+              </a:solidFill>
+            </a:endParaRPr>
+          </a:p>
+        </p:txBody>
+      </p:sp>
+      <p:pic>
+        <p:nvPicPr>
+          <p:cNvPr id="2" name="그림 1"/>
+          <p:cNvPicPr>
+            <a:picLocks noChangeAspect="1"/>
+          </p:cNvPicPr>
+          <p:nvPr/>
+        </p:nvPicPr>
+        <p:blipFill>
+          <a:blip r:embed="rId2">
+            <a:extLst>
+              <a:ext uri="{28A0092B-C50C-407E-A947-70E740481C1C}">
+                <a14:useLocalDpi xmlns:a14="http://schemas.microsoft.com/office/drawing/2010/main" val="0"/>
+              </a:ext>
+            </a:extLst>
+          </a:blip>
+          <a:stretch>
+            <a:fillRect/>
+          </a:stretch>
+        </p:blipFill>
+        <p:spPr>
+          <a:xfrm>
+            <a:off x="523876" y="1359751"/>
+            <a:ext cx="4865948" cy="619211"/>
+          </a:xfrm>
+          <a:prstGeom prst="rect">
+            <a:avLst/>
+          </a:prstGeom>
+        </p:spPr>
+      </p:pic>
+      <p:pic>
+        <p:nvPicPr>
+          <p:cNvPr id="6" name="그림 5"/>
+          <p:cNvPicPr>
+            <a:picLocks noChangeAspect="1"/>
+          </p:cNvPicPr>
+          <p:nvPr/>
+        </p:nvPicPr>
+        <p:blipFill>
+          <a:blip r:embed="rId3">
+            <a:extLst>
+              <a:ext uri="{28A0092B-C50C-407E-A947-70E740481C1C}">
+                <a14:useLocalDpi xmlns:a14="http://schemas.microsoft.com/office/drawing/2010/main" val="0"/>
+              </a:ext>
+            </a:extLst>
+          </a:blip>
+          <a:stretch>
+            <a:fillRect/>
+          </a:stretch>
+        </p:blipFill>
+        <p:spPr>
+          <a:xfrm>
+            <a:off x="523876" y="1978962"/>
+            <a:ext cx="4865948" cy="504896"/>
+          </a:xfrm>
+          <a:prstGeom prst="rect">
+            <a:avLst/>
+          </a:prstGeom>
+        </p:spPr>
+      </p:pic>
+      <p:pic>
+        <p:nvPicPr>
+          <p:cNvPr id="7" name="그림 6"/>
+          <p:cNvPicPr>
+            <a:picLocks noChangeAspect="1"/>
+          </p:cNvPicPr>
+          <p:nvPr/>
+        </p:nvPicPr>
+        <p:blipFill>
+          <a:blip r:embed="rId4">
+            <a:extLst>
+              <a:ext uri="{28A0092B-C50C-407E-A947-70E740481C1C}">
+                <a14:useLocalDpi xmlns:a14="http://schemas.microsoft.com/office/drawing/2010/main" val="0"/>
+              </a:ext>
+            </a:extLst>
+          </a:blip>
+          <a:stretch>
+            <a:fillRect/>
+          </a:stretch>
+        </p:blipFill>
+        <p:spPr>
+          <a:xfrm>
+            <a:off x="2374862" y="3055438"/>
+            <a:ext cx="3014962" cy="2772021"/>
+          </a:xfrm>
+          <a:prstGeom prst="rect">
+            <a:avLst/>
+          </a:prstGeom>
+        </p:spPr>
+      </p:pic>
+      <p:pic>
+        <p:nvPicPr>
+          <p:cNvPr id="8" name="그림 7"/>
+          <p:cNvPicPr>
+            <a:picLocks noChangeAspect="1"/>
+          </p:cNvPicPr>
+          <p:nvPr/>
+        </p:nvPicPr>
+        <p:blipFill>
+          <a:blip r:embed="rId5">
+            <a:extLst>
+              <a:ext uri="{28A0092B-C50C-407E-A947-70E740481C1C}">
+                <a14:useLocalDpi xmlns:a14="http://schemas.microsoft.com/office/drawing/2010/main" val="0"/>
+              </a:ext>
+            </a:extLst>
+          </a:blip>
+          <a:stretch>
+            <a:fillRect/>
+          </a:stretch>
+        </p:blipFill>
+        <p:spPr>
+          <a:xfrm>
+            <a:off x="5389823" y="2483858"/>
+            <a:ext cx="1582018" cy="4374142"/>
+          </a:xfrm>
+          <a:prstGeom prst="rect">
+            <a:avLst/>
+          </a:prstGeom>
+        </p:spPr>
+      </p:pic>
+      <p:pic>
+        <p:nvPicPr>
+          <p:cNvPr id="9" name="그림 8"/>
+          <p:cNvPicPr>
+            <a:picLocks noChangeAspect="1"/>
+          </p:cNvPicPr>
+          <p:nvPr/>
+        </p:nvPicPr>
+        <p:blipFill>
+          <a:blip r:embed="rId6">
+            <a:extLst>
+              <a:ext uri="{28A0092B-C50C-407E-A947-70E740481C1C}">
+                <a14:useLocalDpi xmlns:a14="http://schemas.microsoft.com/office/drawing/2010/main" val="0"/>
+              </a:ext>
+            </a:extLst>
+          </a:blip>
+          <a:stretch>
+            <a:fillRect/>
+          </a:stretch>
+        </p:blipFill>
+        <p:spPr>
+          <a:xfrm>
+            <a:off x="6971841" y="2475211"/>
+            <a:ext cx="2172159" cy="4374142"/>
+          </a:xfrm>
+          <a:prstGeom prst="rect">
+            <a:avLst/>
+          </a:prstGeom>
+        </p:spPr>
+      </p:pic>
+      <p:pic>
+        <p:nvPicPr>
+          <p:cNvPr id="10" name="그림 9"/>
+          <p:cNvPicPr>
+            <a:picLocks noChangeAspect="1"/>
+          </p:cNvPicPr>
+          <p:nvPr/>
+        </p:nvPicPr>
+        <p:blipFill>
+          <a:blip r:embed="rId7">
+            <a:extLst>
+              <a:ext uri="{28A0092B-C50C-407E-A947-70E740481C1C}">
+                <a14:useLocalDpi xmlns:a14="http://schemas.microsoft.com/office/drawing/2010/main" val="0"/>
+              </a:ext>
+            </a:extLst>
+          </a:blip>
+          <a:stretch>
+            <a:fillRect/>
+          </a:stretch>
+        </p:blipFill>
+        <p:spPr>
+          <a:xfrm>
+            <a:off x="523875" y="2483858"/>
+            <a:ext cx="4865949" cy="571580"/>
+          </a:xfrm>
+          <a:prstGeom prst="rect">
+            <a:avLst/>
+          </a:prstGeom>
+        </p:spPr>
+      </p:pic>
+      <p:sp>
+        <p:nvSpPr>
+          <p:cNvPr id="11" name="TextBox 10"/>
+          <p:cNvSpPr txBox="1"/>
+          <p:nvPr/>
+        </p:nvSpPr>
+        <p:spPr>
+          <a:xfrm>
+            <a:off x="611717" y="5827459"/>
+            <a:ext cx="4778107" cy="523220"/>
+          </a:xfrm>
+          <a:prstGeom prst="rect">
+            <a:avLst/>
+          </a:prstGeom>
+          <a:noFill/>
+        </p:spPr>
+        <p:txBody>
+          <a:bodyPr wrap="square" rtlCol="0">
+            <a:spAutoFit/>
+          </a:bodyPr>
+          <a:lstStyle/>
+          <a:p>
+            <a:r>
+              <a:rPr lang="ko-KR" altLang="en-US" sz="1400" dirty="0" err="1" smtClean="0"/>
+              <a:t>키패드와</a:t>
+            </a:r>
+            <a:r>
+              <a:rPr lang="ko-KR" altLang="en-US" sz="1400" dirty="0" smtClean="0"/>
+              <a:t> 비밀번호입력 및 암호화는 구현할 수 있었지만 사용시간을 설정하는 부분은 구현하지 못하였다</a:t>
+            </a:r>
+            <a:r>
+              <a:rPr lang="en-US" altLang="ko-KR" sz="1400" dirty="0" smtClean="0"/>
+              <a:t>.</a:t>
+            </a:r>
+            <a:endParaRPr lang="ko-KR" altLang="en-US" dirty="0"/>
+          </a:p>
+        </p:txBody>
+      </p:sp>
+    </p:spTree>
+    <p:extLst>
+      <p:ext uri="{BB962C8B-B14F-4D97-AF65-F5344CB8AC3E}">
+        <p14:creationId xmlns:p14="http://schemas.microsoft.com/office/powerpoint/2010/main" val="4127984242"/>
+      </p:ext>
+    </p:extLst>
+  </p:cSld>
+  <p:clrMapOvr>
+    <a:masterClrMapping/>
+  </p:clrMapOvr>
+  <p:timing>
+    <p:tnLst>
+      <p:par>
+        <p:cTn id="1" dur="indefinite" restart="never" nodeType="tmRoot"/>
+      </p:par>
+    </p:tnLst>
+  </p:timing>
+</p:sld>
+</file>
+
+<file path=ppt/slides/slide13.xml><?xml version="1.0" encoding="utf-8"?>
+<p:sld xmlns:a="http://schemas.openxmlformats.org/drawingml/2006/main" xmlns:r="http://schemas.openxmlformats.org/officeDocument/2006/relationships" xmlns:p="http://schemas.openxmlformats.org/presentationml/2006/main">
+  <p:cSld>
+    <p:spTree>
+      <p:nvGrpSpPr>
+        <p:cNvPr id="1" name=""/>
+        <p:cNvGrpSpPr/>
+        <p:nvPr/>
+      </p:nvGrpSpPr>
+      <p:grpSpPr>
+        <a:xfrm>
+          <a:off x="0" y="0"/>
+          <a:ext cx="0" cy="0"/>
+          <a:chOff x="0" y="0"/>
+          <a:chExt cx="0" cy="0"/>
+        </a:xfrm>
+      </p:grpSpPr>
+      <p:sp>
+        <p:nvSpPr>
+          <p:cNvPr id="3" name="직사각형 2"/>
+          <p:cNvSpPr/>
+          <p:nvPr/>
+        </p:nvSpPr>
+        <p:spPr>
+          <a:xfrm>
+            <a:off x="0" y="0"/>
+            <a:ext cx="342900" cy="6858000"/>
+          </a:xfrm>
+          <a:prstGeom prst="rect">
+            <a:avLst/>
+          </a:prstGeom>
+          <a:ln>
+            <a:noFill/>
+          </a:ln>
+        </p:spPr>
+        <p:style>
+          <a:lnRef idx="2">
+            <a:schemeClr val="accent1">
+              <a:shade val="50000"/>
+            </a:schemeClr>
+          </a:lnRef>
+          <a:fillRef idx="1">
+            <a:schemeClr val="accent1"/>
+          </a:fillRef>
+          <a:effectRef idx="0">
+            <a:schemeClr val="accent1"/>
+          </a:effectRef>
+          <a:fontRef idx="minor">
+            <a:schemeClr val="lt1"/>
+          </a:fontRef>
+        </p:style>
+        <p:txBody>
+          <a:bodyPr rtlCol="0" anchor="ctr"/>
+          <a:lstStyle/>
+          <a:p>
+            <a:pPr algn="ctr"/>
+            <a:endParaRPr lang="ko-KR" altLang="en-US"/>
+          </a:p>
+        </p:txBody>
+      </p:sp>
+      <p:cxnSp>
+        <p:nvCxnSpPr>
+          <p:cNvPr id="4" name="직선 연결선 3"/>
+          <p:cNvCxnSpPr/>
+          <p:nvPr/>
+        </p:nvCxnSpPr>
+        <p:spPr>
+          <a:xfrm>
+            <a:off x="342900" y="1266825"/>
+            <a:ext cx="7839075" cy="0"/>
+          </a:xfrm>
+          <a:prstGeom prst="line">
+            <a:avLst/>
+          </a:prstGeom>
+        </p:spPr>
+        <p:style>
+          <a:lnRef idx="1">
+            <a:schemeClr val="accent1"/>
+          </a:lnRef>
+          <a:fillRef idx="0">
+            <a:schemeClr val="accent1"/>
+          </a:fillRef>
+          <a:effectRef idx="0">
+            <a:schemeClr val="accent1"/>
+          </a:effectRef>
+          <a:fontRef idx="minor">
+            <a:schemeClr val="tx1"/>
+          </a:fontRef>
+        </p:style>
+      </p:cxnSp>
+      <p:sp>
+        <p:nvSpPr>
+          <p:cNvPr id="5" name="TextBox 4"/>
+          <p:cNvSpPr txBox="1"/>
+          <p:nvPr/>
+        </p:nvSpPr>
+        <p:spPr>
+          <a:xfrm>
+            <a:off x="523875" y="248692"/>
+            <a:ext cx="4647426" cy="769441"/>
+          </a:xfrm>
+          <a:prstGeom prst="rect">
+            <a:avLst/>
+          </a:prstGeom>
+          <a:noFill/>
+        </p:spPr>
+        <p:txBody>
+          <a:bodyPr wrap="none" rtlCol="0">
+            <a:spAutoFit/>
+          </a:bodyPr>
+          <a:lstStyle/>
+          <a:p>
+            <a:r>
+              <a:rPr lang="en-US" altLang="ko-KR" sz="4400" dirty="0" smtClean="0">
+                <a:solidFill>
+                  <a:schemeClr val="accent1"/>
+                </a:solidFill>
+              </a:rPr>
+              <a:t>Step </a:t>
+            </a:r>
+            <a:r>
+              <a:rPr lang="en-US" altLang="ko-KR" sz="4400" dirty="0" smtClean="0">
+                <a:solidFill>
+                  <a:schemeClr val="accent1"/>
+                </a:solidFill>
+              </a:rPr>
+              <a:t>4</a:t>
+            </a:r>
+            <a:r>
+              <a:rPr lang="en-US" altLang="ko-KR" sz="2800" dirty="0" smtClean="0">
+                <a:solidFill>
+                  <a:schemeClr val="accent1"/>
+                </a:solidFill>
+              </a:rPr>
+              <a:t> – Pull request</a:t>
+            </a:r>
+            <a:endParaRPr lang="ko-KR" altLang="en-US" sz="4400" dirty="0">
+              <a:solidFill>
+                <a:schemeClr val="accent1"/>
+              </a:solidFill>
+            </a:endParaRPr>
+          </a:p>
+        </p:txBody>
+      </p:sp>
+    </p:spTree>
+    <p:extLst>
+      <p:ext uri="{BB962C8B-B14F-4D97-AF65-F5344CB8AC3E}">
+        <p14:creationId xmlns:p14="http://schemas.microsoft.com/office/powerpoint/2010/main" val="3962662178"/>
+      </p:ext>
+    </p:extLst>
+  </p:cSld>
+  <p:clrMapOvr>
+    <a:masterClrMapping/>
+  </p:clrMapOvr>
+  <p:timing>
+    <p:tnLst>
+      <p:par>
+        <p:cTn id="1" dur="indefinite" restart="never" nodeType="tmRoot"/>
+      </p:par>
+    </p:tnLst>
+  </p:timing>
+</p:sld>
+</file>
+
+<file path=ppt/slides/slide14.xml><?xml version="1.0" encoding="utf-8"?>
+<p:sld xmlns:a="http://schemas.openxmlformats.org/drawingml/2006/main" xmlns:r="http://schemas.openxmlformats.org/officeDocument/2006/relationships" xmlns:p="http://schemas.openxmlformats.org/presentationml/2006/main">
+  <p:cSld>
+    <p:spTree>
+      <p:nvGrpSpPr>
+        <p:cNvPr id="1" name=""/>
+        <p:cNvGrpSpPr/>
+        <p:nvPr/>
+      </p:nvGrpSpPr>
+      <p:grpSpPr>
+        <a:xfrm>
+          <a:off x="0" y="0"/>
+          <a:ext cx="0" cy="0"/>
+          <a:chOff x="0" y="0"/>
+          <a:chExt cx="0" cy="0"/>
+        </a:xfrm>
+      </p:grpSpPr>
+      <p:sp>
+        <p:nvSpPr>
+          <p:cNvPr id="3" name="직사각형 2"/>
+          <p:cNvSpPr/>
+          <p:nvPr/>
+        </p:nvSpPr>
+        <p:spPr>
+          <a:xfrm>
+            <a:off x="0" y="0"/>
+            <a:ext cx="342900" cy="6858000"/>
+          </a:xfrm>
+          <a:prstGeom prst="rect">
+            <a:avLst/>
+          </a:prstGeom>
+          <a:ln>
+            <a:noFill/>
+          </a:ln>
+        </p:spPr>
+        <p:style>
+          <a:lnRef idx="2">
+            <a:schemeClr val="accent1">
+              <a:shade val="50000"/>
+            </a:schemeClr>
+          </a:lnRef>
+          <a:fillRef idx="1">
+            <a:schemeClr val="accent1"/>
+          </a:fillRef>
+          <a:effectRef idx="0">
+            <a:schemeClr val="accent1"/>
+          </a:effectRef>
+          <a:fontRef idx="minor">
+            <a:schemeClr val="lt1"/>
+          </a:fontRef>
+        </p:style>
+        <p:txBody>
+          <a:bodyPr rtlCol="0" anchor="ctr"/>
+          <a:lstStyle/>
+          <a:p>
+            <a:pPr algn="ctr"/>
+            <a:endParaRPr lang="ko-KR" altLang="en-US"/>
+          </a:p>
+        </p:txBody>
+      </p:sp>
+      <p:cxnSp>
+        <p:nvCxnSpPr>
+          <p:cNvPr id="4" name="직선 연결선 3"/>
+          <p:cNvCxnSpPr/>
+          <p:nvPr/>
+        </p:nvCxnSpPr>
+        <p:spPr>
+          <a:xfrm>
+            <a:off x="342900" y="1266825"/>
+            <a:ext cx="7839075" cy="0"/>
+          </a:xfrm>
+          <a:prstGeom prst="line">
+            <a:avLst/>
+          </a:prstGeom>
+        </p:spPr>
+        <p:style>
+          <a:lnRef idx="1">
+            <a:schemeClr val="accent1"/>
+          </a:lnRef>
+          <a:fillRef idx="0">
+            <a:schemeClr val="accent1"/>
+          </a:fillRef>
+          <a:effectRef idx="0">
+            <a:schemeClr val="accent1"/>
+          </a:effectRef>
+          <a:fontRef idx="minor">
+            <a:schemeClr val="tx1"/>
+          </a:fontRef>
+        </p:style>
+      </p:cxnSp>
+      <p:sp>
+        <p:nvSpPr>
+          <p:cNvPr id="5" name="TextBox 4"/>
+          <p:cNvSpPr txBox="1"/>
+          <p:nvPr/>
+        </p:nvSpPr>
+        <p:spPr>
+          <a:xfrm>
+            <a:off x="523875" y="248692"/>
+            <a:ext cx="4636206" cy="769441"/>
+          </a:xfrm>
+          <a:prstGeom prst="rect">
+            <a:avLst/>
+          </a:prstGeom>
+          <a:noFill/>
+        </p:spPr>
+        <p:txBody>
+          <a:bodyPr wrap="none" rtlCol="0">
+            <a:spAutoFit/>
+          </a:bodyPr>
+          <a:lstStyle/>
+          <a:p>
+            <a:r>
+              <a:rPr lang="en-US" altLang="ko-KR" sz="4400" dirty="0" smtClean="0">
+                <a:solidFill>
+                  <a:schemeClr val="accent1"/>
+                </a:solidFill>
+              </a:rPr>
+              <a:t>Epilogue</a:t>
+            </a:r>
+            <a:r>
+              <a:rPr lang="en-US" altLang="ko-KR" sz="2800" dirty="0" smtClean="0">
+                <a:solidFill>
+                  <a:schemeClr val="accent1"/>
+                </a:solidFill>
+              </a:rPr>
+              <a:t> – </a:t>
+            </a:r>
+            <a:r>
+              <a:rPr lang="ko-KR" altLang="en-US" sz="2800" dirty="0" smtClean="0">
+                <a:solidFill>
+                  <a:schemeClr val="accent1"/>
+                </a:solidFill>
+              </a:rPr>
+              <a:t>활동 로그</a:t>
+            </a:r>
+            <a:endParaRPr lang="ko-KR" altLang="en-US" sz="4400" dirty="0">
+              <a:solidFill>
+                <a:schemeClr val="accent1"/>
+              </a:solidFill>
+            </a:endParaRPr>
+          </a:p>
+        </p:txBody>
+      </p:sp>
+      <p:sp>
+        <p:nvSpPr>
+          <p:cNvPr id="8" name="TextBox 7"/>
+          <p:cNvSpPr txBox="1"/>
+          <p:nvPr/>
+        </p:nvSpPr>
+        <p:spPr>
+          <a:xfrm>
+            <a:off x="523875" y="1274509"/>
+            <a:ext cx="2465214" cy="4131900"/>
+          </a:xfrm>
+          <a:prstGeom prst="rect">
+            <a:avLst/>
+          </a:prstGeom>
+          <a:noFill/>
+        </p:spPr>
+        <p:txBody>
+          <a:bodyPr wrap="square" rtlCol="0">
+            <a:spAutoFit/>
+          </a:bodyPr>
+          <a:lstStyle/>
+          <a:p>
+            <a:pPr fontAlgn="base" latinLnBrk="0"/>
+            <a:r>
+              <a:rPr lang="en-US" altLang="ko-KR" sz="1200" b="1" dirty="0"/>
+              <a:t>[process of teamwork]</a:t>
+            </a:r>
+            <a:endParaRPr lang="ko-KR" altLang="en-US" sz="1200" dirty="0"/>
+          </a:p>
+          <a:p>
+            <a:pPr fontAlgn="base"/>
+            <a:r>
+              <a:rPr lang="en-US" altLang="ko-KR" sz="1200" dirty="0"/>
+              <a:t>11/11 – first meet</a:t>
+            </a:r>
+            <a:endParaRPr lang="ko-KR" altLang="en-US" sz="1200" dirty="0"/>
+          </a:p>
+          <a:p>
+            <a:pPr fontAlgn="base"/>
+            <a:r>
+              <a:rPr lang="en-US" altLang="ko-KR" sz="1200" dirty="0"/>
+              <a:t>NOTE</a:t>
+            </a:r>
+            <a:endParaRPr lang="ko-KR" altLang="en-US" sz="1200" dirty="0"/>
+          </a:p>
+          <a:p>
+            <a:pPr lvl="0" fontAlgn="base"/>
+            <a:r>
+              <a:rPr lang="ko-KR" altLang="en-US" sz="1200" dirty="0"/>
+              <a:t>주제 정하기</a:t>
+            </a:r>
+          </a:p>
+          <a:p>
+            <a:pPr lvl="0" fontAlgn="base"/>
+            <a:r>
+              <a:rPr lang="ko-KR" altLang="en-US" sz="1200" dirty="0"/>
+              <a:t>다음일정 조정</a:t>
+            </a:r>
+          </a:p>
+          <a:p>
+            <a:pPr lvl="0" fontAlgn="base"/>
+            <a:r>
+              <a:rPr lang="en-US" altLang="ko-KR" sz="1200" dirty="0" err="1"/>
+              <a:t>git</a:t>
+            </a:r>
+            <a:r>
+              <a:rPr lang="en-US" altLang="ko-KR" sz="1200" dirty="0"/>
+              <a:t> </a:t>
+            </a:r>
+            <a:r>
+              <a:rPr lang="ko-KR" altLang="en-US" sz="1200" dirty="0" smtClean="0"/>
+              <a:t>숙달</a:t>
+            </a:r>
+            <a:endParaRPr lang="en-US" altLang="ko-KR" sz="1200" dirty="0" smtClean="0"/>
+          </a:p>
+          <a:p>
+            <a:pPr lvl="0" fontAlgn="base"/>
+            <a:endParaRPr lang="ko-KR" altLang="en-US" sz="1200" dirty="0"/>
+          </a:p>
+          <a:p>
+            <a:pPr fontAlgn="base"/>
+            <a:r>
+              <a:rPr lang="en-US" altLang="ko-KR" sz="1200" dirty="0"/>
+              <a:t>11/15 – second meet</a:t>
+            </a:r>
+            <a:endParaRPr lang="ko-KR" altLang="en-US" sz="1200" dirty="0"/>
+          </a:p>
+          <a:p>
+            <a:pPr fontAlgn="base"/>
+            <a:r>
+              <a:rPr lang="en-US" altLang="ko-KR" sz="1200" dirty="0"/>
+              <a:t>NOTE</a:t>
+            </a:r>
+            <a:endParaRPr lang="ko-KR" altLang="en-US" sz="1200" dirty="0"/>
+          </a:p>
+          <a:p>
+            <a:pPr lvl="0" fontAlgn="base"/>
+            <a:r>
+              <a:rPr lang="ko-KR" altLang="en-US" sz="1200" dirty="0"/>
+              <a:t>주제에 대한 세부내용 선정</a:t>
+            </a:r>
+          </a:p>
+          <a:p>
+            <a:pPr lvl="0" fontAlgn="base"/>
+            <a:r>
+              <a:rPr lang="ko-KR" altLang="en-US" sz="1200" dirty="0"/>
+              <a:t>계획서 작성</a:t>
+            </a:r>
+          </a:p>
+          <a:p>
+            <a:pPr lvl="0" fontAlgn="base"/>
+            <a:r>
+              <a:rPr lang="ko-KR" altLang="en-US" sz="1200" dirty="0"/>
+              <a:t>과제 수행에 앞서 자료수집</a:t>
+            </a:r>
+          </a:p>
+          <a:p>
+            <a:pPr lvl="0" fontAlgn="base"/>
+            <a:r>
+              <a:rPr lang="en-US" altLang="ko-KR" sz="1200" dirty="0" err="1"/>
+              <a:t>github</a:t>
+            </a:r>
+            <a:r>
+              <a:rPr lang="ko-KR" altLang="en-US" sz="1200" dirty="0"/>
+              <a:t>에 있는 </a:t>
+            </a:r>
+            <a:r>
+              <a:rPr lang="en-US" altLang="ko-KR" sz="1200" dirty="0"/>
+              <a:t>repository</a:t>
+            </a:r>
+            <a:r>
+              <a:rPr lang="ko-KR" altLang="en-US" sz="1200" dirty="0"/>
+              <a:t>에 </a:t>
+            </a:r>
+            <a:r>
+              <a:rPr lang="en-US" altLang="ko-KR" sz="1200" dirty="0"/>
+              <a:t>fork</a:t>
+            </a:r>
+            <a:endParaRPr lang="ko-KR" altLang="en-US" sz="1200" dirty="0"/>
+          </a:p>
+          <a:p>
+            <a:pPr lvl="0" fontAlgn="base"/>
+            <a:r>
+              <a:rPr lang="ko-KR" altLang="en-US" sz="1200" dirty="0"/>
+              <a:t>수정할 파트 </a:t>
+            </a:r>
+            <a:r>
+              <a:rPr lang="ko-KR" altLang="en-US" sz="1200" dirty="0" smtClean="0"/>
+              <a:t>선정</a:t>
+            </a:r>
+            <a:endParaRPr lang="en-US" altLang="ko-KR" sz="1200" dirty="0" smtClean="0"/>
+          </a:p>
+          <a:p>
+            <a:pPr lvl="0" fontAlgn="base"/>
+            <a:endParaRPr lang="ko-KR" altLang="en-US" sz="1200" dirty="0"/>
+          </a:p>
+          <a:p>
+            <a:pPr fontAlgn="base"/>
+            <a:r>
+              <a:rPr lang="en-US" altLang="ko-KR" sz="1200" dirty="0"/>
+              <a:t>11/21 – third meet</a:t>
+            </a:r>
+            <a:endParaRPr lang="ko-KR" altLang="en-US" sz="1200" dirty="0"/>
+          </a:p>
+          <a:p>
+            <a:pPr fontAlgn="base"/>
+            <a:r>
+              <a:rPr lang="en-US" altLang="ko-KR" sz="1200" dirty="0"/>
+              <a:t>NOTE</a:t>
+            </a:r>
+            <a:endParaRPr lang="ko-KR" altLang="en-US" sz="1200" dirty="0"/>
+          </a:p>
+          <a:p>
+            <a:pPr lvl="0" fontAlgn="base"/>
+            <a:r>
+              <a:rPr lang="ko-KR" altLang="en-US" sz="1200" dirty="0"/>
+              <a:t>공부한 내용 공유</a:t>
+            </a:r>
+          </a:p>
+          <a:p>
+            <a:pPr lvl="0" fontAlgn="base"/>
+            <a:r>
+              <a:rPr lang="ko-KR" altLang="en-US" sz="1200" dirty="0"/>
+              <a:t>자료 정리 및 알고리즘 만들기</a:t>
+            </a:r>
+          </a:p>
+          <a:p>
+            <a:pPr lvl="0" fontAlgn="base"/>
+            <a:r>
+              <a:rPr lang="ko-KR" altLang="en-US" sz="1200" dirty="0"/>
+              <a:t>수정할 역할 </a:t>
+            </a:r>
+            <a:r>
+              <a:rPr lang="ko-KR" altLang="en-US" sz="1200" dirty="0" smtClean="0"/>
+              <a:t>분담</a:t>
+            </a:r>
+            <a:endParaRPr lang="en-US" altLang="ko-KR" sz="1200" dirty="0" smtClean="0"/>
+          </a:p>
+          <a:p>
+            <a:pPr lvl="0" fontAlgn="base"/>
+            <a:endParaRPr lang="ko-KR" altLang="en-US" sz="1050" dirty="0"/>
+          </a:p>
+        </p:txBody>
+      </p:sp>
+      <p:sp>
+        <p:nvSpPr>
+          <p:cNvPr id="9" name="TextBox 8"/>
+          <p:cNvSpPr txBox="1"/>
+          <p:nvPr/>
+        </p:nvSpPr>
+        <p:spPr>
+          <a:xfrm>
+            <a:off x="3141489" y="1287556"/>
+            <a:ext cx="2465214" cy="4339650"/>
+          </a:xfrm>
+          <a:prstGeom prst="rect">
+            <a:avLst/>
+          </a:prstGeom>
+          <a:noFill/>
+        </p:spPr>
+        <p:txBody>
+          <a:bodyPr wrap="square" rtlCol="0">
+            <a:spAutoFit/>
+          </a:bodyPr>
+          <a:lstStyle/>
+          <a:p>
+            <a:pPr fontAlgn="base"/>
+            <a:endParaRPr lang="en-US" altLang="ko-KR" sz="1050" dirty="0" smtClean="0"/>
+          </a:p>
+          <a:p>
+            <a:pPr fontAlgn="base"/>
+            <a:endParaRPr lang="en-US" altLang="ko-KR" sz="1050" dirty="0" smtClean="0"/>
+          </a:p>
+          <a:p>
+            <a:pPr fontAlgn="base"/>
+            <a:endParaRPr lang="en-US" altLang="ko-KR" sz="1050" dirty="0"/>
+          </a:p>
+          <a:p>
+            <a:pPr fontAlgn="base"/>
+            <a:endParaRPr lang="en-US" altLang="ko-KR" sz="1050" dirty="0" smtClean="0"/>
+          </a:p>
+          <a:p>
+            <a:pPr fontAlgn="base"/>
+            <a:endParaRPr lang="en-US" altLang="ko-KR" sz="1050" dirty="0"/>
+          </a:p>
+          <a:p>
+            <a:pPr fontAlgn="base"/>
+            <a:endParaRPr lang="en-US" altLang="ko-KR" sz="1050" dirty="0" smtClean="0"/>
+          </a:p>
+          <a:p>
+            <a:pPr fontAlgn="base"/>
+            <a:endParaRPr lang="en-US" altLang="ko-KR" sz="1050" dirty="0"/>
+          </a:p>
+          <a:p>
+            <a:pPr fontAlgn="base"/>
+            <a:endParaRPr lang="en-US" altLang="ko-KR" sz="1200" dirty="0" smtClean="0"/>
+          </a:p>
+          <a:p>
+            <a:pPr fontAlgn="base"/>
+            <a:r>
+              <a:rPr lang="en-US" altLang="ko-KR" sz="1200" dirty="0" smtClean="0"/>
+              <a:t>11/25 </a:t>
+            </a:r>
+            <a:r>
+              <a:rPr lang="en-US" altLang="ko-KR" sz="1200" dirty="0"/>
+              <a:t>- fourth meet</a:t>
+            </a:r>
+            <a:endParaRPr lang="ko-KR" altLang="en-US" sz="1200" dirty="0"/>
+          </a:p>
+          <a:p>
+            <a:pPr fontAlgn="base"/>
+            <a:r>
+              <a:rPr lang="en-US" altLang="ko-KR" sz="1200" dirty="0"/>
+              <a:t>NOTE</a:t>
+            </a:r>
+            <a:endParaRPr lang="ko-KR" altLang="en-US" sz="1200" dirty="0"/>
+          </a:p>
+          <a:p>
+            <a:pPr fontAlgn="base"/>
+            <a:r>
+              <a:rPr lang="en-US" altLang="ko-KR" sz="1200" dirty="0"/>
+              <a:t>-C </a:t>
+            </a:r>
+            <a:r>
+              <a:rPr lang="ko-KR" altLang="en-US" sz="1200" dirty="0"/>
+              <a:t>언어로 알고리즘 구현</a:t>
+            </a:r>
+          </a:p>
+          <a:p>
+            <a:pPr fontAlgn="base"/>
+            <a:r>
+              <a:rPr lang="en-US" altLang="ko-KR" sz="1200" dirty="0"/>
+              <a:t>-</a:t>
+            </a:r>
+            <a:r>
+              <a:rPr lang="ko-KR" altLang="en-US" sz="1200" dirty="0"/>
+              <a:t>일정 부분 </a:t>
+            </a:r>
+            <a:r>
+              <a:rPr lang="en-US" altLang="ko-KR" sz="1200" dirty="0" err="1"/>
+              <a:t>ino</a:t>
+            </a:r>
+            <a:r>
+              <a:rPr lang="en-US" altLang="ko-KR" sz="1200" dirty="0"/>
+              <a:t> </a:t>
+            </a:r>
+            <a:r>
+              <a:rPr lang="ko-KR" altLang="en-US" sz="1200" dirty="0"/>
+              <a:t>코드에 </a:t>
+            </a:r>
+            <a:r>
+              <a:rPr lang="ko-KR" altLang="en-US" sz="1200" dirty="0" smtClean="0"/>
+              <a:t>적용하기</a:t>
+            </a:r>
+            <a:endParaRPr lang="en-US" altLang="ko-KR" sz="1200" dirty="0" smtClean="0"/>
+          </a:p>
+          <a:p>
+            <a:pPr fontAlgn="base"/>
+            <a:endParaRPr lang="ko-KR" altLang="en-US" sz="1200" dirty="0"/>
+          </a:p>
+          <a:p>
+            <a:pPr fontAlgn="base"/>
+            <a:r>
+              <a:rPr lang="en-US" altLang="ko-KR" sz="1200" dirty="0"/>
+              <a:t>11/28 – fifth meet</a:t>
+            </a:r>
+            <a:endParaRPr lang="ko-KR" altLang="en-US" sz="1200" dirty="0"/>
+          </a:p>
+          <a:p>
+            <a:pPr fontAlgn="base"/>
+            <a:r>
+              <a:rPr lang="en-US" altLang="ko-KR" sz="1200" dirty="0"/>
+              <a:t>NOTE</a:t>
+            </a:r>
+            <a:endParaRPr lang="ko-KR" altLang="en-US" sz="1200" dirty="0"/>
+          </a:p>
+          <a:p>
+            <a:pPr fontAlgn="base"/>
+            <a:r>
+              <a:rPr lang="en-US" altLang="ko-KR" sz="1200" dirty="0"/>
+              <a:t>-</a:t>
+            </a:r>
+            <a:r>
+              <a:rPr lang="en-US" altLang="ko-KR" sz="1200" dirty="0" err="1"/>
+              <a:t>hwp</a:t>
+            </a:r>
+            <a:r>
+              <a:rPr lang="ko-KR" altLang="en-US" sz="1200" dirty="0"/>
+              <a:t>문서 합치기</a:t>
+            </a:r>
+          </a:p>
+          <a:p>
+            <a:pPr fontAlgn="base"/>
+            <a:r>
+              <a:rPr lang="en-US" altLang="ko-KR" sz="1200" dirty="0"/>
+              <a:t>-</a:t>
+            </a:r>
+            <a:r>
+              <a:rPr lang="en-US" altLang="ko-KR" sz="1200" dirty="0" err="1"/>
+              <a:t>ino</a:t>
+            </a:r>
+            <a:r>
+              <a:rPr lang="en-US" altLang="ko-KR" sz="1200" dirty="0"/>
+              <a:t> </a:t>
+            </a:r>
+            <a:r>
+              <a:rPr lang="ko-KR" altLang="en-US" sz="1200" dirty="0"/>
+              <a:t>코드 완성 </a:t>
+            </a:r>
+            <a:r>
+              <a:rPr lang="en-US" altLang="ko-KR" sz="1200" dirty="0"/>
+              <a:t>&amp; </a:t>
+            </a:r>
+            <a:r>
+              <a:rPr lang="ko-KR" altLang="en-US" sz="1200" dirty="0"/>
+              <a:t>주석 작업</a:t>
+            </a:r>
+          </a:p>
+          <a:p>
+            <a:pPr fontAlgn="base"/>
+            <a:r>
+              <a:rPr lang="en-US" altLang="ko-KR" sz="1200" dirty="0"/>
+              <a:t>-</a:t>
+            </a:r>
+            <a:r>
+              <a:rPr lang="ko-KR" altLang="en-US" sz="1200" dirty="0"/>
+              <a:t>발표 </a:t>
+            </a:r>
+            <a:r>
+              <a:rPr lang="ko-KR" altLang="en-US" sz="1200" dirty="0" smtClean="0"/>
+              <a:t>구상</a:t>
+            </a:r>
+            <a:endParaRPr lang="en-US" altLang="ko-KR" sz="1200" dirty="0" smtClean="0"/>
+          </a:p>
+          <a:p>
+            <a:pPr fontAlgn="base"/>
+            <a:endParaRPr lang="ko-KR" altLang="en-US" sz="1200" dirty="0"/>
+          </a:p>
+          <a:p>
+            <a:pPr fontAlgn="base"/>
+            <a:r>
+              <a:rPr lang="en-US" altLang="ko-KR" sz="1200" dirty="0"/>
+              <a:t>11/29 – sixth meet</a:t>
+            </a:r>
+            <a:endParaRPr lang="ko-KR" altLang="en-US" sz="1200" dirty="0"/>
+          </a:p>
+          <a:p>
+            <a:pPr fontAlgn="base"/>
+            <a:r>
+              <a:rPr lang="en-US" altLang="ko-KR" sz="1200" dirty="0"/>
+              <a:t>NOTE</a:t>
+            </a:r>
+            <a:endParaRPr lang="ko-KR" altLang="en-US" sz="1200" dirty="0"/>
+          </a:p>
+          <a:p>
+            <a:pPr fontAlgn="base"/>
+            <a:r>
+              <a:rPr lang="en-US" altLang="ko-KR" sz="1200" dirty="0"/>
+              <a:t>-</a:t>
+            </a:r>
+            <a:r>
+              <a:rPr lang="ko-KR" altLang="en-US" sz="1200" dirty="0"/>
+              <a:t>코드 수정 작업</a:t>
+            </a:r>
+          </a:p>
+          <a:p>
+            <a:pPr fontAlgn="base"/>
+            <a:r>
+              <a:rPr lang="en-US" altLang="ko-KR" sz="1200" dirty="0"/>
+              <a:t>-</a:t>
+            </a:r>
+            <a:r>
+              <a:rPr lang="ko-KR" altLang="en-US" sz="1200" dirty="0"/>
+              <a:t>발표자료 완성</a:t>
+            </a:r>
+          </a:p>
+          <a:p>
+            <a:pPr lvl="0" fontAlgn="base"/>
+            <a:endParaRPr lang="ko-KR" altLang="en-US" sz="1050" dirty="0"/>
+          </a:p>
+        </p:txBody>
+      </p:sp>
+      <p:sp>
+        <p:nvSpPr>
+          <p:cNvPr id="10" name="TextBox 9"/>
+          <p:cNvSpPr txBox="1"/>
+          <p:nvPr/>
+        </p:nvSpPr>
+        <p:spPr>
+          <a:xfrm>
+            <a:off x="536602" y="5608206"/>
+            <a:ext cx="8420342" cy="646331"/>
+          </a:xfrm>
+          <a:prstGeom prst="rect">
+            <a:avLst/>
+          </a:prstGeom>
+          <a:noFill/>
+        </p:spPr>
+        <p:txBody>
+          <a:bodyPr wrap="square" rtlCol="0">
+            <a:spAutoFit/>
+          </a:bodyPr>
+          <a:lstStyle/>
+          <a:p>
+            <a:r>
+              <a:rPr lang="ko-KR" altLang="en-US" sz="1200" dirty="0" smtClean="0"/>
+              <a:t>과제를 수행하면서 중간과정이 계속 기록이 되는 것을 보면서 </a:t>
+            </a:r>
+            <a:r>
+              <a:rPr lang="en-US" altLang="ko-KR" sz="1200" dirty="0" smtClean="0"/>
+              <a:t>‘</a:t>
+            </a:r>
+            <a:r>
+              <a:rPr lang="ko-KR" altLang="en-US" sz="1200" dirty="0" smtClean="0"/>
+              <a:t>협업을 하고 있구나</a:t>
+            </a:r>
+            <a:r>
+              <a:rPr lang="en-US" altLang="ko-KR" sz="1200" dirty="0" smtClean="0"/>
+              <a:t>’ </a:t>
+            </a:r>
+            <a:r>
+              <a:rPr lang="ko-KR" altLang="en-US" sz="1200" dirty="0" smtClean="0"/>
+              <a:t>라는 느낌을 받을 수 있었고</a:t>
+            </a:r>
+            <a:r>
+              <a:rPr lang="en-US" altLang="ko-KR" sz="1200" dirty="0" smtClean="0"/>
+              <a:t>, </a:t>
+            </a:r>
+          </a:p>
+          <a:p>
+            <a:r>
+              <a:rPr lang="ko-KR" altLang="en-US" sz="1200" dirty="0" smtClean="0"/>
+              <a:t>저자의 </a:t>
+            </a:r>
+            <a:r>
+              <a:rPr lang="en-US" altLang="ko-KR" sz="1200" dirty="0" smtClean="0"/>
+              <a:t>branch</a:t>
+            </a:r>
+            <a:r>
+              <a:rPr lang="ko-KR" altLang="en-US" sz="1200" dirty="0" smtClean="0"/>
+              <a:t>가 </a:t>
+            </a:r>
+            <a:r>
+              <a:rPr lang="ko-KR" altLang="en-US" sz="1200" dirty="0" err="1" smtClean="0"/>
+              <a:t>생성되서</a:t>
+            </a:r>
+            <a:r>
+              <a:rPr lang="ko-KR" altLang="en-US" sz="1200" dirty="0" smtClean="0"/>
+              <a:t> 자세한 주석이 달리는 것을 보면서 직접 협업 토의를 거치지 않고 이렇게 </a:t>
+            </a:r>
+            <a:r>
+              <a:rPr lang="en-US" altLang="ko-KR" sz="1200" dirty="0" err="1" smtClean="0"/>
+              <a:t>Github</a:t>
+            </a:r>
+            <a:r>
+              <a:rPr lang="ko-KR" altLang="en-US" sz="1200" dirty="0" smtClean="0"/>
+              <a:t>를 통해서 협업을 하는 새로운 경험도 하게 되었다</a:t>
+            </a:r>
+            <a:r>
+              <a:rPr lang="en-US" altLang="ko-KR" sz="1200" dirty="0" smtClean="0"/>
+              <a:t>.</a:t>
+            </a:r>
+            <a:endParaRPr lang="ko-KR" altLang="en-US" sz="1050" dirty="0"/>
+          </a:p>
+        </p:txBody>
+      </p:sp>
+    </p:spTree>
+    <p:extLst>
+      <p:ext uri="{BB962C8B-B14F-4D97-AF65-F5344CB8AC3E}">
+        <p14:creationId xmlns:p14="http://schemas.microsoft.com/office/powerpoint/2010/main" val="2516381339"/>
+      </p:ext>
+    </p:extLst>
+  </p:cSld>
+  <p:clrMapOvr>
+    <a:masterClrMapping/>
+  </p:clrMapOvr>
+  <p:timing>
+    <p:tnLst>
+      <p:par>
+        <p:cTn id="1" dur="indefinite" restart="never" nodeType="tmRoot"/>
+      </p:par>
+    </p:tnLst>
+  </p:timing>
+</p:sld>
+</file>
+
+<file path=ppt/slides/slide15.xml><?xml version="1.0" encoding="utf-8"?>
+<p:sld xmlns:a="http://schemas.openxmlformats.org/drawingml/2006/main" xmlns:r="http://schemas.openxmlformats.org/officeDocument/2006/relationships" xmlns:p="http://schemas.openxmlformats.org/presentationml/2006/main">
+  <p:cSld>
+    <p:spTree>
+      <p:nvGrpSpPr>
+        <p:cNvPr id="1" name=""/>
+        <p:cNvGrpSpPr/>
+        <p:nvPr/>
+      </p:nvGrpSpPr>
+      <p:grpSpPr>
+        <a:xfrm>
+          <a:off x="0" y="0"/>
+          <a:ext cx="0" cy="0"/>
+          <a:chOff x="0" y="0"/>
+          <a:chExt cx="0" cy="0"/>
+        </a:xfrm>
+      </p:grpSpPr>
+      <p:sp>
+        <p:nvSpPr>
+          <p:cNvPr id="3" name="직사각형 2"/>
+          <p:cNvSpPr/>
+          <p:nvPr/>
+        </p:nvSpPr>
+        <p:spPr>
+          <a:xfrm>
+            <a:off x="0" y="0"/>
+            <a:ext cx="342900" cy="6858000"/>
+          </a:xfrm>
+          <a:prstGeom prst="rect">
+            <a:avLst/>
+          </a:prstGeom>
+          <a:ln>
+            <a:noFill/>
+          </a:ln>
+        </p:spPr>
+        <p:style>
+          <a:lnRef idx="2">
+            <a:schemeClr val="accent1">
+              <a:shade val="50000"/>
+            </a:schemeClr>
+          </a:lnRef>
+          <a:fillRef idx="1">
+            <a:schemeClr val="accent1"/>
+          </a:fillRef>
+          <a:effectRef idx="0">
+            <a:schemeClr val="accent1"/>
+          </a:effectRef>
+          <a:fontRef idx="minor">
+            <a:schemeClr val="lt1"/>
+          </a:fontRef>
+        </p:style>
+        <p:txBody>
+          <a:bodyPr rtlCol="0" anchor="ctr"/>
+          <a:lstStyle/>
+          <a:p>
+            <a:pPr algn="ctr"/>
+            <a:endParaRPr lang="ko-KR" altLang="en-US"/>
+          </a:p>
+        </p:txBody>
+      </p:sp>
+      <p:cxnSp>
+        <p:nvCxnSpPr>
+          <p:cNvPr id="4" name="직선 연결선 3"/>
+          <p:cNvCxnSpPr/>
+          <p:nvPr/>
+        </p:nvCxnSpPr>
+        <p:spPr>
+          <a:xfrm>
+            <a:off x="342900" y="1266825"/>
+            <a:ext cx="7839075" cy="0"/>
+          </a:xfrm>
+          <a:prstGeom prst="line">
+            <a:avLst/>
+          </a:prstGeom>
+        </p:spPr>
+        <p:style>
+          <a:lnRef idx="1">
+            <a:schemeClr val="accent1"/>
+          </a:lnRef>
+          <a:fillRef idx="0">
+            <a:schemeClr val="accent1"/>
+          </a:fillRef>
+          <a:effectRef idx="0">
+            <a:schemeClr val="accent1"/>
+          </a:effectRef>
+          <a:fontRef idx="minor">
+            <a:schemeClr val="tx1"/>
+          </a:fontRef>
+        </p:style>
+      </p:cxnSp>
+      <p:sp>
+        <p:nvSpPr>
+          <p:cNvPr id="5" name="TextBox 4"/>
+          <p:cNvSpPr txBox="1"/>
+          <p:nvPr/>
+        </p:nvSpPr>
+        <p:spPr>
+          <a:xfrm>
+            <a:off x="523875" y="248692"/>
+            <a:ext cx="2592376" cy="769441"/>
+          </a:xfrm>
+          <a:prstGeom prst="rect">
+            <a:avLst/>
+          </a:prstGeom>
+          <a:noFill/>
+        </p:spPr>
+        <p:txBody>
+          <a:bodyPr wrap="none" rtlCol="0">
+            <a:spAutoFit/>
+          </a:bodyPr>
+          <a:lstStyle/>
+          <a:p>
+            <a:r>
+              <a:rPr lang="en-US" altLang="ko-KR" sz="4400" dirty="0" smtClean="0">
+                <a:solidFill>
+                  <a:schemeClr val="accent1"/>
+                </a:solidFill>
+              </a:rPr>
+              <a:t>Epilogue</a:t>
+            </a:r>
+            <a:endParaRPr lang="ko-KR" altLang="en-US" sz="4400" dirty="0">
+              <a:solidFill>
+                <a:schemeClr val="accent1"/>
+              </a:solidFill>
+            </a:endParaRPr>
+          </a:p>
+        </p:txBody>
+      </p:sp>
+      <p:sp>
+        <p:nvSpPr>
+          <p:cNvPr id="2" name="TextBox 1"/>
+          <p:cNvSpPr txBox="1"/>
+          <p:nvPr/>
+        </p:nvSpPr>
+        <p:spPr>
+          <a:xfrm>
+            <a:off x="614723" y="1705855"/>
+            <a:ext cx="2374366" cy="2123658"/>
+          </a:xfrm>
+          <a:prstGeom prst="rect">
+            <a:avLst/>
+          </a:prstGeom>
+          <a:noFill/>
+        </p:spPr>
+        <p:txBody>
+          <a:bodyPr wrap="square" rtlCol="0">
+            <a:spAutoFit/>
+          </a:bodyPr>
+          <a:lstStyle/>
+          <a:p>
+            <a:r>
+              <a:rPr lang="en-US" altLang="ko-KR" b="1" dirty="0" err="1" smtClean="0"/>
+              <a:t>Git</a:t>
+            </a:r>
+            <a:r>
+              <a:rPr lang="ko-KR" altLang="en-US" b="1" dirty="0" smtClean="0"/>
+              <a:t>에서 사용한 기능</a:t>
+            </a:r>
+            <a:endParaRPr lang="en-US" altLang="ko-KR" b="1" dirty="0" smtClean="0"/>
+          </a:p>
+          <a:p>
+            <a:r>
+              <a:rPr lang="en-US" altLang="ko-KR" sz="1600" dirty="0" smtClean="0"/>
+              <a:t>-clone</a:t>
+            </a:r>
+          </a:p>
+          <a:p>
+            <a:r>
+              <a:rPr lang="en-US" altLang="ko-KR" sz="1600" dirty="0"/>
+              <a:t>-</a:t>
+            </a:r>
+            <a:r>
+              <a:rPr lang="en-US" altLang="ko-KR" sz="1600" dirty="0" smtClean="0"/>
+              <a:t>branch</a:t>
+            </a:r>
+          </a:p>
+          <a:p>
+            <a:r>
+              <a:rPr lang="en-US" altLang="ko-KR" sz="1600" dirty="0" smtClean="0"/>
+              <a:t>-checkout</a:t>
+            </a:r>
+          </a:p>
+          <a:p>
+            <a:r>
+              <a:rPr lang="en-US" altLang="ko-KR" sz="1600" dirty="0" smtClean="0"/>
+              <a:t>-commit</a:t>
+            </a:r>
+          </a:p>
+          <a:p>
+            <a:r>
+              <a:rPr lang="en-US" altLang="ko-KR" sz="1600" dirty="0" smtClean="0"/>
+              <a:t>-push</a:t>
+            </a:r>
+          </a:p>
+          <a:p>
+            <a:r>
+              <a:rPr lang="en-US" altLang="ko-KR" sz="1600" dirty="0" smtClean="0"/>
+              <a:t>-pull</a:t>
+            </a:r>
+          </a:p>
+          <a:p>
+            <a:r>
+              <a:rPr lang="en-US" altLang="ko-KR" sz="1600" dirty="0" smtClean="0"/>
+              <a:t>-merge </a:t>
+            </a:r>
+          </a:p>
+        </p:txBody>
+      </p:sp>
+      <p:sp>
+        <p:nvSpPr>
+          <p:cNvPr id="6" name="TextBox 5"/>
+          <p:cNvSpPr txBox="1"/>
+          <p:nvPr/>
+        </p:nvSpPr>
+        <p:spPr>
+          <a:xfrm>
+            <a:off x="3119717" y="1705855"/>
+            <a:ext cx="4287690" cy="2123658"/>
+          </a:xfrm>
+          <a:prstGeom prst="rect">
+            <a:avLst/>
+          </a:prstGeom>
+          <a:noFill/>
+        </p:spPr>
+        <p:txBody>
+          <a:bodyPr wrap="square" rtlCol="0">
+            <a:spAutoFit/>
+          </a:bodyPr>
+          <a:lstStyle/>
+          <a:p>
+            <a:r>
+              <a:rPr lang="en-US" altLang="ko-KR" b="1" dirty="0" err="1"/>
+              <a:t>Github</a:t>
+            </a:r>
+            <a:r>
+              <a:rPr lang="ko-KR" altLang="en-US" b="1" dirty="0"/>
+              <a:t>에서 이용한 서비스</a:t>
+            </a:r>
+            <a:endParaRPr lang="en-US" altLang="ko-KR" b="1" dirty="0"/>
+          </a:p>
+          <a:p>
+            <a:r>
+              <a:rPr lang="en-US" altLang="ko-KR" sz="1600" dirty="0"/>
+              <a:t>-fork</a:t>
+            </a:r>
+          </a:p>
+          <a:p>
+            <a:r>
+              <a:rPr lang="en-US" altLang="ko-KR" sz="1600" dirty="0"/>
+              <a:t>-code view</a:t>
+            </a:r>
+          </a:p>
+          <a:p>
+            <a:r>
+              <a:rPr lang="en-US" altLang="ko-KR" sz="1600" dirty="0"/>
+              <a:t>-raw</a:t>
+            </a:r>
+          </a:p>
+          <a:p>
+            <a:r>
+              <a:rPr lang="en-US" altLang="ko-KR" sz="1600" dirty="0"/>
+              <a:t>-blame</a:t>
+            </a:r>
+          </a:p>
+          <a:p>
+            <a:r>
+              <a:rPr lang="en-US" altLang="ko-KR" sz="1600" dirty="0"/>
+              <a:t>-commit view</a:t>
+            </a:r>
+          </a:p>
+          <a:p>
+            <a:r>
+              <a:rPr lang="en-US" altLang="ko-KR" sz="1600" dirty="0"/>
+              <a:t>-tree </a:t>
+            </a:r>
+            <a:r>
+              <a:rPr lang="en-US" altLang="ko-KR" sz="1600" dirty="0" smtClean="0"/>
+              <a:t>view</a:t>
+            </a:r>
+          </a:p>
+          <a:p>
+            <a:r>
+              <a:rPr lang="en-US" altLang="ko-KR" sz="1600" dirty="0" smtClean="0"/>
+              <a:t>-pull request</a:t>
+            </a:r>
+            <a:endParaRPr lang="ko-KR" altLang="en-US" sz="1600" dirty="0"/>
+          </a:p>
+        </p:txBody>
+      </p:sp>
+      <p:sp>
+        <p:nvSpPr>
+          <p:cNvPr id="7" name="TextBox 6"/>
+          <p:cNvSpPr txBox="1"/>
+          <p:nvPr/>
+        </p:nvSpPr>
+        <p:spPr>
+          <a:xfrm>
+            <a:off x="614723" y="4098703"/>
+            <a:ext cx="7905510" cy="2092881"/>
+          </a:xfrm>
+          <a:prstGeom prst="rect">
+            <a:avLst/>
+          </a:prstGeom>
+          <a:noFill/>
+        </p:spPr>
+        <p:txBody>
+          <a:bodyPr wrap="square" rtlCol="0">
+            <a:spAutoFit/>
+          </a:bodyPr>
+          <a:lstStyle/>
+          <a:p>
+            <a:r>
+              <a:rPr lang="ko-KR" altLang="en-US" b="1" dirty="0" smtClean="0"/>
+              <a:t>사용하지 않은 기능</a:t>
+            </a:r>
+            <a:endParaRPr lang="en-US" altLang="ko-KR" b="1" dirty="0" smtClean="0"/>
+          </a:p>
+          <a:p>
+            <a:r>
+              <a:rPr lang="en-US" altLang="ko-KR" sz="1600" dirty="0" smtClean="0"/>
+              <a:t>Wiki</a:t>
+            </a:r>
+          </a:p>
+          <a:p>
+            <a:r>
+              <a:rPr lang="en-US" altLang="ko-KR" sz="1600" dirty="0" err="1" smtClean="0"/>
+              <a:t>Github</a:t>
+            </a:r>
+            <a:r>
+              <a:rPr lang="ko-KR" altLang="en-US" sz="1600" dirty="0" smtClean="0"/>
+              <a:t>에서 제공해주는 서비스에는 </a:t>
+            </a:r>
+            <a:r>
+              <a:rPr lang="en-US" altLang="ko-KR" sz="1600" dirty="0" smtClean="0"/>
+              <a:t>wiki</a:t>
+            </a:r>
+            <a:r>
+              <a:rPr lang="ko-KR" altLang="en-US" sz="1600" dirty="0" smtClean="0"/>
+              <a:t>기능이 있다</a:t>
+            </a:r>
+            <a:r>
+              <a:rPr lang="en-US" altLang="ko-KR" sz="1600" dirty="0" smtClean="0"/>
+              <a:t>. Wiki</a:t>
+            </a:r>
+            <a:r>
+              <a:rPr lang="ko-KR" altLang="en-US" sz="1600" dirty="0" smtClean="0"/>
+              <a:t>기능은  사용자가 직접 </a:t>
+            </a:r>
+            <a:r>
+              <a:rPr lang="en-US" altLang="ko-KR" sz="1600" dirty="0" smtClean="0"/>
+              <a:t>repository</a:t>
+            </a:r>
+            <a:r>
+              <a:rPr lang="ko-KR" altLang="en-US" sz="1600" dirty="0" smtClean="0"/>
+              <a:t>에 대한 설명을 할 때 사용할 수 있는 기능이다</a:t>
+            </a:r>
+            <a:r>
+              <a:rPr lang="en-US" altLang="ko-KR" sz="1600" dirty="0" smtClean="0"/>
+              <a:t>. </a:t>
+            </a:r>
+            <a:r>
+              <a:rPr lang="ko-KR" altLang="en-US" sz="1600" dirty="0" smtClean="0"/>
+              <a:t>문서 형태로 편집이 가능하다</a:t>
+            </a:r>
+            <a:r>
+              <a:rPr lang="en-US" altLang="ko-KR" sz="1600" dirty="0" smtClean="0"/>
+              <a:t>. </a:t>
+            </a:r>
+            <a:r>
+              <a:rPr lang="ko-KR" altLang="en-US" sz="1600" dirty="0" smtClean="0"/>
+              <a:t>이번 과제에는 발표자료를 별도로 만들었기 때문에 이용하지 않았다</a:t>
+            </a:r>
+            <a:r>
+              <a:rPr lang="en-US" altLang="ko-KR" sz="1600" dirty="0" smtClean="0"/>
+              <a:t>.</a:t>
+            </a:r>
+            <a:endParaRPr lang="en-US" altLang="ko-KR" sz="1600" dirty="0"/>
+          </a:p>
+          <a:p>
+            <a:r>
+              <a:rPr lang="en-US" altLang="ko-KR" sz="1600" dirty="0" smtClean="0"/>
+              <a:t>Tag</a:t>
+            </a:r>
+          </a:p>
+          <a:p>
+            <a:r>
+              <a:rPr lang="en-US" altLang="ko-KR" sz="1600" dirty="0" smtClean="0"/>
+              <a:t>Repository</a:t>
+            </a:r>
+            <a:r>
+              <a:rPr lang="ko-KR" altLang="en-US" sz="1600" dirty="0" smtClean="0"/>
+              <a:t>에 이름을 붙여서 </a:t>
+            </a:r>
+            <a:r>
+              <a:rPr lang="en-US" altLang="ko-KR" sz="1600" dirty="0" smtClean="0"/>
+              <a:t>version</a:t>
+            </a:r>
+            <a:r>
+              <a:rPr lang="ko-KR" altLang="en-US" sz="1600" dirty="0" smtClean="0"/>
+              <a:t>을 만들어 주는 기능이다</a:t>
+            </a:r>
+            <a:r>
+              <a:rPr lang="en-US" altLang="ko-KR" sz="1600" dirty="0" smtClean="0"/>
+              <a:t>.</a:t>
+            </a:r>
+            <a:r>
+              <a:rPr lang="en-US" altLang="ko-KR" sz="1600" dirty="0"/>
+              <a:t> </a:t>
+            </a:r>
+            <a:r>
+              <a:rPr lang="en-US" altLang="ko-KR" sz="1600" dirty="0" err="1" smtClean="0"/>
+              <a:t>Github</a:t>
+            </a:r>
+            <a:r>
+              <a:rPr lang="en-US" altLang="ko-KR" sz="1600" dirty="0" smtClean="0"/>
+              <a:t> </a:t>
+            </a:r>
+            <a:r>
+              <a:rPr lang="ko-KR" altLang="en-US" sz="1600" dirty="0" smtClean="0"/>
+              <a:t>웹 페이지는 </a:t>
+            </a:r>
+            <a:r>
+              <a:rPr lang="en-US" altLang="ko-KR" sz="1600" dirty="0" smtClean="0"/>
+              <a:t>repository</a:t>
+            </a:r>
+            <a:r>
+              <a:rPr lang="ko-KR" altLang="en-US" sz="1600" dirty="0" smtClean="0"/>
+              <a:t>임과 동시에 이러한 관리에 관한 기능도 제공해준다</a:t>
+            </a:r>
+            <a:r>
+              <a:rPr lang="en-US" altLang="ko-KR" sz="1600" dirty="0" smtClean="0"/>
+              <a:t>.</a:t>
+            </a:r>
+          </a:p>
+        </p:txBody>
+      </p:sp>
+    </p:spTree>
+    <p:extLst>
+      <p:ext uri="{BB962C8B-B14F-4D97-AF65-F5344CB8AC3E}">
+        <p14:creationId xmlns:p14="http://schemas.microsoft.com/office/powerpoint/2010/main" val="2665793223"/>
+      </p:ext>
+    </p:extLst>
+  </p:cSld>
+  <p:clrMapOvr>
+    <a:masterClrMapping/>
+  </p:clrMapOvr>
+  <p:timing>
+    <p:tnLst>
+      <p:par>
+        <p:cTn id="1" dur="indefinite" restart="never" nodeType="tmRoot"/>
+      </p:par>
+    </p:tnLst>
+  </p:timing>
+</p:sld>
+</file>
+
+<file path=ppt/slides/slide16.xml><?xml version="1.0" encoding="utf-8"?>
+<p:sld xmlns:a="http://schemas.openxmlformats.org/drawingml/2006/main" xmlns:r="http://schemas.openxmlformats.org/officeDocument/2006/relationships" xmlns:p="http://schemas.openxmlformats.org/presentationml/2006/main">
+  <p:cSld>
+    <p:spTree>
+      <p:nvGrpSpPr>
+        <p:cNvPr id="1" name=""/>
+        <p:cNvGrpSpPr/>
+        <p:nvPr/>
+      </p:nvGrpSpPr>
+      <p:grpSpPr>
+        <a:xfrm>
+          <a:off x="0" y="0"/>
+          <a:ext cx="0" cy="0"/>
+          <a:chOff x="0" y="0"/>
+          <a:chExt cx="0" cy="0"/>
+        </a:xfrm>
+      </p:grpSpPr>
+      <p:sp>
+        <p:nvSpPr>
+          <p:cNvPr id="3" name="직사각형 2"/>
+          <p:cNvSpPr/>
+          <p:nvPr/>
+        </p:nvSpPr>
+        <p:spPr>
+          <a:xfrm>
+            <a:off x="0" y="0"/>
+            <a:ext cx="342900" cy="6858000"/>
+          </a:xfrm>
+          <a:prstGeom prst="rect">
+            <a:avLst/>
+          </a:prstGeom>
+          <a:ln>
+            <a:noFill/>
+          </a:ln>
+        </p:spPr>
+        <p:style>
+          <a:lnRef idx="2">
+            <a:schemeClr val="accent1">
+              <a:shade val="50000"/>
+            </a:schemeClr>
+          </a:lnRef>
+          <a:fillRef idx="1">
+            <a:schemeClr val="accent1"/>
+          </a:fillRef>
+          <a:effectRef idx="0">
+            <a:schemeClr val="accent1"/>
+          </a:effectRef>
+          <a:fontRef idx="minor">
+            <a:schemeClr val="lt1"/>
+          </a:fontRef>
+        </p:style>
+        <p:txBody>
+          <a:bodyPr rtlCol="0" anchor="ctr"/>
+          <a:lstStyle/>
+          <a:p>
+            <a:pPr algn="ctr"/>
+            <a:endParaRPr lang="ko-KR" altLang="en-US"/>
+          </a:p>
+        </p:txBody>
+      </p:sp>
+      <p:cxnSp>
+        <p:nvCxnSpPr>
+          <p:cNvPr id="4" name="직선 연결선 3"/>
+          <p:cNvCxnSpPr/>
+          <p:nvPr/>
+        </p:nvCxnSpPr>
+        <p:spPr>
+          <a:xfrm>
+            <a:off x="342900" y="1266825"/>
+            <a:ext cx="7839075" cy="0"/>
+          </a:xfrm>
+          <a:prstGeom prst="line">
+            <a:avLst/>
+          </a:prstGeom>
+        </p:spPr>
+        <p:style>
+          <a:lnRef idx="1">
+            <a:schemeClr val="accent1"/>
+          </a:lnRef>
+          <a:fillRef idx="0">
+            <a:schemeClr val="accent1"/>
+          </a:fillRef>
+          <a:effectRef idx="0">
+            <a:schemeClr val="accent1"/>
+          </a:effectRef>
+          <a:fontRef idx="minor">
+            <a:schemeClr val="tx1"/>
+          </a:fontRef>
+        </p:style>
+      </p:cxnSp>
+      <p:sp>
+        <p:nvSpPr>
+          <p:cNvPr id="5" name="TextBox 4"/>
+          <p:cNvSpPr txBox="1"/>
+          <p:nvPr/>
+        </p:nvSpPr>
+        <p:spPr>
+          <a:xfrm>
+            <a:off x="523875" y="248692"/>
+            <a:ext cx="1425390" cy="769441"/>
+          </a:xfrm>
+          <a:prstGeom prst="rect">
+            <a:avLst/>
+          </a:prstGeom>
+          <a:noFill/>
+        </p:spPr>
+        <p:txBody>
+          <a:bodyPr wrap="none" rtlCol="0">
+            <a:spAutoFit/>
+          </a:bodyPr>
+          <a:lstStyle/>
+          <a:p>
+            <a:r>
+              <a:rPr lang="en-US" altLang="ko-KR" sz="4400" dirty="0" smtClean="0">
+                <a:solidFill>
+                  <a:schemeClr val="accent1"/>
+                </a:solidFill>
+              </a:rPr>
+              <a:t>Q&amp;A</a:t>
+            </a:r>
+            <a:endParaRPr lang="ko-KR" altLang="en-US" sz="4400" dirty="0">
+              <a:solidFill>
+                <a:schemeClr val="accent1"/>
+              </a:solidFill>
+            </a:endParaRPr>
+          </a:p>
+        </p:txBody>
+      </p:sp>
+      <p:pic>
+        <p:nvPicPr>
+          <p:cNvPr id="6" name="그림 5"/>
+          <p:cNvPicPr>
+            <a:picLocks noChangeAspect="1"/>
+          </p:cNvPicPr>
+          <p:nvPr/>
+        </p:nvPicPr>
+        <p:blipFill>
+          <a:blip r:embed="rId2">
+            <a:extLst>
+              <a:ext uri="{28A0092B-C50C-407E-A947-70E740481C1C}">
+                <a14:useLocalDpi xmlns:a14="http://schemas.microsoft.com/office/drawing/2010/main" val="0"/>
+              </a:ext>
+            </a:extLst>
+          </a:blip>
+          <a:stretch>
+            <a:fillRect/>
+          </a:stretch>
+        </p:blipFill>
+        <p:spPr>
+          <a:xfrm>
+            <a:off x="2218124" y="1574587"/>
+            <a:ext cx="4876800" cy="4876800"/>
+          </a:xfrm>
+          <a:prstGeom prst="rect">
+            <a:avLst/>
+          </a:prstGeom>
+        </p:spPr>
+      </p:pic>
+    </p:spTree>
+    <p:extLst>
+      <p:ext uri="{BB962C8B-B14F-4D97-AF65-F5344CB8AC3E}">
+        <p14:creationId xmlns:p14="http://schemas.microsoft.com/office/powerpoint/2010/main" val="371019737"/>
+      </p:ext>
+    </p:extLst>
+  </p:cSld>
+  <p:clrMapOvr>
+    <a:masterClrMapping/>
+  </p:clrMapOvr>
+  <p:timing>
+    <p:tnLst>
+      <p:par>
+        <p:cTn id="1" dur="indefinite" restart="never" nodeType="tmRoot"/>
+      </p:par>
+    </p:tnLst>
+  </p:timing>
+</p:sld>
+</file>
+
 <file path=ppt/slides/slide2.xml><?xml version="1.0" encoding="utf-8"?>
 <p:sld xmlns:a="http://schemas.openxmlformats.org/drawingml/2006/main" xmlns:r="http://schemas.openxmlformats.org/officeDocument/2006/relationships" xmlns:p="http://schemas.openxmlformats.org/presentationml/2006/main">
   <p:cSld>
@@ -3598,6 +7241,339 @@
                 <a:schemeClr val="accent1"/>
               </a:solidFill>
             </a:endParaRPr>
+          </a:p>
+        </p:txBody>
+      </p:sp>
+      <p:sp>
+        <p:nvSpPr>
+          <p:cNvPr id="2" name="직사각형 1"/>
+          <p:cNvSpPr/>
+          <p:nvPr/>
+        </p:nvSpPr>
+        <p:spPr>
+          <a:xfrm>
+            <a:off x="852928" y="1882588"/>
+            <a:ext cx="1605963" cy="1605963"/>
+          </a:xfrm>
+          <a:prstGeom prst="rect">
+            <a:avLst/>
+          </a:prstGeom>
+          <a:ln>
+            <a:noFill/>
+          </a:ln>
+        </p:spPr>
+        <p:style>
+          <a:lnRef idx="2">
+            <a:schemeClr val="accent1">
+              <a:shade val="50000"/>
+            </a:schemeClr>
+          </a:lnRef>
+          <a:fillRef idx="1">
+            <a:schemeClr val="accent1"/>
+          </a:fillRef>
+          <a:effectRef idx="0">
+            <a:schemeClr val="accent1"/>
+          </a:effectRef>
+          <a:fontRef idx="minor">
+            <a:schemeClr val="lt1"/>
+          </a:fontRef>
+        </p:style>
+        <p:txBody>
+          <a:bodyPr rtlCol="0" anchor="ctr"/>
+          <a:lstStyle/>
+          <a:p>
+            <a:pPr algn="ctr"/>
+            <a:r>
+              <a:rPr lang="ko-KR" altLang="en-US" sz="3200" b="1" dirty="0" smtClean="0"/>
+              <a:t>팀 장</a:t>
+            </a:r>
+            <a:endParaRPr lang="ko-KR" altLang="en-US" b="1" dirty="0"/>
+          </a:p>
+        </p:txBody>
+      </p:sp>
+      <p:sp>
+        <p:nvSpPr>
+          <p:cNvPr id="7" name="직사각형 6"/>
+          <p:cNvSpPr/>
+          <p:nvPr/>
+        </p:nvSpPr>
+        <p:spPr>
+          <a:xfrm>
+            <a:off x="852927" y="4463142"/>
+            <a:ext cx="1605963" cy="1605963"/>
+          </a:xfrm>
+          <a:prstGeom prst="rect">
+            <a:avLst/>
+          </a:prstGeom>
+          <a:ln>
+            <a:noFill/>
+          </a:ln>
+        </p:spPr>
+        <p:style>
+          <a:lnRef idx="2">
+            <a:schemeClr val="accent1">
+              <a:shade val="50000"/>
+            </a:schemeClr>
+          </a:lnRef>
+          <a:fillRef idx="1">
+            <a:schemeClr val="accent1"/>
+          </a:fillRef>
+          <a:effectRef idx="0">
+            <a:schemeClr val="accent1"/>
+          </a:effectRef>
+          <a:fontRef idx="minor">
+            <a:schemeClr val="lt1"/>
+          </a:fontRef>
+        </p:style>
+        <p:txBody>
+          <a:bodyPr rtlCol="0" anchor="ctr"/>
+          <a:lstStyle/>
+          <a:p>
+            <a:pPr algn="ctr"/>
+            <a:r>
+              <a:rPr lang="ko-KR" altLang="en-US" sz="3200" b="1" dirty="0" smtClean="0"/>
+              <a:t>팀 원</a:t>
+            </a:r>
+            <a:endParaRPr lang="ko-KR" altLang="en-US" b="1" dirty="0"/>
+          </a:p>
+        </p:txBody>
+      </p:sp>
+      <p:sp>
+        <p:nvSpPr>
+          <p:cNvPr id="9" name="직사각형 8"/>
+          <p:cNvSpPr/>
+          <p:nvPr/>
+        </p:nvSpPr>
+        <p:spPr>
+          <a:xfrm>
+            <a:off x="4985656" y="4463142"/>
+            <a:ext cx="1605963" cy="1605963"/>
+          </a:xfrm>
+          <a:prstGeom prst="rect">
+            <a:avLst/>
+          </a:prstGeom>
+          <a:ln>
+            <a:noFill/>
+          </a:ln>
+        </p:spPr>
+        <p:style>
+          <a:lnRef idx="2">
+            <a:schemeClr val="accent1">
+              <a:shade val="50000"/>
+            </a:schemeClr>
+          </a:lnRef>
+          <a:fillRef idx="1">
+            <a:schemeClr val="accent1"/>
+          </a:fillRef>
+          <a:effectRef idx="0">
+            <a:schemeClr val="accent1"/>
+          </a:effectRef>
+          <a:fontRef idx="minor">
+            <a:schemeClr val="lt1"/>
+          </a:fontRef>
+        </p:style>
+        <p:txBody>
+          <a:bodyPr rtlCol="0" anchor="ctr"/>
+          <a:lstStyle/>
+          <a:p>
+            <a:pPr algn="ctr"/>
+            <a:r>
+              <a:rPr lang="ko-KR" altLang="en-US" sz="3200" b="1" dirty="0" smtClean="0"/>
+              <a:t>팀 원</a:t>
+            </a:r>
+            <a:endParaRPr lang="ko-KR" altLang="en-US" b="1" dirty="0"/>
+          </a:p>
+        </p:txBody>
+      </p:sp>
+      <p:pic>
+        <p:nvPicPr>
+          <p:cNvPr id="10" name="그림 9"/>
+          <p:cNvPicPr>
+            <a:picLocks noChangeAspect="1"/>
+          </p:cNvPicPr>
+          <p:nvPr/>
+        </p:nvPicPr>
+        <p:blipFill>
+          <a:blip r:embed="rId2">
+            <a:extLst>
+              <a:ext uri="{28A0092B-C50C-407E-A947-70E740481C1C}">
+                <a14:useLocalDpi xmlns:a14="http://schemas.microsoft.com/office/drawing/2010/main" val="0"/>
+              </a:ext>
+            </a:extLst>
+          </a:blip>
+          <a:stretch>
+            <a:fillRect/>
+          </a:stretch>
+        </p:blipFill>
+        <p:spPr>
+          <a:xfrm>
+            <a:off x="2458891" y="2582583"/>
+            <a:ext cx="1882862" cy="733997"/>
+          </a:xfrm>
+          <a:prstGeom prst="rect">
+            <a:avLst/>
+          </a:prstGeom>
+        </p:spPr>
+      </p:pic>
+      <p:pic>
+        <p:nvPicPr>
+          <p:cNvPr id="11" name="그림 10"/>
+          <p:cNvPicPr>
+            <a:picLocks noChangeAspect="1"/>
+          </p:cNvPicPr>
+          <p:nvPr/>
+        </p:nvPicPr>
+        <p:blipFill>
+          <a:blip r:embed="rId3">
+            <a:extLst>
+              <a:ext uri="{28A0092B-C50C-407E-A947-70E740481C1C}">
+                <a14:useLocalDpi xmlns:a14="http://schemas.microsoft.com/office/drawing/2010/main" val="0"/>
+              </a:ext>
+            </a:extLst>
+          </a:blip>
+          <a:stretch>
+            <a:fillRect/>
+          </a:stretch>
+        </p:blipFill>
+        <p:spPr>
+          <a:xfrm>
+            <a:off x="2458891" y="5240262"/>
+            <a:ext cx="1961814" cy="644177"/>
+          </a:xfrm>
+          <a:prstGeom prst="rect">
+            <a:avLst/>
+          </a:prstGeom>
+        </p:spPr>
+      </p:pic>
+      <p:pic>
+        <p:nvPicPr>
+          <p:cNvPr id="12" name="그림 11"/>
+          <p:cNvPicPr>
+            <a:picLocks noChangeAspect="1"/>
+          </p:cNvPicPr>
+          <p:nvPr/>
+        </p:nvPicPr>
+        <p:blipFill>
+          <a:blip r:embed="rId4">
+            <a:extLst>
+              <a:ext uri="{28A0092B-C50C-407E-A947-70E740481C1C}">
+                <a14:useLocalDpi xmlns:a14="http://schemas.microsoft.com/office/drawing/2010/main" val="0"/>
+              </a:ext>
+            </a:extLst>
+          </a:blip>
+          <a:stretch>
+            <a:fillRect/>
+          </a:stretch>
+        </p:blipFill>
+        <p:spPr>
+          <a:xfrm>
+            <a:off x="6591619" y="5266123"/>
+            <a:ext cx="2274337" cy="644177"/>
+          </a:xfrm>
+          <a:prstGeom prst="rect">
+            <a:avLst/>
+          </a:prstGeom>
+        </p:spPr>
+      </p:pic>
+      <p:sp>
+        <p:nvSpPr>
+          <p:cNvPr id="13" name="TextBox 12"/>
+          <p:cNvSpPr txBox="1"/>
+          <p:nvPr/>
+        </p:nvSpPr>
+        <p:spPr>
+          <a:xfrm>
+            <a:off x="2458891" y="2225946"/>
+            <a:ext cx="2213001" cy="369332"/>
+          </a:xfrm>
+          <a:prstGeom prst="rect">
+            <a:avLst/>
+          </a:prstGeom>
+          <a:noFill/>
+        </p:spPr>
+        <p:txBody>
+          <a:bodyPr wrap="square" rtlCol="0">
+            <a:spAutoFit/>
+          </a:bodyPr>
+          <a:lstStyle/>
+          <a:p>
+            <a:r>
+              <a:rPr lang="en-US" altLang="ko-KR" dirty="0" smtClean="0"/>
+              <a:t>13010529 </a:t>
+            </a:r>
+            <a:r>
+              <a:rPr lang="ko-KR" altLang="en-US" dirty="0" smtClean="0"/>
+              <a:t>윤웅진</a:t>
+            </a:r>
+            <a:endParaRPr lang="ko-KR" altLang="en-US" dirty="0"/>
+          </a:p>
+        </p:txBody>
+      </p:sp>
+      <p:sp>
+        <p:nvSpPr>
+          <p:cNvPr id="14" name="TextBox 13"/>
+          <p:cNvSpPr txBox="1"/>
+          <p:nvPr/>
+        </p:nvSpPr>
+        <p:spPr>
+          <a:xfrm>
+            <a:off x="2458891" y="4870930"/>
+            <a:ext cx="2213001" cy="369332"/>
+          </a:xfrm>
+          <a:prstGeom prst="rect">
+            <a:avLst/>
+          </a:prstGeom>
+          <a:noFill/>
+        </p:spPr>
+        <p:txBody>
+          <a:bodyPr wrap="square" rtlCol="0">
+            <a:spAutoFit/>
+          </a:bodyPr>
+          <a:lstStyle/>
+          <a:p>
+            <a:r>
+              <a:rPr lang="en-US" altLang="ko-KR" dirty="0" smtClean="0"/>
+              <a:t>14011762 </a:t>
+            </a:r>
+            <a:r>
+              <a:rPr lang="ko-KR" altLang="en-US" dirty="0" smtClean="0"/>
+              <a:t>이주엽</a:t>
+            </a:r>
+            <a:endParaRPr lang="ko-KR" altLang="en-US" dirty="0"/>
+          </a:p>
+        </p:txBody>
+      </p:sp>
+      <p:sp>
+        <p:nvSpPr>
+          <p:cNvPr id="15" name="TextBox 14"/>
+          <p:cNvSpPr txBox="1"/>
+          <p:nvPr/>
+        </p:nvSpPr>
+        <p:spPr>
+          <a:xfrm>
+            <a:off x="6591619" y="4896791"/>
+            <a:ext cx="2004114" cy="369332"/>
+          </a:xfrm>
+          <a:prstGeom prst="rect">
+            <a:avLst/>
+          </a:prstGeom>
+          <a:noFill/>
+        </p:spPr>
+        <p:txBody>
+          <a:bodyPr wrap="square" rtlCol="0">
+            <a:spAutoFit/>
+          </a:bodyPr>
+          <a:lstStyle/>
+          <a:p>
+            <a:r>
+              <a:rPr lang="en-US" altLang="ko-KR" smtClean="0"/>
+              <a:t>121551 </a:t>
+            </a:r>
+            <a:r>
+              <a:rPr lang="ko-KR" altLang="en-US" dirty="0" smtClean="0"/>
+              <a:t>서현석</a:t>
+            </a:r>
+            <a:endParaRPr lang="ko-KR" altLang="en-US" dirty="0"/>
           </a:p>
         </p:txBody>
       </p:sp>
@@ -4120,8 +8096,8 @@
         </p:nvSpPr>
         <p:spPr>
           <a:xfrm>
-            <a:off x="1367758" y="5015853"/>
-            <a:ext cx="1438365" cy="307777"/>
+            <a:off x="748726" y="5015853"/>
+            <a:ext cx="2057398" cy="307777"/>
           </a:xfrm>
           <a:prstGeom prst="rect">
             <a:avLst/>
@@ -4141,7 +8117,15 @@
             </a:r>
             <a:r>
               <a:rPr lang="ko-KR" altLang="en-US" sz="1400" dirty="0" smtClean="0"/>
-              <a:t> 분석</a:t>
+              <a:t> </a:t>
+            </a:r>
+            <a:r>
+              <a:rPr lang="ko-KR" altLang="en-US" sz="1400" dirty="0" smtClean="0"/>
+              <a:t>탐색 및 </a:t>
+            </a:r>
+            <a:r>
+              <a:rPr lang="ko-KR" altLang="en-US" sz="1400" dirty="0" smtClean="0"/>
+              <a:t>분석</a:t>
             </a:r>
             <a:endParaRPr lang="ko-KR" altLang="en-US" sz="1400" dirty="0"/>
           </a:p>
@@ -4335,7 +8319,7 @@
         <p:spPr>
           <a:xfrm>
             <a:off x="523875" y="248692"/>
-            <a:ext cx="2039341" cy="769441"/>
+            <a:ext cx="3964547" cy="769441"/>
           </a:xfrm>
           <a:prstGeom prst="rect">
             <a:avLst/>
@@ -4354,13 +8338,387 @@
                   <a:schemeClr val="accent1"/>
                 </a:solidFill>
               </a:rPr>
-              <a:t>Step 1</a:t>
+              <a:t>Step </a:t>
+            </a:r>
+            <a:r>
+              <a:rPr lang="en-US" altLang="ko-KR" sz="4400" dirty="0" smtClean="0">
+                <a:solidFill>
+                  <a:schemeClr val="accent1"/>
+                </a:solidFill>
+              </a:rPr>
+              <a:t>1 </a:t>
+            </a:r>
+            <a:r>
+              <a:rPr lang="en-US" altLang="ko-KR" sz="2800" dirty="0" smtClean="0">
+                <a:solidFill>
+                  <a:schemeClr val="accent1"/>
+                </a:solidFill>
+              </a:rPr>
+              <a:t>- </a:t>
+            </a:r>
+            <a:r>
+              <a:rPr lang="ko-KR" altLang="en-US" sz="2800" dirty="0" smtClean="0">
+                <a:solidFill>
+                  <a:schemeClr val="accent1"/>
+                </a:solidFill>
+              </a:rPr>
+              <a:t>주제선정</a:t>
             </a:r>
             <a:endParaRPr lang="ko-KR" altLang="en-US" sz="4400" dirty="0">
               <a:solidFill>
                 <a:schemeClr val="accent1"/>
               </a:solidFill>
             </a:endParaRPr>
+          </a:p>
+        </p:txBody>
+      </p:sp>
+      <p:pic>
+        <p:nvPicPr>
+          <p:cNvPr id="2" name="그림 1"/>
+          <p:cNvPicPr>
+            <a:picLocks noChangeAspect="1"/>
+          </p:cNvPicPr>
+          <p:nvPr/>
+        </p:nvPicPr>
+        <p:blipFill>
+          <a:blip r:embed="rId2">
+            <a:extLst>
+              <a:ext uri="{28A0092B-C50C-407E-A947-70E740481C1C}">
+                <a14:useLocalDpi xmlns:a14="http://schemas.microsoft.com/office/drawing/2010/main" val="0"/>
+              </a:ext>
+            </a:extLst>
+          </a:blip>
+          <a:stretch>
+            <a:fillRect/>
+          </a:stretch>
+        </p:blipFill>
+        <p:spPr>
+          <a:xfrm>
+            <a:off x="684346" y="1518061"/>
+            <a:ext cx="4049019" cy="4049019"/>
+          </a:xfrm>
+          <a:prstGeom prst="rect">
+            <a:avLst/>
+          </a:prstGeom>
+        </p:spPr>
+      </p:pic>
+      <p:sp>
+        <p:nvSpPr>
+          <p:cNvPr id="6" name="TextBox 5"/>
+          <p:cNvSpPr txBox="1"/>
+          <p:nvPr/>
+        </p:nvSpPr>
+        <p:spPr>
+          <a:xfrm>
+            <a:off x="1498386" y="5878286"/>
+            <a:ext cx="1260181" cy="369332"/>
+          </a:xfrm>
+          <a:prstGeom prst="rect">
+            <a:avLst/>
+          </a:prstGeom>
+          <a:noFill/>
+        </p:spPr>
+        <p:txBody>
+          <a:bodyPr wrap="square" rtlCol="0">
+            <a:spAutoFit/>
+          </a:bodyPr>
+          <a:lstStyle/>
+          <a:p>
+            <a:r>
+              <a:rPr lang="en-US" altLang="ko-KR" dirty="0" smtClean="0"/>
+              <a:t>&lt;</a:t>
+            </a:r>
+            <a:r>
+              <a:rPr lang="ko-KR" altLang="en-US" dirty="0" err="1" smtClean="0"/>
+              <a:t>도어락</a:t>
+            </a:r>
+            <a:r>
+              <a:rPr lang="en-US" altLang="ko-KR" dirty="0" smtClean="0"/>
+              <a:t>&gt;</a:t>
+            </a:r>
+            <a:endParaRPr lang="ko-KR" altLang="en-US" dirty="0"/>
+          </a:p>
+        </p:txBody>
+      </p:sp>
+      <p:cxnSp>
+        <p:nvCxnSpPr>
+          <p:cNvPr id="8" name="직선 화살표 연결선 7"/>
+          <p:cNvCxnSpPr/>
+          <p:nvPr/>
+        </p:nvCxnSpPr>
+        <p:spPr>
+          <a:xfrm>
+            <a:off x="2758567" y="1767328"/>
+            <a:ext cx="2420472" cy="0"/>
+          </a:xfrm>
+          <a:prstGeom prst="straightConnector1">
+            <a:avLst/>
+          </a:prstGeom>
+          <a:ln w="57150">
+            <a:tailEnd type="arrow"/>
+          </a:ln>
+        </p:spPr>
+        <p:style>
+          <a:lnRef idx="1">
+            <a:schemeClr val="accent1"/>
+          </a:lnRef>
+          <a:fillRef idx="0">
+            <a:schemeClr val="accent1"/>
+          </a:fillRef>
+          <a:effectRef idx="0">
+            <a:schemeClr val="accent1"/>
+          </a:effectRef>
+          <a:fontRef idx="minor">
+            <a:schemeClr val="tx1"/>
+          </a:fontRef>
+        </p:style>
+      </p:cxnSp>
+      <p:cxnSp>
+        <p:nvCxnSpPr>
+          <p:cNvPr id="10" name="직선 화살표 연결선 9"/>
+          <p:cNvCxnSpPr>
+            <a:endCxn id="14" idx="1"/>
+          </p:cNvCxnSpPr>
+          <p:nvPr/>
+        </p:nvCxnSpPr>
+        <p:spPr>
+          <a:xfrm flipV="1">
+            <a:off x="2506148" y="3111414"/>
+            <a:ext cx="2732842" cy="400109"/>
+          </a:xfrm>
+          <a:prstGeom prst="straightConnector1">
+            <a:avLst/>
+          </a:prstGeom>
+          <a:ln w="57150">
+            <a:tailEnd type="arrow"/>
+          </a:ln>
+        </p:spPr>
+        <p:style>
+          <a:lnRef idx="1">
+            <a:schemeClr val="accent1"/>
+          </a:lnRef>
+          <a:fillRef idx="0">
+            <a:schemeClr val="accent1"/>
+          </a:fillRef>
+          <a:effectRef idx="0">
+            <a:schemeClr val="accent1"/>
+          </a:effectRef>
+          <a:fontRef idx="minor">
+            <a:schemeClr val="tx1"/>
+          </a:fontRef>
+        </p:style>
+      </p:cxnSp>
+      <p:cxnSp>
+        <p:nvCxnSpPr>
+          <p:cNvPr id="11" name="직선 화살표 연결선 10"/>
+          <p:cNvCxnSpPr>
+            <a:endCxn id="16" idx="1"/>
+          </p:cNvCxnSpPr>
+          <p:nvPr/>
+        </p:nvCxnSpPr>
+        <p:spPr>
+          <a:xfrm flipV="1">
+            <a:off x="2708855" y="4483074"/>
+            <a:ext cx="2530135" cy="1579879"/>
+          </a:xfrm>
+          <a:prstGeom prst="straightConnector1">
+            <a:avLst/>
+          </a:prstGeom>
+          <a:ln w="57150">
+            <a:tailEnd type="arrow"/>
+          </a:ln>
+        </p:spPr>
+        <p:style>
+          <a:lnRef idx="1">
+            <a:schemeClr val="accent1"/>
+          </a:lnRef>
+          <a:fillRef idx="0">
+            <a:schemeClr val="accent1"/>
+          </a:fillRef>
+          <a:effectRef idx="0">
+            <a:schemeClr val="accent1"/>
+          </a:effectRef>
+          <a:fontRef idx="minor">
+            <a:schemeClr val="tx1"/>
+          </a:fontRef>
+        </p:style>
+      </p:cxnSp>
+      <p:sp>
+        <p:nvSpPr>
+          <p:cNvPr id="13" name="TextBox 12"/>
+          <p:cNvSpPr txBox="1"/>
+          <p:nvPr/>
+        </p:nvSpPr>
+        <p:spPr>
+          <a:xfrm>
+            <a:off x="5238990" y="1605963"/>
+            <a:ext cx="3027510" cy="800219"/>
+          </a:xfrm>
+          <a:prstGeom prst="rect">
+            <a:avLst/>
+          </a:prstGeom>
+          <a:noFill/>
+        </p:spPr>
+        <p:txBody>
+          <a:bodyPr wrap="square" rtlCol="0">
+            <a:spAutoFit/>
+          </a:bodyPr>
+          <a:lstStyle/>
+          <a:p>
+            <a:r>
+              <a:rPr lang="en-US" altLang="ko-KR" b="1" dirty="0" smtClean="0"/>
+              <a:t>Hardware</a:t>
+            </a:r>
+            <a:r>
+              <a:rPr lang="en-US" altLang="ko-KR" dirty="0" smtClean="0"/>
+              <a:t> : </a:t>
+            </a:r>
+            <a:r>
+              <a:rPr lang="ko-KR" altLang="en-US" sz="1400" dirty="0" smtClean="0"/>
+              <a:t>기존 </a:t>
+            </a:r>
+            <a:r>
+              <a:rPr lang="ko-KR" altLang="en-US" sz="1400" dirty="0" err="1" smtClean="0"/>
+              <a:t>임베디드</a:t>
+            </a:r>
+            <a:r>
+              <a:rPr lang="ko-KR" altLang="en-US" sz="1400" dirty="0" smtClean="0"/>
+              <a:t> 기기에 대한 지식을 활용할 수 있는 분야</a:t>
+            </a:r>
+            <a:endParaRPr lang="ko-KR" altLang="en-US" dirty="0"/>
+          </a:p>
+        </p:txBody>
+      </p:sp>
+      <p:sp>
+        <p:nvSpPr>
+          <p:cNvPr id="14" name="TextBox 13"/>
+          <p:cNvSpPr txBox="1"/>
+          <p:nvPr/>
+        </p:nvSpPr>
+        <p:spPr>
+          <a:xfrm>
+            <a:off x="5238990" y="2711304"/>
+            <a:ext cx="2942985" cy="800219"/>
+          </a:xfrm>
+          <a:prstGeom prst="rect">
+            <a:avLst/>
+          </a:prstGeom>
+          <a:noFill/>
+        </p:spPr>
+        <p:txBody>
+          <a:bodyPr wrap="square" rtlCol="0">
+            <a:spAutoFit/>
+          </a:bodyPr>
+          <a:lstStyle/>
+          <a:p>
+            <a:r>
+              <a:rPr lang="en-US" altLang="ko-KR" b="1" dirty="0" smtClean="0"/>
+              <a:t>Software</a:t>
+            </a:r>
+            <a:r>
+              <a:rPr lang="en-US" altLang="ko-KR" dirty="0" smtClean="0"/>
+              <a:t> : </a:t>
+            </a:r>
+            <a:r>
+              <a:rPr lang="ko-KR" altLang="en-US" sz="1400" dirty="0" smtClean="0"/>
+              <a:t>비밀번호 입력 </a:t>
+            </a:r>
+            <a:r>
+              <a:rPr lang="en-US" altLang="ko-KR" sz="1400" dirty="0" smtClean="0"/>
+              <a:t>or </a:t>
+            </a:r>
+            <a:r>
+              <a:rPr lang="ko-KR" altLang="en-US" sz="1400" dirty="0" err="1" smtClean="0"/>
+              <a:t>카드키를</a:t>
+            </a:r>
+            <a:r>
+              <a:rPr lang="ko-KR" altLang="en-US" sz="1400" dirty="0" smtClean="0"/>
+              <a:t> 이용한 인증방식을 통한 소프트웨어적인 보안법</a:t>
+            </a:r>
+            <a:endParaRPr lang="ko-KR" altLang="en-US" dirty="0"/>
+          </a:p>
+        </p:txBody>
+      </p:sp>
+      <p:sp>
+        <p:nvSpPr>
+          <p:cNvPr id="16" name="TextBox 15"/>
+          <p:cNvSpPr txBox="1"/>
+          <p:nvPr/>
+        </p:nvSpPr>
+        <p:spPr>
+          <a:xfrm>
+            <a:off x="5238990" y="3975242"/>
+            <a:ext cx="3190395" cy="1015663"/>
+          </a:xfrm>
+          <a:prstGeom prst="rect">
+            <a:avLst/>
+          </a:prstGeom>
+          <a:noFill/>
+        </p:spPr>
+        <p:txBody>
+          <a:bodyPr wrap="square" rtlCol="0">
+            <a:spAutoFit/>
+          </a:bodyPr>
+          <a:lstStyle/>
+          <a:p>
+            <a:r>
+              <a:rPr lang="en-US" altLang="ko-KR" b="1" dirty="0" smtClean="0"/>
+              <a:t>System</a:t>
+            </a:r>
+            <a:r>
+              <a:rPr lang="en-US" altLang="ko-KR" dirty="0" smtClean="0"/>
+              <a:t> : </a:t>
+            </a:r>
+            <a:r>
+              <a:rPr lang="ko-KR" altLang="en-US" sz="1400" dirty="0" err="1" smtClean="0"/>
+              <a:t>도어락</a:t>
+            </a:r>
+            <a:r>
+              <a:rPr lang="ko-KR" altLang="en-US" sz="1400" dirty="0" smtClean="0"/>
+              <a:t> 시스템은 기기를 이용해서 공간을 물리적으로 분리 시킬 수 있는 시스템으로 물리적인 보안시스템</a:t>
+            </a:r>
+            <a:endParaRPr lang="ko-KR" altLang="en-US" dirty="0"/>
+          </a:p>
+        </p:txBody>
+      </p:sp>
+      <p:sp>
+        <p:nvSpPr>
+          <p:cNvPr id="17" name="TextBox 16"/>
+          <p:cNvSpPr txBox="1"/>
+          <p:nvPr/>
+        </p:nvSpPr>
+        <p:spPr>
+          <a:xfrm>
+            <a:off x="4262437" y="5440296"/>
+            <a:ext cx="4420521" cy="800219"/>
+          </a:xfrm>
+          <a:prstGeom prst="rect">
+            <a:avLst/>
+          </a:prstGeom>
+          <a:noFill/>
+        </p:spPr>
+        <p:txBody>
+          <a:bodyPr wrap="square" rtlCol="0">
+            <a:spAutoFit/>
+          </a:bodyPr>
+          <a:lstStyle/>
+          <a:p>
+            <a:r>
+              <a:rPr lang="ko-KR" altLang="en-US" b="1" dirty="0" smtClean="0"/>
+              <a:t>결론</a:t>
+            </a:r>
+            <a:endParaRPr lang="en-US" altLang="ko-KR" b="1" dirty="0" smtClean="0"/>
+          </a:p>
+          <a:p>
+            <a:r>
+              <a:rPr lang="ko-KR" altLang="en-US" sz="1400" dirty="0" smtClean="0"/>
+              <a:t>소프트웨어적인 보안 뿐만이 아닌 하드웨어적인 보안을 동시에 다룰 수 있는 주제를 선정하게 되었다</a:t>
+            </a:r>
+            <a:r>
+              <a:rPr lang="en-US" altLang="ko-KR" sz="1400" dirty="0" smtClean="0"/>
+              <a:t>.</a:t>
+            </a:r>
+            <a:endParaRPr lang="ko-KR" altLang="en-US" dirty="0"/>
           </a:p>
         </p:txBody>
       </p:sp>
@@ -4446,7 +8804,7 @@
       </p:sp>
       <p:cxnSp>
         <p:nvCxnSpPr>
-          <p:cNvPr id="5" name="직선 연결선 4"/>
+          <p:cNvPr id="4" name="직선 연결선 3"/>
           <p:cNvCxnSpPr/>
           <p:nvPr/>
         </p:nvCxnSpPr>
@@ -4476,14 +8834,14 @@
       </p:cxnSp>
       <p:sp>
         <p:nvSpPr>
-          <p:cNvPr id="6" name="TextBox 5"/>
+          <p:cNvPr id="5" name="TextBox 4"/>
           <p:cNvSpPr txBox="1"/>
           <p:nvPr/>
         </p:nvSpPr>
         <p:spPr>
           <a:xfrm>
             <a:off x="523875" y="248692"/>
-            <a:ext cx="2039341" cy="769441"/>
+            <a:ext cx="3964547" cy="769441"/>
           </a:xfrm>
           <a:prstGeom prst="rect">
             <a:avLst/>
@@ -4502,7 +8860,31 @@
                   <a:schemeClr val="accent1"/>
                 </a:solidFill>
               </a:rPr>
-              <a:t>Step 2</a:t>
+              <a:t>Step </a:t>
+            </a:r>
+            <a:r>
+              <a:rPr lang="en-US" altLang="ko-KR" sz="4400" dirty="0" smtClean="0">
+                <a:solidFill>
+                  <a:schemeClr val="accent1"/>
+                </a:solidFill>
+              </a:rPr>
+              <a:t>1 </a:t>
+            </a:r>
+            <a:r>
+              <a:rPr lang="en-US" altLang="ko-KR" sz="2800" dirty="0" smtClean="0">
+                <a:solidFill>
+                  <a:schemeClr val="accent1"/>
+                </a:solidFill>
+              </a:rPr>
+              <a:t>- </a:t>
+            </a:r>
+            <a:r>
+              <a:rPr lang="ko-KR" altLang="en-US" sz="2800" dirty="0" smtClean="0">
+                <a:solidFill>
+                  <a:schemeClr val="accent1"/>
+                </a:solidFill>
+              </a:rPr>
+              <a:t>계획수립</a:t>
             </a:r>
             <a:endParaRPr lang="ko-KR" altLang="en-US" sz="4400" dirty="0">
               <a:solidFill>
@@ -4512,10 +8894,242 @@
           </a:p>
         </p:txBody>
       </p:sp>
+      <p:sp>
+        <p:nvSpPr>
+          <p:cNvPr id="7" name="TextBox 6"/>
+          <p:cNvSpPr txBox="1"/>
+          <p:nvPr/>
+        </p:nvSpPr>
+        <p:spPr>
+          <a:xfrm>
+            <a:off x="4151773" y="2151528"/>
+            <a:ext cx="3931830" cy="369332"/>
+          </a:xfrm>
+          <a:prstGeom prst="rect">
+            <a:avLst/>
+          </a:prstGeom>
+          <a:noFill/>
+        </p:spPr>
+        <p:txBody>
+          <a:bodyPr wrap="square" rtlCol="0">
+            <a:spAutoFit/>
+          </a:bodyPr>
+          <a:lstStyle/>
+          <a:p>
+            <a:r>
+              <a:rPr lang="en-US" altLang="ko-KR" dirty="0" smtClean="0"/>
+              <a:t>1st </a:t>
+            </a:r>
+            <a:r>
+              <a:rPr lang="ko-KR" altLang="en-US" dirty="0" smtClean="0"/>
+              <a:t>주제선정 및 </a:t>
+            </a:r>
+            <a:r>
+              <a:rPr lang="ko-KR" altLang="en-US" dirty="0" err="1" smtClean="0"/>
+              <a:t>오픈소스</a:t>
+            </a:r>
+            <a:r>
+              <a:rPr lang="ko-KR" altLang="en-US" dirty="0" smtClean="0"/>
+              <a:t> 검색</a:t>
+            </a:r>
+            <a:endParaRPr lang="ko-KR" altLang="en-US" dirty="0"/>
+          </a:p>
+        </p:txBody>
+      </p:sp>
+      <p:sp>
+        <p:nvSpPr>
+          <p:cNvPr id="15" name="TextBox 14"/>
+          <p:cNvSpPr txBox="1"/>
+          <p:nvPr/>
+        </p:nvSpPr>
+        <p:spPr>
+          <a:xfrm>
+            <a:off x="4176105" y="3060166"/>
+            <a:ext cx="3112034" cy="368834"/>
+          </a:xfrm>
+          <a:prstGeom prst="rect">
+            <a:avLst/>
+          </a:prstGeom>
+          <a:noFill/>
+        </p:spPr>
+        <p:txBody>
+          <a:bodyPr wrap="square" rtlCol="0">
+            <a:spAutoFit/>
+          </a:bodyPr>
+          <a:lstStyle/>
+          <a:p>
+            <a:r>
+              <a:rPr lang="en-US" altLang="ko-KR" dirty="0" smtClean="0"/>
+              <a:t>2nd </a:t>
+            </a:r>
+            <a:r>
+              <a:rPr lang="ko-KR" altLang="en-US" dirty="0" smtClean="0"/>
+              <a:t>검색한 </a:t>
+            </a:r>
+            <a:r>
+              <a:rPr lang="ko-KR" altLang="en-US" dirty="0" err="1" smtClean="0"/>
+              <a:t>오픈소스</a:t>
+            </a:r>
+            <a:r>
+              <a:rPr lang="ko-KR" altLang="en-US" dirty="0" smtClean="0"/>
+              <a:t> 분석</a:t>
+            </a:r>
+            <a:endParaRPr lang="ko-KR" altLang="en-US" dirty="0"/>
+          </a:p>
+        </p:txBody>
+      </p:sp>
+      <p:sp>
+        <p:nvSpPr>
+          <p:cNvPr id="9" name="TextBox 8"/>
+          <p:cNvSpPr txBox="1"/>
+          <p:nvPr/>
+        </p:nvSpPr>
+        <p:spPr>
+          <a:xfrm>
+            <a:off x="4176105" y="3942532"/>
+            <a:ext cx="3434763" cy="369332"/>
+          </a:xfrm>
+          <a:prstGeom prst="rect">
+            <a:avLst/>
+          </a:prstGeom>
+          <a:noFill/>
+        </p:spPr>
+        <p:txBody>
+          <a:bodyPr wrap="square" rtlCol="0">
+            <a:spAutoFit/>
+          </a:bodyPr>
+          <a:lstStyle/>
+          <a:p>
+            <a:r>
+              <a:rPr lang="en-US" altLang="ko-KR" dirty="0" smtClean="0"/>
+              <a:t>3rd </a:t>
+            </a:r>
+            <a:r>
+              <a:rPr lang="ko-KR" altLang="en-US" dirty="0" smtClean="0"/>
+              <a:t>분석을 통한 수정사항 토의</a:t>
+            </a:r>
+            <a:endParaRPr lang="ko-KR" altLang="en-US" dirty="0"/>
+          </a:p>
+        </p:txBody>
+      </p:sp>
+      <p:sp>
+        <p:nvSpPr>
+          <p:cNvPr id="12" name="TextBox 11"/>
+          <p:cNvSpPr txBox="1"/>
+          <p:nvPr/>
+        </p:nvSpPr>
+        <p:spPr>
+          <a:xfrm>
+            <a:off x="4159289" y="4841874"/>
+            <a:ext cx="3834333" cy="369332"/>
+          </a:xfrm>
+          <a:prstGeom prst="rect">
+            <a:avLst/>
+          </a:prstGeom>
+          <a:noFill/>
+        </p:spPr>
+        <p:txBody>
+          <a:bodyPr wrap="square" rtlCol="0">
+            <a:spAutoFit/>
+          </a:bodyPr>
+          <a:lstStyle/>
+          <a:p>
+            <a:r>
+              <a:rPr lang="en-US" altLang="ko-KR" dirty="0" smtClean="0"/>
+              <a:t>4th </a:t>
+            </a:r>
+            <a:r>
+              <a:rPr lang="ko-KR" altLang="en-US" dirty="0" smtClean="0"/>
+              <a:t>수정사항 소스코딩 </a:t>
+            </a:r>
+            <a:r>
+              <a:rPr lang="en-US" altLang="ko-KR" dirty="0" smtClean="0"/>
+              <a:t>(</a:t>
+            </a:r>
+            <a:r>
+              <a:rPr lang="ko-KR" altLang="en-US" dirty="0" smtClean="0"/>
+              <a:t>기능 구현</a:t>
+            </a:r>
+            <a:r>
+              <a:rPr lang="en-US" altLang="ko-KR" dirty="0" smtClean="0"/>
+              <a:t>)</a:t>
+            </a:r>
+            <a:endParaRPr lang="ko-KR" altLang="en-US" dirty="0"/>
+          </a:p>
+        </p:txBody>
+      </p:sp>
+      <p:sp>
+        <p:nvSpPr>
+          <p:cNvPr id="18" name="TextBox 17"/>
+          <p:cNvSpPr txBox="1"/>
+          <p:nvPr/>
+        </p:nvSpPr>
+        <p:spPr>
+          <a:xfrm>
+            <a:off x="4151772" y="5718354"/>
+            <a:ext cx="3931831" cy="369332"/>
+          </a:xfrm>
+          <a:prstGeom prst="rect">
+            <a:avLst/>
+          </a:prstGeom>
+          <a:noFill/>
+        </p:spPr>
+        <p:txBody>
+          <a:bodyPr wrap="square" rtlCol="0">
+            <a:spAutoFit/>
+          </a:bodyPr>
+          <a:lstStyle/>
+          <a:p>
+            <a:r>
+              <a:rPr lang="en-US" altLang="ko-KR" dirty="0" smtClean="0"/>
+              <a:t>5th </a:t>
+            </a:r>
+            <a:r>
+              <a:rPr lang="ko-KR" altLang="en-US" dirty="0" smtClean="0"/>
+              <a:t>구현한 기능 </a:t>
+            </a:r>
+            <a:r>
+              <a:rPr lang="en-US" altLang="ko-KR" dirty="0" smtClean="0"/>
+              <a:t>PULL REQUEST</a:t>
+            </a:r>
+            <a:endParaRPr lang="ko-KR" altLang="en-US" dirty="0"/>
+          </a:p>
+        </p:txBody>
+      </p:sp>
+      <p:pic>
+        <p:nvPicPr>
+          <p:cNvPr id="19" name="그림 18"/>
+          <p:cNvPicPr>
+            <a:picLocks noChangeAspect="1"/>
+          </p:cNvPicPr>
+          <p:nvPr/>
+        </p:nvPicPr>
+        <p:blipFill>
+          <a:blip r:embed="rId2" cstate="print">
+            <a:extLst>
+              <a:ext uri="{28A0092B-C50C-407E-A947-70E740481C1C}">
+                <a14:useLocalDpi xmlns:a14="http://schemas.microsoft.com/office/drawing/2010/main" val="0"/>
+              </a:ext>
+            </a:extLst>
+          </a:blip>
+          <a:stretch>
+            <a:fillRect/>
+          </a:stretch>
+        </p:blipFill>
+        <p:spPr>
+          <a:xfrm>
+            <a:off x="342900" y="1329337"/>
+            <a:ext cx="3808873" cy="5386943"/>
+          </a:xfrm>
+          <a:prstGeom prst="rect">
+            <a:avLst/>
+          </a:prstGeom>
+        </p:spPr>
+      </p:pic>
     </p:spTree>
     <p:extLst>
       <p:ext uri="{BB962C8B-B14F-4D97-AF65-F5344CB8AC3E}">
-        <p14:creationId xmlns:p14="http://schemas.microsoft.com/office/powerpoint/2010/main" val="3776757430"/>
+        <p14:creationId xmlns:p14="http://schemas.microsoft.com/office/powerpoint/2010/main" val="4153425890"/>
       </p:ext>
     </p:extLst>
   </p:cSld>
@@ -4594,7 +9208,7 @@
       </p:sp>
       <p:cxnSp>
         <p:nvCxnSpPr>
-          <p:cNvPr id="4" name="직선 연결선 3"/>
+          <p:cNvPr id="5" name="직선 연결선 4"/>
           <p:cNvCxnSpPr/>
           <p:nvPr/>
         </p:nvCxnSpPr>
@@ -4624,14 +9238,14 @@
       </p:cxnSp>
       <p:sp>
         <p:nvSpPr>
-          <p:cNvPr id="5" name="TextBox 4"/>
+          <p:cNvPr id="6" name="TextBox 5"/>
           <p:cNvSpPr txBox="1"/>
           <p:nvPr/>
         </p:nvSpPr>
         <p:spPr>
           <a:xfrm>
             <a:off x="523875" y="248692"/>
-            <a:ext cx="2039341" cy="769441"/>
+            <a:ext cx="4548040" cy="769441"/>
           </a:xfrm>
           <a:prstGeom prst="rect">
             <a:avLst/>
@@ -4650,7 +9264,47 @@
                   <a:schemeClr val="accent1"/>
                 </a:solidFill>
               </a:rPr>
-              <a:t>Step 3</a:t>
+              <a:t>Step </a:t>
+            </a:r>
+            <a:r>
+              <a:rPr lang="en-US" altLang="ko-KR" sz="4400" dirty="0" smtClean="0">
+                <a:solidFill>
+                  <a:schemeClr val="accent1"/>
+                </a:solidFill>
+              </a:rPr>
+              <a:t>2 </a:t>
+            </a:r>
+            <a:r>
+              <a:rPr lang="en-US" altLang="ko-KR" sz="2800" dirty="0" smtClean="0">
+                <a:solidFill>
+                  <a:schemeClr val="accent1"/>
+                </a:solidFill>
+              </a:rPr>
+              <a:t>– </a:t>
+            </a:r>
+            <a:r>
+              <a:rPr lang="ko-KR" altLang="en-US" sz="2800" dirty="0" smtClean="0">
+                <a:solidFill>
+                  <a:schemeClr val="accent1"/>
+                </a:solidFill>
+              </a:rPr>
+              <a:t>탐색</a:t>
+            </a:r>
+            <a:r>
+              <a:rPr lang="en-US" altLang="ko-KR" sz="2800" dirty="0" smtClean="0">
+                <a:solidFill>
+                  <a:schemeClr val="accent1"/>
+                </a:solidFill>
+              </a:rPr>
+              <a:t>(fork)</a:t>
+            </a:r>
+            <a:r>
+              <a:rPr lang="en-US" altLang="ko-KR" sz="4400" dirty="0" smtClean="0">
+                <a:solidFill>
+                  <a:schemeClr val="accent1"/>
+                </a:solidFill>
+              </a:rPr>
+              <a:t> </a:t>
             </a:r>
             <a:endParaRPr lang="ko-KR" altLang="en-US" sz="4400" dirty="0">
               <a:solidFill>
@@ -4660,10 +9314,268 @@
           </a:p>
         </p:txBody>
       </p:sp>
+      <p:pic>
+        <p:nvPicPr>
+          <p:cNvPr id="2" name="그림 1"/>
+          <p:cNvPicPr>
+            <a:picLocks noChangeAspect="1"/>
+          </p:cNvPicPr>
+          <p:nvPr/>
+        </p:nvPicPr>
+        <p:blipFill>
+          <a:blip r:embed="rId2">
+            <a:extLst>
+              <a:ext uri="{28A0092B-C50C-407E-A947-70E740481C1C}">
+                <a14:useLocalDpi xmlns:a14="http://schemas.microsoft.com/office/drawing/2010/main" val="0"/>
+              </a:ext>
+            </a:extLst>
+          </a:blip>
+          <a:stretch>
+            <a:fillRect/>
+          </a:stretch>
+        </p:blipFill>
+        <p:spPr>
+          <a:xfrm>
+            <a:off x="342901" y="1297510"/>
+            <a:ext cx="4021630" cy="5560490"/>
+          </a:xfrm>
+          <a:prstGeom prst="rect">
+            <a:avLst/>
+          </a:prstGeom>
+        </p:spPr>
+      </p:pic>
+      <p:pic>
+        <p:nvPicPr>
+          <p:cNvPr id="4" name="그림 3"/>
+          <p:cNvPicPr>
+            <a:picLocks noChangeAspect="1"/>
+          </p:cNvPicPr>
+          <p:nvPr/>
+        </p:nvPicPr>
+        <p:blipFill>
+          <a:blip r:embed="rId3">
+            <a:extLst>
+              <a:ext uri="{28A0092B-C50C-407E-A947-70E740481C1C}">
+                <a14:useLocalDpi xmlns:a14="http://schemas.microsoft.com/office/drawing/2010/main" val="0"/>
+              </a:ext>
+            </a:extLst>
+          </a:blip>
+          <a:stretch>
+            <a:fillRect/>
+          </a:stretch>
+        </p:blipFill>
+        <p:spPr>
+          <a:xfrm>
+            <a:off x="3475906" y="1457877"/>
+            <a:ext cx="5617029" cy="2802919"/>
+          </a:xfrm>
+          <a:prstGeom prst="rect">
+            <a:avLst/>
+          </a:prstGeom>
+        </p:spPr>
+      </p:pic>
+      <p:sp>
+        <p:nvSpPr>
+          <p:cNvPr id="7" name="직사각형 6"/>
+          <p:cNvSpPr/>
+          <p:nvPr/>
+        </p:nvSpPr>
+        <p:spPr>
+          <a:xfrm>
+            <a:off x="1237130" y="5456540"/>
+            <a:ext cx="1375442" cy="452482"/>
+          </a:xfrm>
+          <a:prstGeom prst="rect">
+            <a:avLst/>
+          </a:prstGeom>
+          <a:noFill/>
+          <a:ln w="57150">
+            <a:solidFill>
+              <a:srgbClr val="FF0000"/>
+            </a:solidFill>
+          </a:ln>
+        </p:spPr>
+        <p:style>
+          <a:lnRef idx="2">
+            <a:schemeClr val="accent1">
+              <a:shade val="50000"/>
+            </a:schemeClr>
+          </a:lnRef>
+          <a:fillRef idx="1">
+            <a:schemeClr val="accent1"/>
+          </a:fillRef>
+          <a:effectRef idx="0">
+            <a:schemeClr val="accent1"/>
+          </a:effectRef>
+          <a:fontRef idx="minor">
+            <a:schemeClr val="lt1"/>
+          </a:fontRef>
+        </p:style>
+        <p:txBody>
+          <a:bodyPr rtlCol="0" anchor="ctr"/>
+          <a:lstStyle/>
+          <a:p>
+            <a:pPr algn="ctr"/>
+            <a:endParaRPr lang="ko-KR" altLang="en-US"/>
+          </a:p>
+        </p:txBody>
+      </p:sp>
+      <p:cxnSp>
+        <p:nvCxnSpPr>
+          <p:cNvPr id="9" name="직선 화살표 연결선 8"/>
+          <p:cNvCxnSpPr>
+            <a:stCxn id="7" idx="3"/>
+          </p:cNvCxnSpPr>
+          <p:nvPr/>
+        </p:nvCxnSpPr>
+        <p:spPr>
+          <a:xfrm flipV="1">
+            <a:off x="2612572" y="2011935"/>
+            <a:ext cx="991240" cy="3670846"/>
+          </a:xfrm>
+          <a:prstGeom prst="straightConnector1">
+            <a:avLst/>
+          </a:prstGeom>
+          <a:ln w="57150">
+            <a:solidFill>
+              <a:srgbClr val="FF0000"/>
+            </a:solidFill>
+            <a:tailEnd type="arrow"/>
+          </a:ln>
+        </p:spPr>
+        <p:style>
+          <a:lnRef idx="1">
+            <a:schemeClr val="accent1"/>
+          </a:lnRef>
+          <a:fillRef idx="0">
+            <a:schemeClr val="accent1"/>
+          </a:fillRef>
+          <a:effectRef idx="0">
+            <a:schemeClr val="accent1"/>
+          </a:effectRef>
+          <a:fontRef idx="minor">
+            <a:schemeClr val="tx1"/>
+          </a:fontRef>
+        </p:style>
+      </p:cxnSp>
+      <p:sp>
+        <p:nvSpPr>
+          <p:cNvPr id="10" name="직사각형 9"/>
+          <p:cNvSpPr/>
+          <p:nvPr/>
+        </p:nvSpPr>
+        <p:spPr>
+          <a:xfrm>
+            <a:off x="8552329" y="1785694"/>
+            <a:ext cx="471450" cy="226241"/>
+          </a:xfrm>
+          <a:prstGeom prst="rect">
+            <a:avLst/>
+          </a:prstGeom>
+          <a:noFill/>
+          <a:ln w="57150">
+            <a:solidFill>
+              <a:srgbClr val="FF0000"/>
+            </a:solidFill>
+          </a:ln>
+        </p:spPr>
+        <p:style>
+          <a:lnRef idx="2">
+            <a:schemeClr val="accent1">
+              <a:shade val="50000"/>
+            </a:schemeClr>
+          </a:lnRef>
+          <a:fillRef idx="1">
+            <a:schemeClr val="accent1"/>
+          </a:fillRef>
+          <a:effectRef idx="0">
+            <a:schemeClr val="accent1"/>
+          </a:effectRef>
+          <a:fontRef idx="minor">
+            <a:schemeClr val="lt1"/>
+          </a:fontRef>
+        </p:style>
+        <p:txBody>
+          <a:bodyPr rtlCol="0" anchor="ctr"/>
+          <a:lstStyle/>
+          <a:p>
+            <a:pPr algn="ctr"/>
+            <a:endParaRPr lang="ko-KR" altLang="en-US"/>
+          </a:p>
+        </p:txBody>
+      </p:sp>
+      <p:pic>
+        <p:nvPicPr>
+          <p:cNvPr id="11" name="그림 10"/>
+          <p:cNvPicPr>
+            <a:picLocks noChangeAspect="1"/>
+          </p:cNvPicPr>
+          <p:nvPr/>
+        </p:nvPicPr>
+        <p:blipFill>
+          <a:blip r:embed="rId4">
+            <a:extLst>
+              <a:ext uri="{28A0092B-C50C-407E-A947-70E740481C1C}">
+                <a14:useLocalDpi xmlns:a14="http://schemas.microsoft.com/office/drawing/2010/main" val="0"/>
+              </a:ext>
+            </a:extLst>
+          </a:blip>
+          <a:stretch>
+            <a:fillRect/>
+          </a:stretch>
+        </p:blipFill>
+        <p:spPr>
+          <a:xfrm>
+            <a:off x="3526970" y="4074889"/>
+            <a:ext cx="5617029" cy="2783111"/>
+          </a:xfrm>
+          <a:prstGeom prst="rect">
+            <a:avLst/>
+          </a:prstGeom>
+        </p:spPr>
+      </p:pic>
+      <p:cxnSp>
+        <p:nvCxnSpPr>
+          <p:cNvPr id="13" name="직선 화살표 연결선 12"/>
+          <p:cNvCxnSpPr>
+            <a:stCxn id="10" idx="2"/>
+          </p:cNvCxnSpPr>
+          <p:nvPr/>
+        </p:nvCxnSpPr>
+        <p:spPr>
+          <a:xfrm flipH="1">
+            <a:off x="4863993" y="2011935"/>
+            <a:ext cx="3924061" cy="2248861"/>
+          </a:xfrm>
+          <a:prstGeom prst="straightConnector1">
+            <a:avLst/>
+          </a:prstGeom>
+          <a:ln w="57150">
+            <a:solidFill>
+              <a:srgbClr val="FF0000"/>
+            </a:solidFill>
+            <a:tailEnd type="arrow"/>
+          </a:ln>
+        </p:spPr>
+        <p:style>
+          <a:lnRef idx="1">
+            <a:schemeClr val="accent1"/>
+          </a:lnRef>
+          <a:fillRef idx="0">
+            <a:schemeClr val="accent1"/>
+          </a:fillRef>
+          <a:effectRef idx="0">
+            <a:schemeClr val="accent1"/>
+          </a:effectRef>
+          <a:fontRef idx="minor">
+            <a:schemeClr val="tx1"/>
+          </a:fontRef>
+        </p:style>
+      </p:cxnSp>
     </p:spTree>
     <p:extLst>
       <p:ext uri="{BB962C8B-B14F-4D97-AF65-F5344CB8AC3E}">
-        <p14:creationId xmlns:p14="http://schemas.microsoft.com/office/powerpoint/2010/main" val="2992594415"/>
+        <p14:creationId xmlns:p14="http://schemas.microsoft.com/office/powerpoint/2010/main" val="3776757430"/>
       </p:ext>
     </p:extLst>
   </p:cSld>
@@ -4742,7 +9654,7 @@
       </p:sp>
       <p:cxnSp>
         <p:nvCxnSpPr>
-          <p:cNvPr id="4" name="직선 연결선 3"/>
+          <p:cNvPr id="5" name="직선 연결선 4"/>
           <p:cNvCxnSpPr/>
           <p:nvPr/>
         </p:nvCxnSpPr>
@@ -4772,14 +9684,14 @@
       </p:cxnSp>
       <p:sp>
         <p:nvSpPr>
-          <p:cNvPr id="5" name="TextBox 4"/>
+          <p:cNvPr id="6" name="TextBox 5"/>
           <p:cNvSpPr txBox="1"/>
           <p:nvPr/>
         </p:nvSpPr>
         <p:spPr>
           <a:xfrm>
             <a:off x="523875" y="248692"/>
-            <a:ext cx="2039341" cy="769441"/>
+            <a:ext cx="4325223" cy="769441"/>
           </a:xfrm>
           <a:prstGeom prst="rect">
             <a:avLst/>
@@ -4798,7 +9710,47 @@
                   <a:schemeClr val="accent1"/>
                 </a:solidFill>
               </a:rPr>
-              <a:t>Step 4</a:t>
+              <a:t>Step </a:t>
+            </a:r>
+            <a:r>
+              <a:rPr lang="en-US" altLang="ko-KR" sz="4400" dirty="0" smtClean="0">
+                <a:solidFill>
+                  <a:schemeClr val="accent1"/>
+                </a:solidFill>
+              </a:rPr>
+              <a:t>2 </a:t>
+            </a:r>
+            <a:r>
+              <a:rPr lang="en-US" altLang="ko-KR" sz="2800" dirty="0" smtClean="0">
+                <a:solidFill>
+                  <a:schemeClr val="accent1"/>
+                </a:solidFill>
+              </a:rPr>
+              <a:t>– </a:t>
+            </a:r>
+            <a:r>
+              <a:rPr lang="en-US" altLang="ko-KR" sz="2800" dirty="0" err="1" smtClean="0">
+                <a:solidFill>
+                  <a:schemeClr val="accent1"/>
+                </a:solidFill>
+              </a:rPr>
+              <a:t>git</a:t>
+            </a:r>
+            <a:r>
+              <a:rPr lang="en-US" altLang="ko-KR" sz="2800" dirty="0" smtClean="0">
+                <a:solidFill>
+                  <a:schemeClr val="accent1"/>
+                </a:solidFill>
+              </a:rPr>
+              <a:t> clone</a:t>
+            </a:r>
+            <a:r>
+              <a:rPr lang="en-US" altLang="ko-KR" sz="4400" dirty="0" smtClean="0">
+                <a:solidFill>
+                  <a:schemeClr val="accent1"/>
+                </a:solidFill>
+              </a:rPr>
+              <a:t> </a:t>
             </a:r>
             <a:endParaRPr lang="ko-KR" altLang="en-US" sz="4400" dirty="0">
               <a:solidFill>
@@ -4808,10 +9760,586 @@
           </a:p>
         </p:txBody>
       </p:sp>
+      <p:pic>
+        <p:nvPicPr>
+          <p:cNvPr id="8" name="그림 7"/>
+          <p:cNvPicPr>
+            <a:picLocks noChangeAspect="1"/>
+          </p:cNvPicPr>
+          <p:nvPr/>
+        </p:nvPicPr>
+        <p:blipFill>
+          <a:blip r:embed="rId2">
+            <a:extLst>
+              <a:ext uri="{28A0092B-C50C-407E-A947-70E740481C1C}">
+                <a14:useLocalDpi xmlns:a14="http://schemas.microsoft.com/office/drawing/2010/main" val="0"/>
+              </a:ext>
+            </a:extLst>
+          </a:blip>
+          <a:stretch>
+            <a:fillRect/>
+          </a:stretch>
+        </p:blipFill>
+        <p:spPr>
+          <a:xfrm>
+            <a:off x="523875" y="1491143"/>
+            <a:ext cx="6087325" cy="571580"/>
+          </a:xfrm>
+          <a:prstGeom prst="rect">
+            <a:avLst/>
+          </a:prstGeom>
+        </p:spPr>
+      </p:pic>
+      <p:sp>
+        <p:nvSpPr>
+          <p:cNvPr id="14" name="타원 13"/>
+          <p:cNvSpPr/>
+          <p:nvPr/>
+        </p:nvSpPr>
+        <p:spPr>
+          <a:xfrm>
+            <a:off x="2914394" y="3275320"/>
+            <a:ext cx="2126332" cy="2126332"/>
+          </a:xfrm>
+          <a:prstGeom prst="ellipse">
+            <a:avLst/>
+          </a:prstGeom>
+          <a:solidFill>
+            <a:schemeClr val="accent6"/>
+          </a:solidFill>
+          <a:ln>
+            <a:noFill/>
+          </a:ln>
+        </p:spPr>
+        <p:style>
+          <a:lnRef idx="2">
+            <a:schemeClr val="accent1">
+              <a:shade val="50000"/>
+            </a:schemeClr>
+          </a:lnRef>
+          <a:fillRef idx="1">
+            <a:schemeClr val="accent1"/>
+          </a:fillRef>
+          <a:effectRef idx="0">
+            <a:schemeClr val="accent1"/>
+          </a:effectRef>
+          <a:fontRef idx="minor">
+            <a:schemeClr val="lt1"/>
+          </a:fontRef>
+        </p:style>
+        <p:txBody>
+          <a:bodyPr rtlCol="0" anchor="ctr"/>
+          <a:lstStyle/>
+          <a:p>
+            <a:pPr algn="ctr"/>
+            <a:r>
+              <a:rPr lang="en-US" altLang="ko-KR" dirty="0" err="1" smtClean="0"/>
+              <a:t>GitHub</a:t>
+            </a:r>
+            <a:endParaRPr lang="en-US" altLang="ko-KR" dirty="0" smtClean="0"/>
+          </a:p>
+          <a:p>
+            <a:pPr algn="ctr"/>
+            <a:r>
+              <a:rPr lang="en-US" altLang="ko-KR" dirty="0" smtClean="0"/>
+              <a:t>Repository</a:t>
+            </a:r>
+            <a:endParaRPr lang="ko-KR" altLang="en-US" dirty="0"/>
+          </a:p>
+        </p:txBody>
+      </p:sp>
+      <p:pic>
+        <p:nvPicPr>
+          <p:cNvPr id="15" name="그림 14"/>
+          <p:cNvPicPr>
+            <a:picLocks noChangeAspect="1"/>
+          </p:cNvPicPr>
+          <p:nvPr/>
+        </p:nvPicPr>
+        <p:blipFill>
+          <a:blip r:embed="rId3">
+            <a:extLst>
+              <a:ext uri="{28A0092B-C50C-407E-A947-70E740481C1C}">
+                <a14:useLocalDpi xmlns:a14="http://schemas.microsoft.com/office/drawing/2010/main" val="0"/>
+              </a:ext>
+            </a:extLst>
+          </a:blip>
+          <a:stretch>
+            <a:fillRect/>
+          </a:stretch>
+        </p:blipFill>
+        <p:spPr>
+          <a:xfrm>
+            <a:off x="6319458" y="2097683"/>
+            <a:ext cx="1124404" cy="438327"/>
+          </a:xfrm>
+          <a:prstGeom prst="rect">
+            <a:avLst/>
+          </a:prstGeom>
+        </p:spPr>
+      </p:pic>
+      <p:pic>
+        <p:nvPicPr>
+          <p:cNvPr id="16" name="그림 15"/>
+          <p:cNvPicPr>
+            <a:picLocks noChangeAspect="1"/>
+          </p:cNvPicPr>
+          <p:nvPr/>
+        </p:nvPicPr>
+        <p:blipFill>
+          <a:blip r:embed="rId4">
+            <a:extLst>
+              <a:ext uri="{28A0092B-C50C-407E-A947-70E740481C1C}">
+                <a14:useLocalDpi xmlns:a14="http://schemas.microsoft.com/office/drawing/2010/main" val="0"/>
+              </a:ext>
+            </a:extLst>
+          </a:blip>
+          <a:stretch>
+            <a:fillRect/>
+          </a:stretch>
+        </p:blipFill>
+        <p:spPr>
+          <a:xfrm>
+            <a:off x="6805429" y="3485236"/>
+            <a:ext cx="1276866" cy="419269"/>
+          </a:xfrm>
+          <a:prstGeom prst="rect">
+            <a:avLst/>
+          </a:prstGeom>
+        </p:spPr>
+      </p:pic>
+      <p:pic>
+        <p:nvPicPr>
+          <p:cNvPr id="17" name="그림 16"/>
+          <p:cNvPicPr>
+            <a:picLocks noChangeAspect="1"/>
+          </p:cNvPicPr>
+          <p:nvPr/>
+        </p:nvPicPr>
+        <p:blipFill>
+          <a:blip r:embed="rId5">
+            <a:extLst>
+              <a:ext uri="{28A0092B-C50C-407E-A947-70E740481C1C}">
+                <a14:useLocalDpi xmlns:a14="http://schemas.microsoft.com/office/drawing/2010/main" val="0"/>
+              </a:ext>
+            </a:extLst>
+          </a:blip>
+          <a:stretch>
+            <a:fillRect/>
+          </a:stretch>
+        </p:blipFill>
+        <p:spPr>
+          <a:xfrm>
+            <a:off x="6061258" y="4813766"/>
+            <a:ext cx="1648491" cy="466914"/>
+          </a:xfrm>
+          <a:prstGeom prst="rect">
+            <a:avLst/>
+          </a:prstGeom>
+        </p:spPr>
+      </p:pic>
+      <p:sp>
+        <p:nvSpPr>
+          <p:cNvPr id="18" name="모서리가 둥근 직사각형 17"/>
+          <p:cNvSpPr/>
+          <p:nvPr/>
+        </p:nvSpPr>
+        <p:spPr>
+          <a:xfrm>
+            <a:off x="496879" y="2299447"/>
+            <a:ext cx="1710614" cy="975873"/>
+          </a:xfrm>
+          <a:prstGeom prst="roundRect">
+            <a:avLst/>
+          </a:prstGeom>
+          <a:ln>
+            <a:noFill/>
+          </a:ln>
+        </p:spPr>
+        <p:style>
+          <a:lnRef idx="2">
+            <a:schemeClr val="accent1">
+              <a:shade val="50000"/>
+            </a:schemeClr>
+          </a:lnRef>
+          <a:fillRef idx="1">
+            <a:schemeClr val="accent1"/>
+          </a:fillRef>
+          <a:effectRef idx="0">
+            <a:schemeClr val="accent1"/>
+          </a:effectRef>
+          <a:fontRef idx="minor">
+            <a:schemeClr val="lt1"/>
+          </a:fontRef>
+        </p:style>
+        <p:txBody>
+          <a:bodyPr rtlCol="0" anchor="ctr"/>
+          <a:lstStyle/>
+          <a:p>
+            <a:pPr algn="ctr"/>
+            <a:endParaRPr lang="ko-KR" altLang="en-US"/>
+          </a:p>
+        </p:txBody>
+      </p:sp>
+      <p:sp>
+        <p:nvSpPr>
+          <p:cNvPr id="19" name="TextBox 18"/>
+          <p:cNvSpPr txBox="1"/>
+          <p:nvPr/>
+        </p:nvSpPr>
+        <p:spPr>
+          <a:xfrm>
+            <a:off x="772041" y="2602717"/>
+            <a:ext cx="1160290" cy="369332"/>
+          </a:xfrm>
+          <a:prstGeom prst="rect">
+            <a:avLst/>
+          </a:prstGeom>
+          <a:noFill/>
+        </p:spPr>
+        <p:txBody>
+          <a:bodyPr wrap="square" rtlCol="0">
+            <a:spAutoFit/>
+          </a:bodyPr>
+          <a:lstStyle/>
+          <a:p>
+            <a:r>
+              <a:rPr lang="ko-KR" altLang="en-US" dirty="0" err="1" smtClean="0">
+                <a:solidFill>
+                  <a:schemeClr val="bg1"/>
+                </a:solidFill>
+              </a:rPr>
+              <a:t>오픈소</a:t>
+            </a:r>
+            <a:r>
+              <a:rPr lang="ko-KR" altLang="en-US" dirty="0" err="1">
+                <a:solidFill>
+                  <a:schemeClr val="bg1"/>
+                </a:solidFill>
+              </a:rPr>
+              <a:t>스</a:t>
+            </a:r>
+            <a:endParaRPr lang="ko-KR" altLang="en-US" dirty="0">
+              <a:solidFill>
+                <a:schemeClr val="bg1"/>
+              </a:solidFill>
+            </a:endParaRPr>
+          </a:p>
+        </p:txBody>
+      </p:sp>
+      <p:cxnSp>
+        <p:nvCxnSpPr>
+          <p:cNvPr id="21" name="꺾인 연결선 20"/>
+          <p:cNvCxnSpPr>
+            <a:stCxn id="18" idx="3"/>
+            <a:endCxn id="14" idx="2"/>
+          </p:cNvCxnSpPr>
+          <p:nvPr/>
+        </p:nvCxnSpPr>
+        <p:spPr>
+          <a:xfrm>
+            <a:off x="2207493" y="2787384"/>
+            <a:ext cx="706901" cy="1551102"/>
+          </a:xfrm>
+          <a:prstGeom prst="bentConnector3">
+            <a:avLst/>
+          </a:prstGeom>
+          <a:ln w="57150">
+            <a:solidFill>
+              <a:schemeClr val="accent5"/>
+            </a:solidFill>
+            <a:tailEnd type="arrow"/>
+          </a:ln>
+        </p:spPr>
+        <p:style>
+          <a:lnRef idx="1">
+            <a:schemeClr val="accent1"/>
+          </a:lnRef>
+          <a:fillRef idx="0">
+            <a:schemeClr val="accent1"/>
+          </a:fillRef>
+          <a:effectRef idx="0">
+            <a:schemeClr val="accent1"/>
+          </a:effectRef>
+          <a:fontRef idx="minor">
+            <a:schemeClr val="tx1"/>
+          </a:fontRef>
+        </p:style>
+      </p:cxnSp>
+      <p:sp>
+        <p:nvSpPr>
+          <p:cNvPr id="22" name="타원 21"/>
+          <p:cNvSpPr/>
+          <p:nvPr/>
+        </p:nvSpPr>
+        <p:spPr>
+          <a:xfrm>
+            <a:off x="6420618" y="2467015"/>
+            <a:ext cx="929769" cy="929769"/>
+          </a:xfrm>
+          <a:prstGeom prst="ellipse">
+            <a:avLst/>
+          </a:prstGeom>
+          <a:solidFill>
+            <a:schemeClr val="accent3"/>
+          </a:solidFill>
+          <a:ln>
+            <a:noFill/>
+          </a:ln>
+        </p:spPr>
+        <p:style>
+          <a:lnRef idx="2">
+            <a:schemeClr val="accent1">
+              <a:shade val="50000"/>
+            </a:schemeClr>
+          </a:lnRef>
+          <a:fillRef idx="1">
+            <a:schemeClr val="accent1"/>
+          </a:fillRef>
+          <a:effectRef idx="0">
+            <a:schemeClr val="accent1"/>
+          </a:effectRef>
+          <a:fontRef idx="minor">
+            <a:schemeClr val="lt1"/>
+          </a:fontRef>
+        </p:style>
+        <p:txBody>
+          <a:bodyPr rtlCol="0" anchor="ctr"/>
+          <a:lstStyle/>
+          <a:p>
+            <a:pPr algn="ctr"/>
+            <a:r>
+              <a:rPr lang="en-US" altLang="ko-KR" sz="1600" dirty="0" smtClean="0"/>
+              <a:t>local</a:t>
+            </a:r>
+            <a:endParaRPr lang="ko-KR" altLang="en-US" dirty="0"/>
+          </a:p>
+        </p:txBody>
+      </p:sp>
+      <p:sp>
+        <p:nvSpPr>
+          <p:cNvPr id="23" name="타원 22"/>
+          <p:cNvSpPr/>
+          <p:nvPr/>
+        </p:nvSpPr>
+        <p:spPr>
+          <a:xfrm>
+            <a:off x="6978977" y="3873601"/>
+            <a:ext cx="929769" cy="929769"/>
+          </a:xfrm>
+          <a:prstGeom prst="ellipse">
+            <a:avLst/>
+          </a:prstGeom>
+          <a:solidFill>
+            <a:schemeClr val="accent3"/>
+          </a:solidFill>
+          <a:ln>
+            <a:noFill/>
+          </a:ln>
+        </p:spPr>
+        <p:style>
+          <a:lnRef idx="2">
+            <a:schemeClr val="accent1">
+              <a:shade val="50000"/>
+            </a:schemeClr>
+          </a:lnRef>
+          <a:fillRef idx="1">
+            <a:schemeClr val="accent1"/>
+          </a:fillRef>
+          <a:effectRef idx="0">
+            <a:schemeClr val="accent1"/>
+          </a:effectRef>
+          <a:fontRef idx="minor">
+            <a:schemeClr val="lt1"/>
+          </a:fontRef>
+        </p:style>
+        <p:txBody>
+          <a:bodyPr rtlCol="0" anchor="ctr"/>
+          <a:lstStyle/>
+          <a:p>
+            <a:pPr algn="ctr"/>
+            <a:r>
+              <a:rPr lang="en-US" altLang="ko-KR" sz="1600" dirty="0"/>
+              <a:t>local</a:t>
+            </a:r>
+            <a:endParaRPr lang="ko-KR" altLang="en-US" dirty="0"/>
+          </a:p>
+        </p:txBody>
+      </p:sp>
+      <p:sp>
+        <p:nvSpPr>
+          <p:cNvPr id="24" name="타원 23"/>
+          <p:cNvSpPr/>
+          <p:nvPr/>
+        </p:nvSpPr>
+        <p:spPr>
+          <a:xfrm>
+            <a:off x="6420618" y="5257237"/>
+            <a:ext cx="929769" cy="929769"/>
+          </a:xfrm>
+          <a:prstGeom prst="ellipse">
+            <a:avLst/>
+          </a:prstGeom>
+          <a:solidFill>
+            <a:schemeClr val="accent3"/>
+          </a:solidFill>
+          <a:ln>
+            <a:noFill/>
+          </a:ln>
+        </p:spPr>
+        <p:style>
+          <a:lnRef idx="2">
+            <a:schemeClr val="accent1">
+              <a:shade val="50000"/>
+            </a:schemeClr>
+          </a:lnRef>
+          <a:fillRef idx="1">
+            <a:schemeClr val="accent1"/>
+          </a:fillRef>
+          <a:effectRef idx="0">
+            <a:schemeClr val="accent1"/>
+          </a:effectRef>
+          <a:fontRef idx="minor">
+            <a:schemeClr val="lt1"/>
+          </a:fontRef>
+        </p:style>
+        <p:txBody>
+          <a:bodyPr rtlCol="0" anchor="ctr"/>
+          <a:lstStyle/>
+          <a:p>
+            <a:pPr algn="ctr"/>
+            <a:r>
+              <a:rPr lang="en-US" altLang="ko-KR" sz="1600" dirty="0"/>
+              <a:t>local</a:t>
+            </a:r>
+            <a:endParaRPr lang="ko-KR" altLang="en-US" dirty="0"/>
+          </a:p>
+        </p:txBody>
+      </p:sp>
+      <p:cxnSp>
+        <p:nvCxnSpPr>
+          <p:cNvPr id="26" name="직선 화살표 연결선 25"/>
+          <p:cNvCxnSpPr>
+            <a:stCxn id="22" idx="2"/>
+            <a:endCxn id="14" idx="7"/>
+          </p:cNvCxnSpPr>
+          <p:nvPr/>
+        </p:nvCxnSpPr>
+        <p:spPr>
+          <a:xfrm flipH="1">
+            <a:off x="4729332" y="2931900"/>
+            <a:ext cx="1691286" cy="654814"/>
+          </a:xfrm>
+          <a:prstGeom prst="straightConnector1">
+            <a:avLst/>
+          </a:prstGeom>
+          <a:ln w="57150">
+            <a:solidFill>
+              <a:schemeClr val="accent5"/>
+            </a:solidFill>
+            <a:headEnd type="arrow"/>
+            <a:tailEnd type="arrow"/>
+          </a:ln>
+        </p:spPr>
+        <p:style>
+          <a:lnRef idx="1">
+            <a:schemeClr val="accent1"/>
+          </a:lnRef>
+          <a:fillRef idx="0">
+            <a:schemeClr val="accent1"/>
+          </a:fillRef>
+          <a:effectRef idx="0">
+            <a:schemeClr val="accent1"/>
+          </a:effectRef>
+          <a:fontRef idx="minor">
+            <a:schemeClr val="tx1"/>
+          </a:fontRef>
+        </p:style>
+      </p:cxnSp>
+      <p:cxnSp>
+        <p:nvCxnSpPr>
+          <p:cNvPr id="27" name="직선 화살표 연결선 26"/>
+          <p:cNvCxnSpPr>
+            <a:stCxn id="24" idx="2"/>
+            <a:endCxn id="14" idx="5"/>
+          </p:cNvCxnSpPr>
+          <p:nvPr/>
+        </p:nvCxnSpPr>
+        <p:spPr>
+          <a:xfrm flipH="1" flipV="1">
+            <a:off x="4729332" y="5090258"/>
+            <a:ext cx="1691286" cy="631864"/>
+          </a:xfrm>
+          <a:prstGeom prst="straightConnector1">
+            <a:avLst/>
+          </a:prstGeom>
+          <a:ln w="57150">
+            <a:solidFill>
+              <a:schemeClr val="accent5"/>
+            </a:solidFill>
+            <a:headEnd type="arrow"/>
+            <a:tailEnd type="arrow"/>
+          </a:ln>
+        </p:spPr>
+        <p:style>
+          <a:lnRef idx="1">
+            <a:schemeClr val="accent1"/>
+          </a:lnRef>
+          <a:fillRef idx="0">
+            <a:schemeClr val="accent1"/>
+          </a:fillRef>
+          <a:effectRef idx="0">
+            <a:schemeClr val="accent1"/>
+          </a:effectRef>
+          <a:fontRef idx="minor">
+            <a:schemeClr val="tx1"/>
+          </a:fontRef>
+        </p:style>
+      </p:cxnSp>
+      <p:cxnSp>
+        <p:nvCxnSpPr>
+          <p:cNvPr id="28" name="직선 화살표 연결선 27"/>
+          <p:cNvCxnSpPr>
+            <a:stCxn id="23" idx="2"/>
+            <a:endCxn id="14" idx="6"/>
+          </p:cNvCxnSpPr>
+          <p:nvPr/>
+        </p:nvCxnSpPr>
+        <p:spPr>
+          <a:xfrm flipH="1">
+            <a:off x="5040726" y="4338486"/>
+            <a:ext cx="1938251" cy="0"/>
+          </a:xfrm>
+          <a:prstGeom prst="straightConnector1">
+            <a:avLst/>
+          </a:prstGeom>
+          <a:ln w="57150">
+            <a:solidFill>
+              <a:schemeClr val="accent5"/>
+            </a:solidFill>
+            <a:headEnd type="arrow"/>
+            <a:tailEnd type="arrow"/>
+          </a:ln>
+        </p:spPr>
+        <p:style>
+          <a:lnRef idx="1">
+            <a:schemeClr val="accent1"/>
+          </a:lnRef>
+          <a:fillRef idx="0">
+            <a:schemeClr val="accent1"/>
+          </a:fillRef>
+          <a:effectRef idx="0">
+            <a:schemeClr val="accent1"/>
+          </a:effectRef>
+          <a:fontRef idx="minor">
+            <a:schemeClr val="tx1"/>
+          </a:fontRef>
+        </p:style>
+      </p:cxnSp>
     </p:spTree>
     <p:extLst>
       <p:ext uri="{BB962C8B-B14F-4D97-AF65-F5344CB8AC3E}">
-        <p14:creationId xmlns:p14="http://schemas.microsoft.com/office/powerpoint/2010/main" val="4127984242"/>
+        <p14:creationId xmlns:p14="http://schemas.microsoft.com/office/powerpoint/2010/main" val="3641699970"/>
       </p:ext>
     </p:extLst>
   </p:cSld>
@@ -4890,7 +10418,7 @@
       </p:sp>
       <p:cxnSp>
         <p:nvCxnSpPr>
-          <p:cNvPr id="4" name="직선 연결선 3"/>
+          <p:cNvPr id="5" name="직선 연결선 4"/>
           <p:cNvCxnSpPr/>
           <p:nvPr/>
         </p:nvCxnSpPr>
@@ -4920,14 +10448,14 @@
       </p:cxnSp>
       <p:sp>
         <p:nvSpPr>
-          <p:cNvPr id="5" name="TextBox 4"/>
+          <p:cNvPr id="6" name="TextBox 5"/>
           <p:cNvSpPr txBox="1"/>
           <p:nvPr/>
         </p:nvSpPr>
         <p:spPr>
           <a:xfrm>
             <a:off x="523875" y="248692"/>
-            <a:ext cx="2592376" cy="769441"/>
+            <a:ext cx="6726650" cy="769441"/>
           </a:xfrm>
           <a:prstGeom prst="rect">
             <a:avLst/>
@@ -4946,7 +10474,47 @@
                   <a:schemeClr val="accent1"/>
                 </a:solidFill>
               </a:rPr>
-              <a:t>Epilogue</a:t>
+              <a:t>Step </a:t>
+            </a:r>
+            <a:r>
+              <a:rPr lang="en-US" altLang="ko-KR" sz="4400" dirty="0" smtClean="0">
+                <a:solidFill>
+                  <a:schemeClr val="accent1"/>
+                </a:solidFill>
+              </a:rPr>
+              <a:t>2 </a:t>
+            </a:r>
+            <a:r>
+              <a:rPr lang="en-US" altLang="ko-KR" sz="2800" dirty="0" smtClean="0">
+                <a:solidFill>
+                  <a:schemeClr val="accent1"/>
+                </a:solidFill>
+              </a:rPr>
+              <a:t>– </a:t>
+            </a:r>
+            <a:r>
+              <a:rPr lang="ko-KR" altLang="en-US" sz="2800" dirty="0" smtClean="0">
+                <a:solidFill>
+                  <a:schemeClr val="accent1"/>
+                </a:solidFill>
+              </a:rPr>
+              <a:t>분석</a:t>
+            </a:r>
+            <a:r>
+              <a:rPr lang="en-US" altLang="ko-KR" sz="2800" dirty="0" smtClean="0">
+                <a:solidFill>
+                  <a:schemeClr val="accent1"/>
+                </a:solidFill>
+              </a:rPr>
+              <a:t>(</a:t>
+            </a:r>
+            <a:r>
+              <a:rPr lang="en-US" altLang="ko-KR" sz="2800" dirty="0" smtClean="0">
+                <a:solidFill>
+                  <a:schemeClr val="accent1"/>
+                </a:solidFill>
+              </a:rPr>
+              <a:t>branch &amp; commit)</a:t>
             </a:r>
             <a:endParaRPr lang="ko-KR" altLang="en-US" sz="4400" dirty="0">
               <a:solidFill>
@@ -4956,10 +10524,226 @@
           </a:p>
         </p:txBody>
       </p:sp>
+      <p:pic>
+        <p:nvPicPr>
+          <p:cNvPr id="2" name="그림 1"/>
+          <p:cNvPicPr>
+            <a:picLocks noChangeAspect="1"/>
+          </p:cNvPicPr>
+          <p:nvPr/>
+        </p:nvPicPr>
+        <p:blipFill>
+          <a:blip r:embed="rId2">
+            <a:extLst>
+              <a:ext uri="{28A0092B-C50C-407E-A947-70E740481C1C}">
+                <a14:useLocalDpi xmlns:a14="http://schemas.microsoft.com/office/drawing/2010/main" val="0"/>
+              </a:ext>
+            </a:extLst>
+          </a:blip>
+          <a:stretch>
+            <a:fillRect/>
+          </a:stretch>
+        </p:blipFill>
+        <p:spPr>
+          <a:xfrm>
+            <a:off x="423137" y="1365277"/>
+            <a:ext cx="5229955" cy="562053"/>
+          </a:xfrm>
+          <a:prstGeom prst="rect">
+            <a:avLst/>
+          </a:prstGeom>
+        </p:spPr>
+      </p:pic>
+      <p:pic>
+        <p:nvPicPr>
+          <p:cNvPr id="4" name="그림 3"/>
+          <p:cNvPicPr>
+            <a:picLocks noChangeAspect="1"/>
+          </p:cNvPicPr>
+          <p:nvPr/>
+        </p:nvPicPr>
+        <p:blipFill>
+          <a:blip r:embed="rId3">
+            <a:extLst>
+              <a:ext uri="{28A0092B-C50C-407E-A947-70E740481C1C}">
+                <a14:useLocalDpi xmlns:a14="http://schemas.microsoft.com/office/drawing/2010/main" val="0"/>
+              </a:ext>
+            </a:extLst>
+          </a:blip>
+          <a:stretch>
+            <a:fillRect/>
+          </a:stretch>
+        </p:blipFill>
+        <p:spPr>
+          <a:xfrm>
+            <a:off x="423137" y="1927330"/>
+            <a:ext cx="5229955" cy="543001"/>
+          </a:xfrm>
+          <a:prstGeom prst="rect">
+            <a:avLst/>
+          </a:prstGeom>
+        </p:spPr>
+      </p:pic>
+      <p:pic>
+        <p:nvPicPr>
+          <p:cNvPr id="7" name="그림 6"/>
+          <p:cNvPicPr>
+            <a:picLocks noChangeAspect="1"/>
+          </p:cNvPicPr>
+          <p:nvPr/>
+        </p:nvPicPr>
+        <p:blipFill>
+          <a:blip r:embed="rId4">
+            <a:extLst>
+              <a:ext uri="{28A0092B-C50C-407E-A947-70E740481C1C}">
+                <a14:useLocalDpi xmlns:a14="http://schemas.microsoft.com/office/drawing/2010/main" val="0"/>
+              </a:ext>
+            </a:extLst>
+          </a:blip>
+          <a:stretch>
+            <a:fillRect/>
+          </a:stretch>
+        </p:blipFill>
+        <p:spPr>
+          <a:xfrm>
+            <a:off x="342900" y="5728361"/>
+            <a:ext cx="8655308" cy="841488"/>
+          </a:xfrm>
+          <a:prstGeom prst="rect">
+            <a:avLst/>
+          </a:prstGeom>
+        </p:spPr>
+      </p:pic>
+      <p:pic>
+        <p:nvPicPr>
+          <p:cNvPr id="9" name="그림 8"/>
+          <p:cNvPicPr>
+            <a:picLocks noChangeAspect="1"/>
+          </p:cNvPicPr>
+          <p:nvPr/>
+        </p:nvPicPr>
+        <p:blipFill>
+          <a:blip r:embed="rId5" cstate="print">
+            <a:extLst>
+              <a:ext uri="{28A0092B-C50C-407E-A947-70E740481C1C}">
+                <a14:useLocalDpi xmlns:a14="http://schemas.microsoft.com/office/drawing/2010/main" val="0"/>
+              </a:ext>
+            </a:extLst>
+          </a:blip>
+          <a:stretch>
+            <a:fillRect/>
+          </a:stretch>
+        </p:blipFill>
+        <p:spPr>
+          <a:xfrm>
+            <a:off x="342900" y="2490379"/>
+            <a:ext cx="4186516" cy="3237982"/>
+          </a:xfrm>
+          <a:prstGeom prst="rect">
+            <a:avLst/>
+          </a:prstGeom>
+        </p:spPr>
+      </p:pic>
+      <p:sp>
+        <p:nvSpPr>
+          <p:cNvPr id="10" name="TextBox 9"/>
+          <p:cNvSpPr txBox="1"/>
+          <p:nvPr/>
+        </p:nvSpPr>
+        <p:spPr>
+          <a:xfrm>
+            <a:off x="4610420" y="3683596"/>
+            <a:ext cx="4387787" cy="2062103"/>
+          </a:xfrm>
+          <a:prstGeom prst="rect">
+            <a:avLst/>
+          </a:prstGeom>
+          <a:noFill/>
+        </p:spPr>
+        <p:txBody>
+          <a:bodyPr wrap="square" rtlCol="0">
+            <a:spAutoFit/>
+          </a:bodyPr>
+          <a:lstStyle/>
+          <a:p>
+            <a:r>
+              <a:rPr lang="en-US" altLang="ko-KR" sz="1600" dirty="0" err="1" smtClean="0"/>
+              <a:t>Github</a:t>
+            </a:r>
+            <a:r>
+              <a:rPr lang="en-US" altLang="ko-KR" sz="1600" dirty="0" smtClean="0"/>
+              <a:t> </a:t>
+            </a:r>
+            <a:r>
+              <a:rPr lang="ko-KR" altLang="en-US" sz="1600" dirty="0" smtClean="0"/>
+              <a:t>웹 페이지에 접속해보면 </a:t>
+            </a:r>
+            <a:r>
+              <a:rPr lang="en-US" altLang="ko-KR" sz="1600" dirty="0" err="1" smtClean="0"/>
+              <a:t>Github</a:t>
+            </a:r>
+            <a:r>
+              <a:rPr lang="ko-KR" altLang="en-US" sz="1600" dirty="0" smtClean="0"/>
+              <a:t>에서 제공하는 기능을 알 수 있는데 </a:t>
+            </a:r>
+            <a:endParaRPr lang="en-US" altLang="ko-KR" sz="1600" dirty="0" smtClean="0"/>
+          </a:p>
+          <a:p>
+            <a:r>
+              <a:rPr lang="en-US" altLang="ko-KR" sz="1600" dirty="0" smtClean="0"/>
+              <a:t>commit message</a:t>
+            </a:r>
+            <a:r>
+              <a:rPr lang="ko-KR" altLang="en-US" sz="1600" dirty="0" smtClean="0"/>
+              <a:t>와 </a:t>
+            </a:r>
+            <a:r>
+              <a:rPr lang="en-US" altLang="ko-KR" sz="1600" dirty="0" smtClean="0"/>
+              <a:t>Tree</a:t>
+            </a:r>
+            <a:r>
+              <a:rPr lang="ko-KR" altLang="en-US" sz="1600" dirty="0" smtClean="0"/>
+              <a:t>를 알아보기 쉽게 시각적인 자료로 제공해준다</a:t>
+            </a:r>
+            <a:r>
+              <a:rPr lang="en-US" altLang="ko-KR" sz="1600" dirty="0" smtClean="0"/>
+              <a:t>.</a:t>
+            </a:r>
+          </a:p>
+          <a:p>
+            <a:endParaRPr lang="en-US" altLang="ko-KR" sz="1600" dirty="0" smtClean="0"/>
+          </a:p>
+          <a:p>
+            <a:r>
+              <a:rPr lang="ko-KR" altLang="en-US" sz="1600" dirty="0" smtClean="0"/>
+              <a:t>← </a:t>
+            </a:r>
+            <a:r>
+              <a:rPr lang="en-US" altLang="ko-KR" sz="1600" dirty="0" smtClean="0"/>
+              <a:t>commit message</a:t>
+            </a:r>
+          </a:p>
+          <a:p>
+            <a:endParaRPr lang="en-US" altLang="ko-KR" sz="1600" dirty="0"/>
+          </a:p>
+          <a:p>
+            <a:pPr algn="ctr"/>
+            <a:r>
+              <a:rPr lang="ko-KR" altLang="en-US" sz="1600" dirty="0" smtClean="0"/>
+              <a:t>↓ </a:t>
+            </a:r>
+            <a:r>
+              <a:rPr lang="en-US" altLang="ko-KR" sz="1600" dirty="0" smtClean="0"/>
+              <a:t>Tree</a:t>
+            </a:r>
+            <a:endParaRPr lang="ko-KR" altLang="en-US" sz="1600" dirty="0"/>
+          </a:p>
+        </p:txBody>
+      </p:sp>
     </p:spTree>
     <p:extLst>
       <p:ext uri="{BB962C8B-B14F-4D97-AF65-F5344CB8AC3E}">
-        <p14:creationId xmlns:p14="http://schemas.microsoft.com/office/powerpoint/2010/main" val="2665793223"/>
+        <p14:creationId xmlns:p14="http://schemas.microsoft.com/office/powerpoint/2010/main" val="2231400354"/>
       </p:ext>
     </p:extLst>
   </p:cSld>
@@ -5038,7 +10822,7 @@
       </p:sp>
       <p:cxnSp>
         <p:nvCxnSpPr>
-          <p:cNvPr id="4" name="직선 연결선 3"/>
+          <p:cNvPr id="5" name="직선 연결선 4"/>
           <p:cNvCxnSpPr/>
           <p:nvPr/>
         </p:nvCxnSpPr>
@@ -5068,14 +10852,14 @@
       </p:cxnSp>
       <p:sp>
         <p:nvSpPr>
-          <p:cNvPr id="5" name="TextBox 4"/>
+          <p:cNvPr id="6" name="TextBox 5"/>
           <p:cNvSpPr txBox="1"/>
           <p:nvPr/>
         </p:nvSpPr>
         <p:spPr>
           <a:xfrm>
             <a:off x="523875" y="248692"/>
-            <a:ext cx="1425390" cy="769441"/>
+            <a:ext cx="6004464" cy="769441"/>
           </a:xfrm>
           <a:prstGeom prst="rect">
             <a:avLst/>
@@ -5094,7 +10878,47 @@
                   <a:schemeClr val="accent1"/>
                 </a:solidFill>
               </a:rPr>
-              <a:t>Q&amp;A</a:t>
+              <a:t>Step </a:t>
+            </a:r>
+            <a:r>
+              <a:rPr lang="en-US" altLang="ko-KR" sz="4400" dirty="0" smtClean="0">
+                <a:solidFill>
+                  <a:schemeClr val="accent1"/>
+                </a:solidFill>
+              </a:rPr>
+              <a:t>2 </a:t>
+            </a:r>
+            <a:r>
+              <a:rPr lang="en-US" altLang="ko-KR" sz="2800" dirty="0" smtClean="0">
+                <a:solidFill>
+                  <a:schemeClr val="accent1"/>
+                </a:solidFill>
+              </a:rPr>
+              <a:t>– </a:t>
+            </a:r>
+            <a:r>
+              <a:rPr lang="ko-KR" altLang="en-US" sz="2800" dirty="0" smtClean="0">
+                <a:solidFill>
+                  <a:schemeClr val="accent1"/>
+                </a:solidFill>
+              </a:rPr>
+              <a:t>분석</a:t>
+            </a:r>
+            <a:r>
+              <a:rPr lang="en-US" altLang="ko-KR" sz="2800" dirty="0" smtClean="0">
+                <a:solidFill>
+                  <a:schemeClr val="accent1"/>
+                </a:solidFill>
+              </a:rPr>
+              <a:t>(</a:t>
+            </a:r>
+            <a:r>
+              <a:rPr lang="en-US" altLang="ko-KR" sz="2800" dirty="0" smtClean="0">
+                <a:solidFill>
+                  <a:schemeClr val="accent1"/>
+                </a:solidFill>
+              </a:rPr>
+              <a:t>Raw &amp; blame)</a:t>
             </a:r>
             <a:endParaRPr lang="ko-KR" altLang="en-US" sz="4400" dirty="0">
               <a:solidFill>
@@ -5106,7 +10930,7 @@
       </p:sp>
       <p:pic>
         <p:nvPicPr>
-          <p:cNvPr id="6" name="그림 5"/>
+          <p:cNvPr id="8" name="그림 7"/>
           <p:cNvPicPr>
             <a:picLocks noChangeAspect="1"/>
           </p:cNvPicPr>
@@ -5126,18 +10950,237 @@
         </p:blipFill>
         <p:spPr>
           <a:xfrm>
-            <a:off x="2218124" y="1574587"/>
-            <a:ext cx="4876800" cy="4876800"/>
+            <a:off x="342900" y="1328297"/>
+            <a:ext cx="5646462" cy="1524373"/>
           </a:xfrm>
           <a:prstGeom prst="rect">
             <a:avLst/>
           </a:prstGeom>
         </p:spPr>
       </p:pic>
+      <p:sp>
+        <p:nvSpPr>
+          <p:cNvPr id="11" name="직사각형 10"/>
+          <p:cNvSpPr/>
+          <p:nvPr/>
+        </p:nvSpPr>
+        <p:spPr>
+          <a:xfrm>
+            <a:off x="4656524" y="2090483"/>
+            <a:ext cx="361150" cy="230095"/>
+          </a:xfrm>
+          <a:prstGeom prst="rect">
+            <a:avLst/>
+          </a:prstGeom>
+          <a:noFill/>
+          <a:ln w="57150">
+            <a:solidFill>
+              <a:srgbClr val="FF0000"/>
+            </a:solidFill>
+          </a:ln>
+        </p:spPr>
+        <p:style>
+          <a:lnRef idx="2">
+            <a:schemeClr val="accent1">
+              <a:shade val="50000"/>
+            </a:schemeClr>
+          </a:lnRef>
+          <a:fillRef idx="1">
+            <a:schemeClr val="accent1"/>
+          </a:fillRef>
+          <a:effectRef idx="0">
+            <a:schemeClr val="accent1"/>
+          </a:effectRef>
+          <a:fontRef idx="minor">
+            <a:schemeClr val="lt1"/>
+          </a:fontRef>
+        </p:style>
+        <p:txBody>
+          <a:bodyPr rtlCol="0" anchor="ctr"/>
+          <a:lstStyle/>
+          <a:p>
+            <a:pPr algn="ctr"/>
+            <a:endParaRPr lang="ko-KR" altLang="en-US"/>
+          </a:p>
+        </p:txBody>
+      </p:sp>
+      <p:pic>
+        <p:nvPicPr>
+          <p:cNvPr id="12" name="그림 11"/>
+          <p:cNvPicPr>
+            <a:picLocks noChangeAspect="1"/>
+          </p:cNvPicPr>
+          <p:nvPr/>
+        </p:nvPicPr>
+        <p:blipFill>
+          <a:blip r:embed="rId3">
+            <a:extLst>
+              <a:ext uri="{28A0092B-C50C-407E-A947-70E740481C1C}">
+                <a14:useLocalDpi xmlns:a14="http://schemas.microsoft.com/office/drawing/2010/main" val="0"/>
+              </a:ext>
+            </a:extLst>
+          </a:blip>
+          <a:stretch>
+            <a:fillRect/>
+          </a:stretch>
+        </p:blipFill>
+        <p:spPr>
+          <a:xfrm>
+            <a:off x="4564316" y="2412334"/>
+            <a:ext cx="4579682" cy="4445665"/>
+          </a:xfrm>
+          <a:prstGeom prst="rect">
+            <a:avLst/>
+          </a:prstGeom>
+        </p:spPr>
+      </p:pic>
+      <p:cxnSp>
+        <p:nvCxnSpPr>
+          <p:cNvPr id="14" name="꺾인 연결선 13"/>
+          <p:cNvCxnSpPr>
+            <a:stCxn id="11" idx="3"/>
+          </p:cNvCxnSpPr>
+          <p:nvPr/>
+        </p:nvCxnSpPr>
+        <p:spPr>
+          <a:xfrm>
+            <a:off x="5017674" y="2205531"/>
+            <a:ext cx="307361" cy="414724"/>
+          </a:xfrm>
+          <a:prstGeom prst="bentConnector2">
+            <a:avLst/>
+          </a:prstGeom>
+          <a:ln w="57150">
+            <a:solidFill>
+              <a:srgbClr val="FF0000"/>
+            </a:solidFill>
+            <a:tailEnd type="arrow"/>
+          </a:ln>
+        </p:spPr>
+        <p:style>
+          <a:lnRef idx="1">
+            <a:schemeClr val="accent1"/>
+          </a:lnRef>
+          <a:fillRef idx="0">
+            <a:schemeClr val="accent1"/>
+          </a:fillRef>
+          <a:effectRef idx="0">
+            <a:schemeClr val="accent1"/>
+          </a:effectRef>
+          <a:fontRef idx="minor">
+            <a:schemeClr val="tx1"/>
+          </a:fontRef>
+        </p:style>
+      </p:cxnSp>
+      <p:sp>
+        <p:nvSpPr>
+          <p:cNvPr id="17" name="TextBox 16"/>
+          <p:cNvSpPr txBox="1"/>
+          <p:nvPr/>
+        </p:nvSpPr>
+        <p:spPr>
+          <a:xfrm>
+            <a:off x="523875" y="3044770"/>
+            <a:ext cx="4040441" cy="2677656"/>
+          </a:xfrm>
+          <a:prstGeom prst="rect">
+            <a:avLst/>
+          </a:prstGeom>
+          <a:noFill/>
+        </p:spPr>
+        <p:txBody>
+          <a:bodyPr wrap="square" rtlCol="0">
+            <a:spAutoFit/>
+          </a:bodyPr>
+          <a:lstStyle/>
+          <a:p>
+            <a:r>
+              <a:rPr lang="ko-KR" altLang="en-US" sz="1400" dirty="0" smtClean="0"/>
+              <a:t>주석작업을 완료한 후 </a:t>
+            </a:r>
+            <a:r>
+              <a:rPr lang="en-US" altLang="ko-KR" sz="1400" dirty="0" err="1" smtClean="0"/>
+              <a:t>Github</a:t>
+            </a:r>
+            <a:r>
+              <a:rPr lang="ko-KR" altLang="en-US" sz="1400" dirty="0" smtClean="0"/>
+              <a:t>에서 제공하는 다른 기능을 사용해 보았다</a:t>
+            </a:r>
+            <a:r>
+              <a:rPr lang="en-US" altLang="ko-KR" sz="1400" dirty="0" smtClean="0"/>
+              <a:t>.</a:t>
+            </a:r>
+          </a:p>
+          <a:p>
+            <a:endParaRPr lang="en-US" altLang="ko-KR" sz="1400" dirty="0" smtClean="0"/>
+          </a:p>
+          <a:p>
+            <a:r>
+              <a:rPr lang="ko-KR" altLang="en-US" sz="1400" dirty="0" smtClean="0"/>
+              <a:t>먼저</a:t>
+            </a:r>
+            <a:r>
+              <a:rPr lang="en-US" altLang="ko-KR" sz="1400" dirty="0" smtClean="0"/>
+              <a:t>, </a:t>
+            </a:r>
+            <a:r>
+              <a:rPr lang="ko-KR" altLang="en-US" sz="1400" dirty="0" smtClean="0"/>
+              <a:t>소스코드에 </a:t>
+            </a:r>
+            <a:r>
+              <a:rPr lang="en-US" altLang="ko-KR" sz="1400" dirty="0" smtClean="0"/>
+              <a:t>Highlight </a:t>
+            </a:r>
+            <a:r>
+              <a:rPr lang="ko-KR" altLang="en-US" sz="1400" dirty="0" smtClean="0"/>
+              <a:t>기능이 있어서 코드를 보기가 편하다</a:t>
+            </a:r>
+            <a:r>
+              <a:rPr lang="en-US" altLang="ko-KR" sz="1400" dirty="0" smtClean="0"/>
+              <a:t>.</a:t>
+            </a:r>
+          </a:p>
+          <a:p>
+            <a:endParaRPr lang="en-US" altLang="ko-KR" sz="1400" dirty="0" smtClean="0"/>
+          </a:p>
+          <a:p>
+            <a:r>
+              <a:rPr lang="en-US" altLang="ko-KR" sz="1400" dirty="0" smtClean="0"/>
+              <a:t>Blame </a:t>
+            </a:r>
+            <a:r>
+              <a:rPr lang="ko-KR" altLang="en-US" sz="1400" dirty="0" smtClean="0"/>
+              <a:t>버튼을 누르면 소스코드에서 추가된 부분과 추가한 사람에 대한 정보를 보여주는데 추가한 시간 별로 색으로 표시해 준다</a:t>
+            </a:r>
+            <a:r>
+              <a:rPr lang="en-US" altLang="ko-KR" sz="1400" dirty="0" smtClean="0"/>
+              <a:t>.</a:t>
+            </a:r>
+          </a:p>
+          <a:p>
+            <a:endParaRPr lang="en-US" altLang="ko-KR" sz="1400" dirty="0" smtClean="0"/>
+          </a:p>
+          <a:p>
+            <a:r>
+              <a:rPr lang="en-US" altLang="ko-KR" sz="1400" dirty="0" smtClean="0"/>
+              <a:t>Raw </a:t>
+            </a:r>
+            <a:r>
+              <a:rPr lang="ko-KR" altLang="en-US" sz="1400" dirty="0" smtClean="0"/>
+              <a:t>버튼은 한마디로 정말 날 것의 텍스트만 존재하는 페이지로 연결시켜 준다</a:t>
+            </a:r>
+            <a:r>
+              <a:rPr lang="en-US" altLang="ko-KR" sz="1400" dirty="0" smtClean="0"/>
+              <a:t>.</a:t>
+            </a:r>
+            <a:endParaRPr lang="en-US" altLang="ko-KR" sz="1400" dirty="0"/>
+          </a:p>
+        </p:txBody>
+      </p:sp>
     </p:spTree>
     <p:extLst>
       <p:ext uri="{BB962C8B-B14F-4D97-AF65-F5344CB8AC3E}">
-        <p14:creationId xmlns:p14="http://schemas.microsoft.com/office/powerpoint/2010/main" val="371019737"/>
+        <p14:creationId xmlns:p14="http://schemas.microsoft.com/office/powerpoint/2010/main" val="428144438"/>
       </p:ext>
     </p:extLst>
   </p:cSld>
@@ -5443,7 +11486,7 @@
   <a:extraClrSchemeLst/>
   <a:extLst>
     <a:ext uri="{05A4C25C-085E-4340-85A3-A5531E510DB2}">
-      <thm15:themeFamily xmlns:thm15="http://schemas.microsoft.com/office/thememl/2012/main" xmlns="" name="Office Theme" id="{62F939B6-93AF-4DB8-9C6B-D6C7DFDC589F}" vid="{4A3C46E8-61CC-4603-A589-7422A47A8E4A}"/>
+      <thm15:themeFamily xmlns="" xmlns:thm15="http://schemas.microsoft.com/office/thememl/2012/main" name="Office Theme" id="{62F939B6-93AF-4DB8-9C6B-D6C7DFDC589F}" vid="{4A3C46E8-61CC-4603-A589-7422A47A8E4A}"/>
     </a:ext>
   </a:extLst>
 </a:theme>
@@ -5704,7 +11747,7 @@
   <a:extraClrSchemeLst/>
   <a:extLst>
     <a:ext uri="{05A4C25C-085E-4340-85A3-A5531E510DB2}">
-      <thm15:themeFamily xmlns:thm15="http://schemas.microsoft.com/office/thememl/2012/main" xmlns="" name="Office Theme" id="{62F939B6-93AF-4DB8-9C6B-D6C7DFDC589F}" vid="{4A3C46E8-61CC-4603-A589-7422A47A8E4A}"/>
+      <thm15:themeFamily xmlns="" xmlns:thm15="http://schemas.microsoft.com/office/thememl/2012/main" name="Office Theme" id="{62F939B6-93AF-4DB8-9C6B-D6C7DFDC589F}" vid="{4A3C46E8-61CC-4603-A589-7422A47A8E4A}"/>
     </a:ext>
   </a:extLst>
 </a:theme>

--- a/발표자료.pptx
+++ b/발표자료.pptx
@@ -5772,6 +5772,264 @@
           </a:p>
         </p:txBody>
       </p:sp>
+      <p:pic>
+        <p:nvPicPr>
+          <p:cNvPr id="2" name="그림 1"/>
+          <p:cNvPicPr>
+            <a:picLocks noChangeAspect="1"/>
+          </p:cNvPicPr>
+          <p:nvPr/>
+        </p:nvPicPr>
+        <p:blipFill>
+          <a:blip r:embed="rId2">
+            <a:extLst>
+              <a:ext uri="{28A0092B-C50C-407E-A947-70E740481C1C}">
+                <a14:useLocalDpi xmlns:a14="http://schemas.microsoft.com/office/drawing/2010/main" val="0"/>
+              </a:ext>
+            </a:extLst>
+          </a:blip>
+          <a:stretch>
+            <a:fillRect/>
+          </a:stretch>
+        </p:blipFill>
+        <p:spPr>
+          <a:xfrm>
+            <a:off x="523875" y="1410514"/>
+            <a:ext cx="6293869" cy="1593943"/>
+          </a:xfrm>
+          <a:prstGeom prst="rect">
+            <a:avLst/>
+          </a:prstGeom>
+        </p:spPr>
+      </p:pic>
+      <p:sp>
+        <p:nvSpPr>
+          <p:cNvPr id="6" name="직사각형 5"/>
+          <p:cNvSpPr/>
+          <p:nvPr/>
+        </p:nvSpPr>
+        <p:spPr>
+          <a:xfrm>
+            <a:off x="1360074" y="2750884"/>
+            <a:ext cx="753035" cy="253573"/>
+          </a:xfrm>
+          <a:prstGeom prst="rect">
+            <a:avLst/>
+          </a:prstGeom>
+          <a:noFill/>
+          <a:ln w="57150">
+            <a:solidFill>
+              <a:srgbClr val="FF0000"/>
+            </a:solidFill>
+          </a:ln>
+        </p:spPr>
+        <p:style>
+          <a:lnRef idx="2">
+            <a:schemeClr val="accent1">
+              <a:shade val="50000"/>
+            </a:schemeClr>
+          </a:lnRef>
+          <a:fillRef idx="1">
+            <a:schemeClr val="accent1"/>
+          </a:fillRef>
+          <a:effectRef idx="0">
+            <a:schemeClr val="accent1"/>
+          </a:effectRef>
+          <a:fontRef idx="minor">
+            <a:schemeClr val="lt1"/>
+          </a:fontRef>
+        </p:style>
+        <p:txBody>
+          <a:bodyPr rtlCol="0" anchor="ctr"/>
+          <a:lstStyle/>
+          <a:p>
+            <a:pPr algn="ctr"/>
+            <a:endParaRPr lang="ko-KR" altLang="en-US"/>
+          </a:p>
+        </p:txBody>
+      </p:sp>
+      <p:pic>
+        <p:nvPicPr>
+          <p:cNvPr id="7" name="그림 6"/>
+          <p:cNvPicPr>
+            <a:picLocks noChangeAspect="1"/>
+          </p:cNvPicPr>
+          <p:nvPr/>
+        </p:nvPicPr>
+        <p:blipFill>
+          <a:blip r:embed="rId3">
+            <a:extLst>
+              <a:ext uri="{28A0092B-C50C-407E-A947-70E740481C1C}">
+                <a14:useLocalDpi xmlns:a14="http://schemas.microsoft.com/office/drawing/2010/main" val="0"/>
+              </a:ext>
+            </a:extLst>
+          </a:blip>
+          <a:stretch>
+            <a:fillRect/>
+          </a:stretch>
+        </p:blipFill>
+        <p:spPr>
+          <a:xfrm>
+            <a:off x="3872753" y="3060578"/>
+            <a:ext cx="5271246" cy="3797421"/>
+          </a:xfrm>
+          <a:prstGeom prst="rect">
+            <a:avLst/>
+          </a:prstGeom>
+        </p:spPr>
+      </p:pic>
+      <p:cxnSp>
+        <p:nvCxnSpPr>
+          <p:cNvPr id="11" name="꺾인 연결선 10"/>
+          <p:cNvCxnSpPr>
+            <a:stCxn id="6" idx="2"/>
+          </p:cNvCxnSpPr>
+          <p:nvPr/>
+        </p:nvCxnSpPr>
+        <p:spPr>
+          <a:xfrm rot="16200000" flipH="1">
+            <a:off x="2712464" y="2028584"/>
+            <a:ext cx="184417" cy="2136161"/>
+          </a:xfrm>
+          <a:prstGeom prst="bentConnector2">
+            <a:avLst/>
+          </a:prstGeom>
+          <a:ln w="57150">
+            <a:solidFill>
+              <a:srgbClr val="FF0000"/>
+            </a:solidFill>
+            <a:tailEnd type="arrow"/>
+          </a:ln>
+        </p:spPr>
+        <p:style>
+          <a:lnRef idx="1">
+            <a:schemeClr val="accent1"/>
+          </a:lnRef>
+          <a:fillRef idx="0">
+            <a:schemeClr val="accent1"/>
+          </a:fillRef>
+          <a:effectRef idx="0">
+            <a:schemeClr val="accent1"/>
+          </a:effectRef>
+          <a:fontRef idx="minor">
+            <a:schemeClr val="tx1"/>
+          </a:fontRef>
+        </p:style>
+      </p:cxnSp>
+      <p:pic>
+        <p:nvPicPr>
+          <p:cNvPr id="12" name="그림 11"/>
+          <p:cNvPicPr>
+            <a:picLocks noChangeAspect="1"/>
+          </p:cNvPicPr>
+          <p:nvPr/>
+        </p:nvPicPr>
+        <p:blipFill>
+          <a:blip r:embed="rId4" cstate="print">
+            <a:extLst>
+              <a:ext uri="{28A0092B-C50C-407E-A947-70E740481C1C}">
+                <a14:useLocalDpi xmlns:a14="http://schemas.microsoft.com/office/drawing/2010/main" val="0"/>
+              </a:ext>
+            </a:extLst>
+          </a:blip>
+          <a:stretch>
+            <a:fillRect/>
+          </a:stretch>
+        </p:blipFill>
+        <p:spPr>
+          <a:xfrm>
+            <a:off x="342900" y="3752479"/>
+            <a:ext cx="3909801" cy="3105521"/>
+          </a:xfrm>
+          <a:prstGeom prst="rect">
+            <a:avLst/>
+          </a:prstGeom>
+        </p:spPr>
+      </p:pic>
+      <p:sp>
+        <p:nvSpPr>
+          <p:cNvPr id="13" name="직사각형 12"/>
+          <p:cNvSpPr/>
+          <p:nvPr/>
+        </p:nvSpPr>
+        <p:spPr>
+          <a:xfrm>
+            <a:off x="7936326" y="6445623"/>
+            <a:ext cx="1030941" cy="253573"/>
+          </a:xfrm>
+          <a:prstGeom prst="rect">
+            <a:avLst/>
+          </a:prstGeom>
+          <a:noFill/>
+          <a:ln w="57150">
+            <a:solidFill>
+              <a:srgbClr val="FF0000"/>
+            </a:solidFill>
+          </a:ln>
+        </p:spPr>
+        <p:style>
+          <a:lnRef idx="2">
+            <a:schemeClr val="accent1">
+              <a:shade val="50000"/>
+            </a:schemeClr>
+          </a:lnRef>
+          <a:fillRef idx="1">
+            <a:schemeClr val="accent1"/>
+          </a:fillRef>
+          <a:effectRef idx="0">
+            <a:schemeClr val="accent1"/>
+          </a:effectRef>
+          <a:fontRef idx="minor">
+            <a:schemeClr val="lt1"/>
+          </a:fontRef>
+        </p:style>
+        <p:txBody>
+          <a:bodyPr rtlCol="0" anchor="ctr"/>
+          <a:lstStyle/>
+          <a:p>
+            <a:pPr algn="ctr"/>
+            <a:endParaRPr lang="ko-KR" altLang="en-US"/>
+          </a:p>
+        </p:txBody>
+      </p:sp>
+      <p:cxnSp>
+        <p:nvCxnSpPr>
+          <p:cNvPr id="15" name="직선 화살표 연결선 14"/>
+          <p:cNvCxnSpPr>
+            <a:stCxn id="13" idx="1"/>
+          </p:cNvCxnSpPr>
+          <p:nvPr/>
+        </p:nvCxnSpPr>
+        <p:spPr>
+          <a:xfrm flipH="1" flipV="1">
+            <a:off x="2209844" y="3926541"/>
+            <a:ext cx="5726482" cy="2645869"/>
+          </a:xfrm>
+          <a:prstGeom prst="straightConnector1">
+            <a:avLst/>
+          </a:prstGeom>
+          <a:ln w="57150">
+            <a:solidFill>
+              <a:srgbClr val="FF0000"/>
+            </a:solidFill>
+            <a:tailEnd type="arrow"/>
+          </a:ln>
+        </p:spPr>
+        <p:style>
+          <a:lnRef idx="1">
+            <a:schemeClr val="accent1"/>
+          </a:lnRef>
+          <a:fillRef idx="0">
+            <a:schemeClr val="accent1"/>
+          </a:fillRef>
+          <a:effectRef idx="0">
+            <a:schemeClr val="accent1"/>
+          </a:effectRef>
+          <a:fontRef idx="minor">
+            <a:schemeClr val="tx1"/>
+          </a:fontRef>
+        </p:style>
+      </p:cxnSp>
     </p:spTree>
     <p:extLst>
       <p:ext uri="{BB962C8B-B14F-4D97-AF65-F5344CB8AC3E}">
